--- a/PPT/Data Structure.pptx
+++ b/PPT/Data Structure.pptx
@@ -6,7 +6,7 @@
     <p:sldMasterId id="2147483679" r:id="rId2"/>
   </p:sldMasterIdLst>
   <p:notesMasterIdLst>
-    <p:notesMasterId r:id="rId35"/>
+    <p:notesMasterId r:id="rId40"/>
   </p:notesMasterIdLst>
   <p:sldIdLst>
     <p:sldId id="261" r:id="rId3"/>
@@ -20,27 +20,32 @@
     <p:sldId id="299" r:id="rId11"/>
     <p:sldId id="300" r:id="rId12"/>
     <p:sldId id="301" r:id="rId13"/>
-    <p:sldId id="294" r:id="rId14"/>
-    <p:sldId id="267" r:id="rId15"/>
-    <p:sldId id="293" r:id="rId16"/>
-    <p:sldId id="271" r:id="rId17"/>
-    <p:sldId id="263" r:id="rId18"/>
-    <p:sldId id="296" r:id="rId19"/>
-    <p:sldId id="297" r:id="rId20"/>
-    <p:sldId id="298" r:id="rId21"/>
-    <p:sldId id="287" r:id="rId22"/>
-    <p:sldId id="275" r:id="rId23"/>
-    <p:sldId id="292" r:id="rId24"/>
-    <p:sldId id="282" r:id="rId25"/>
-    <p:sldId id="291" r:id="rId26"/>
-    <p:sldId id="283" r:id="rId27"/>
-    <p:sldId id="290" r:id="rId28"/>
-    <p:sldId id="284" r:id="rId29"/>
-    <p:sldId id="289" r:id="rId30"/>
-    <p:sldId id="285" r:id="rId31"/>
-    <p:sldId id="288" r:id="rId32"/>
-    <p:sldId id="286" r:id="rId33"/>
-    <p:sldId id="279" r:id="rId34"/>
+    <p:sldId id="312" r:id="rId14"/>
+    <p:sldId id="310" r:id="rId15"/>
+    <p:sldId id="309" r:id="rId16"/>
+    <p:sldId id="311" r:id="rId17"/>
+    <p:sldId id="308" r:id="rId18"/>
+    <p:sldId id="294" r:id="rId19"/>
+    <p:sldId id="267" r:id="rId20"/>
+    <p:sldId id="293" r:id="rId21"/>
+    <p:sldId id="275" r:id="rId22"/>
+    <p:sldId id="292" r:id="rId23"/>
+    <p:sldId id="282" r:id="rId24"/>
+    <p:sldId id="291" r:id="rId25"/>
+    <p:sldId id="283" r:id="rId26"/>
+    <p:sldId id="290" r:id="rId27"/>
+    <p:sldId id="284" r:id="rId28"/>
+    <p:sldId id="289" r:id="rId29"/>
+    <p:sldId id="271" r:id="rId30"/>
+    <p:sldId id="263" r:id="rId31"/>
+    <p:sldId id="296" r:id="rId32"/>
+    <p:sldId id="297" r:id="rId33"/>
+    <p:sldId id="298" r:id="rId34"/>
+    <p:sldId id="287" r:id="rId35"/>
+    <p:sldId id="285" r:id="rId36"/>
+    <p:sldId id="288" r:id="rId37"/>
+    <p:sldId id="286" r:id="rId38"/>
+    <p:sldId id="279" r:id="rId39"/>
   </p:sldIdLst>
   <p:sldSz cx="12192000" cy="6858000"/>
   <p:notesSz cx="6858000" cy="9144000"/>
@@ -232,7 +237,7 @@
           <a:p>
             <a:fld id="{3E6E1E63-6347-BD4F-A808-7F54FA34CE72}" type="datetimeFigureOut">
               <a:rPr kumimoji="1" lang="zh-CN" altLang="en-US" smtClean="0"/>
-              <a:t>2020/12/3</a:t>
+              <a:t>2020/12/5</a:t>
             </a:fld>
             <a:endParaRPr kumimoji="1" lang="zh-CN" altLang="en-US"/>
           </a:p>
@@ -648,7 +653,7 @@
           <a:p>
             <a:fld id="{211EDE8F-5748-564A-B104-45C8D6344219}" type="slidenum">
               <a:rPr kumimoji="1" lang="zh-CN" altLang="en-US" smtClean="0"/>
-              <a:t>16</a:t>
+              <a:t>20</a:t>
             </a:fld>
             <a:endParaRPr kumimoji="1" lang="zh-CN" altLang="en-US"/>
           </a:p>
@@ -657,7 +662,7 @@
     </p:spTree>
     <p:extLst>
       <p:ext uri="{BB962C8B-B14F-4D97-AF65-F5344CB8AC3E}">
-        <p14:creationId xmlns:p14="http://schemas.microsoft.com/office/powerpoint/2010/main" val="4293662231"/>
+        <p14:creationId xmlns:p14="http://schemas.microsoft.com/office/powerpoint/2010/main" val="2700460038"/>
       </p:ext>
     </p:extLst>
   </p:cSld>
@@ -732,7 +737,7 @@
           <a:p>
             <a:fld id="{211EDE8F-5748-564A-B104-45C8D6344219}" type="slidenum">
               <a:rPr kumimoji="1" lang="zh-CN" altLang="en-US" smtClean="0"/>
-              <a:t>20</a:t>
+              <a:t>21</a:t>
             </a:fld>
             <a:endParaRPr kumimoji="1" lang="zh-CN" altLang="en-US"/>
           </a:p>
@@ -741,7 +746,7 @@
     </p:spTree>
     <p:extLst>
       <p:ext uri="{BB962C8B-B14F-4D97-AF65-F5344CB8AC3E}">
-        <p14:creationId xmlns:p14="http://schemas.microsoft.com/office/powerpoint/2010/main" val="2714685446"/>
+        <p14:creationId xmlns:p14="http://schemas.microsoft.com/office/powerpoint/2010/main" val="1929063682"/>
       </p:ext>
     </p:extLst>
   </p:cSld>
@@ -816,7 +821,7 @@
           <a:p>
             <a:fld id="{211EDE8F-5748-564A-B104-45C8D6344219}" type="slidenum">
               <a:rPr kumimoji="1" lang="zh-CN" altLang="en-US" smtClean="0"/>
-              <a:t>21</a:t>
+              <a:t>22</a:t>
             </a:fld>
             <a:endParaRPr kumimoji="1" lang="zh-CN" altLang="en-US"/>
           </a:p>
@@ -825,7 +830,7 @@
     </p:spTree>
     <p:extLst>
       <p:ext uri="{BB962C8B-B14F-4D97-AF65-F5344CB8AC3E}">
-        <p14:creationId xmlns:p14="http://schemas.microsoft.com/office/powerpoint/2010/main" val="2700460038"/>
+        <p14:creationId xmlns:p14="http://schemas.microsoft.com/office/powerpoint/2010/main" val="2160874480"/>
       </p:ext>
     </p:extLst>
   </p:cSld>
@@ -900,7 +905,7 @@
           <a:p>
             <a:fld id="{211EDE8F-5748-564A-B104-45C8D6344219}" type="slidenum">
               <a:rPr kumimoji="1" lang="zh-CN" altLang="en-US" smtClean="0"/>
-              <a:t>22</a:t>
+              <a:t>23</a:t>
             </a:fld>
             <a:endParaRPr kumimoji="1" lang="zh-CN" altLang="en-US"/>
           </a:p>
@@ -909,7 +914,7 @@
     </p:spTree>
     <p:extLst>
       <p:ext uri="{BB962C8B-B14F-4D97-AF65-F5344CB8AC3E}">
-        <p14:creationId xmlns:p14="http://schemas.microsoft.com/office/powerpoint/2010/main" val="1929063682"/>
+        <p14:creationId xmlns:p14="http://schemas.microsoft.com/office/powerpoint/2010/main" val="3770772182"/>
       </p:ext>
     </p:extLst>
   </p:cSld>
@@ -984,7 +989,7 @@
           <a:p>
             <a:fld id="{211EDE8F-5748-564A-B104-45C8D6344219}" type="slidenum">
               <a:rPr kumimoji="1" lang="zh-CN" altLang="en-US" smtClean="0"/>
-              <a:t>23</a:t>
+              <a:t>24</a:t>
             </a:fld>
             <a:endParaRPr kumimoji="1" lang="zh-CN" altLang="en-US"/>
           </a:p>
@@ -993,7 +998,7 @@
     </p:spTree>
     <p:extLst>
       <p:ext uri="{BB962C8B-B14F-4D97-AF65-F5344CB8AC3E}">
-        <p14:creationId xmlns:p14="http://schemas.microsoft.com/office/powerpoint/2010/main" val="2160874480"/>
+        <p14:creationId xmlns:p14="http://schemas.microsoft.com/office/powerpoint/2010/main" val="1404708512"/>
       </p:ext>
     </p:extLst>
   </p:cSld>
@@ -1068,7 +1073,7 @@
           <a:p>
             <a:fld id="{211EDE8F-5748-564A-B104-45C8D6344219}" type="slidenum">
               <a:rPr kumimoji="1" lang="zh-CN" altLang="en-US" smtClean="0"/>
-              <a:t>24</a:t>
+              <a:t>25</a:t>
             </a:fld>
             <a:endParaRPr kumimoji="1" lang="zh-CN" altLang="en-US"/>
           </a:p>
@@ -1077,7 +1082,7 @@
     </p:spTree>
     <p:extLst>
       <p:ext uri="{BB962C8B-B14F-4D97-AF65-F5344CB8AC3E}">
-        <p14:creationId xmlns:p14="http://schemas.microsoft.com/office/powerpoint/2010/main" val="3770772182"/>
+        <p14:creationId xmlns:p14="http://schemas.microsoft.com/office/powerpoint/2010/main" val="560269605"/>
       </p:ext>
     </p:extLst>
   </p:cSld>
@@ -1152,7 +1157,7 @@
           <a:p>
             <a:fld id="{211EDE8F-5748-564A-B104-45C8D6344219}" type="slidenum">
               <a:rPr kumimoji="1" lang="zh-CN" altLang="en-US" smtClean="0"/>
-              <a:t>25</a:t>
+              <a:t>26</a:t>
             </a:fld>
             <a:endParaRPr kumimoji="1" lang="zh-CN" altLang="en-US"/>
           </a:p>
@@ -1161,7 +1166,7 @@
     </p:spTree>
     <p:extLst>
       <p:ext uri="{BB962C8B-B14F-4D97-AF65-F5344CB8AC3E}">
-        <p14:creationId xmlns:p14="http://schemas.microsoft.com/office/powerpoint/2010/main" val="1404708512"/>
+        <p14:creationId xmlns:p14="http://schemas.microsoft.com/office/powerpoint/2010/main" val="530034474"/>
       </p:ext>
     </p:extLst>
   </p:cSld>
@@ -1236,7 +1241,7 @@
           <a:p>
             <a:fld id="{211EDE8F-5748-564A-B104-45C8D6344219}" type="slidenum">
               <a:rPr kumimoji="1" lang="zh-CN" altLang="en-US" smtClean="0"/>
-              <a:t>26</a:t>
+              <a:t>27</a:t>
             </a:fld>
             <a:endParaRPr kumimoji="1" lang="zh-CN" altLang="en-US"/>
           </a:p>
@@ -1245,7 +1250,7 @@
     </p:spTree>
     <p:extLst>
       <p:ext uri="{BB962C8B-B14F-4D97-AF65-F5344CB8AC3E}">
-        <p14:creationId xmlns:p14="http://schemas.microsoft.com/office/powerpoint/2010/main" val="560269605"/>
+        <p14:creationId xmlns:p14="http://schemas.microsoft.com/office/powerpoint/2010/main" val="301969521"/>
       </p:ext>
     </p:extLst>
   </p:cSld>
@@ -1320,7 +1325,7 @@
           <a:p>
             <a:fld id="{211EDE8F-5748-564A-B104-45C8D6344219}" type="slidenum">
               <a:rPr kumimoji="1" lang="zh-CN" altLang="en-US" smtClean="0"/>
-              <a:t>27</a:t>
+              <a:t>28</a:t>
             </a:fld>
             <a:endParaRPr kumimoji="1" lang="zh-CN" altLang="en-US"/>
           </a:p>
@@ -1329,7 +1334,7 @@
     </p:spTree>
     <p:extLst>
       <p:ext uri="{BB962C8B-B14F-4D97-AF65-F5344CB8AC3E}">
-        <p14:creationId xmlns:p14="http://schemas.microsoft.com/office/powerpoint/2010/main" val="530034474"/>
+        <p14:creationId xmlns:p14="http://schemas.microsoft.com/office/powerpoint/2010/main" val="3274146324"/>
       </p:ext>
     </p:extLst>
   </p:cSld>
@@ -1404,7 +1409,7 @@
           <a:p>
             <a:fld id="{211EDE8F-5748-564A-B104-45C8D6344219}" type="slidenum">
               <a:rPr kumimoji="1" lang="zh-CN" altLang="en-US" smtClean="0"/>
-              <a:t>28</a:t>
+              <a:t>29</a:t>
             </a:fld>
             <a:endParaRPr kumimoji="1" lang="zh-CN" altLang="en-US"/>
           </a:p>
@@ -1413,7 +1418,7 @@
     </p:spTree>
     <p:extLst>
       <p:ext uri="{BB962C8B-B14F-4D97-AF65-F5344CB8AC3E}">
-        <p14:creationId xmlns:p14="http://schemas.microsoft.com/office/powerpoint/2010/main" val="301969521"/>
+        <p14:creationId xmlns:p14="http://schemas.microsoft.com/office/powerpoint/2010/main" val="4293662231"/>
       </p:ext>
     </p:extLst>
   </p:cSld>
@@ -1572,7 +1577,7 @@
           <a:p>
             <a:fld id="{211EDE8F-5748-564A-B104-45C8D6344219}" type="slidenum">
               <a:rPr kumimoji="1" lang="zh-CN" altLang="en-US" smtClean="0"/>
-              <a:t>29</a:t>
+              <a:t>33</a:t>
             </a:fld>
             <a:endParaRPr kumimoji="1" lang="zh-CN" altLang="en-US"/>
           </a:p>
@@ -1581,7 +1586,7 @@
     </p:spTree>
     <p:extLst>
       <p:ext uri="{BB962C8B-B14F-4D97-AF65-F5344CB8AC3E}">
-        <p14:creationId xmlns:p14="http://schemas.microsoft.com/office/powerpoint/2010/main" val="2693182003"/>
+        <p14:creationId xmlns:p14="http://schemas.microsoft.com/office/powerpoint/2010/main" val="2479257032"/>
       </p:ext>
     </p:extLst>
   </p:cSld>
@@ -1656,7 +1661,7 @@
           <a:p>
             <a:fld id="{211EDE8F-5748-564A-B104-45C8D6344219}" type="slidenum">
               <a:rPr kumimoji="1" lang="zh-CN" altLang="en-US" smtClean="0"/>
-              <a:t>30</a:t>
+              <a:t>34</a:t>
             </a:fld>
             <a:endParaRPr kumimoji="1" lang="zh-CN" altLang="en-US"/>
           </a:p>
@@ -1665,7 +1670,7 @@
     </p:spTree>
     <p:extLst>
       <p:ext uri="{BB962C8B-B14F-4D97-AF65-F5344CB8AC3E}">
-        <p14:creationId xmlns:p14="http://schemas.microsoft.com/office/powerpoint/2010/main" val="2216415090"/>
+        <p14:creationId xmlns:p14="http://schemas.microsoft.com/office/powerpoint/2010/main" val="2693182003"/>
       </p:ext>
     </p:extLst>
   </p:cSld>
@@ -1740,7 +1745,7 @@
           <a:p>
             <a:fld id="{211EDE8F-5748-564A-B104-45C8D6344219}" type="slidenum">
               <a:rPr kumimoji="1" lang="zh-CN" altLang="en-US" smtClean="0"/>
-              <a:t>31</a:t>
+              <a:t>35</a:t>
             </a:fld>
             <a:endParaRPr kumimoji="1" lang="zh-CN" altLang="en-US"/>
           </a:p>
@@ -1749,7 +1754,7 @@
     </p:spTree>
     <p:extLst>
       <p:ext uri="{BB962C8B-B14F-4D97-AF65-F5344CB8AC3E}">
-        <p14:creationId xmlns:p14="http://schemas.microsoft.com/office/powerpoint/2010/main" val="3643477795"/>
+        <p14:creationId xmlns:p14="http://schemas.microsoft.com/office/powerpoint/2010/main" val="2216415090"/>
       </p:ext>
     </p:extLst>
   </p:cSld>
@@ -1824,7 +1829,91 @@
           <a:p>
             <a:fld id="{211EDE8F-5748-564A-B104-45C8D6344219}" type="slidenum">
               <a:rPr kumimoji="1" lang="zh-CN" altLang="en-US" smtClean="0"/>
-              <a:t>32</a:t>
+              <a:t>36</a:t>
+            </a:fld>
+            <a:endParaRPr kumimoji="1" lang="zh-CN" altLang="en-US"/>
+          </a:p>
+        </p:txBody>
+      </p:sp>
+    </p:spTree>
+    <p:extLst>
+      <p:ext uri="{BB962C8B-B14F-4D97-AF65-F5344CB8AC3E}">
+        <p14:creationId xmlns:p14="http://schemas.microsoft.com/office/powerpoint/2010/main" val="3643477795"/>
+      </p:ext>
+    </p:extLst>
+  </p:cSld>
+  <p:clrMapOvr>
+    <a:masterClrMapping/>
+  </p:clrMapOvr>
+</p:notes>
+</file>
+
+<file path=ppt/notesSlides/notesSlide24.xml><?xml version="1.0" encoding="utf-8"?>
+<p:notes xmlns:a="http://schemas.openxmlformats.org/drawingml/2006/main" xmlns:r="http://schemas.openxmlformats.org/officeDocument/2006/relationships" xmlns:p="http://schemas.openxmlformats.org/presentationml/2006/main">
+  <p:cSld>
+    <p:spTree>
+      <p:nvGrpSpPr>
+        <p:cNvPr id="1" name=""/>
+        <p:cNvGrpSpPr/>
+        <p:nvPr/>
+      </p:nvGrpSpPr>
+      <p:grpSpPr>
+        <a:xfrm>
+          <a:off x="0" y="0"/>
+          <a:ext cx="0" cy="0"/>
+          <a:chOff x="0" y="0"/>
+          <a:chExt cx="0" cy="0"/>
+        </a:xfrm>
+      </p:grpSpPr>
+      <p:sp>
+        <p:nvSpPr>
+          <p:cNvPr id="2" name="幻灯片图像占位符 1"/>
+          <p:cNvSpPr>
+            <a:spLocks noGrp="1" noRot="1" noChangeAspect="1"/>
+          </p:cNvSpPr>
+          <p:nvPr>
+            <p:ph type="sldImg"/>
+          </p:nvPr>
+        </p:nvSpPr>
+        <p:spPr/>
+      </p:sp>
+      <p:sp>
+        <p:nvSpPr>
+          <p:cNvPr id="3" name="备注占位符 2"/>
+          <p:cNvSpPr>
+            <a:spLocks noGrp="1"/>
+          </p:cNvSpPr>
+          <p:nvPr>
+            <p:ph type="body" idx="1"/>
+          </p:nvPr>
+        </p:nvSpPr>
+        <p:spPr/>
+        <p:txBody>
+          <a:bodyPr/>
+          <a:lstStyle/>
+          <a:p>
+            <a:endParaRPr lang="zh-CN" altLang="en-US"/>
+          </a:p>
+        </p:txBody>
+      </p:sp>
+      <p:sp>
+        <p:nvSpPr>
+          <p:cNvPr id="4" name="灯片编号占位符 3"/>
+          <p:cNvSpPr>
+            <a:spLocks noGrp="1"/>
+          </p:cNvSpPr>
+          <p:nvPr>
+            <p:ph type="sldNum" sz="quarter" idx="10"/>
+          </p:nvPr>
+        </p:nvSpPr>
+        <p:spPr/>
+        <p:txBody>
+          <a:bodyPr/>
+          <a:lstStyle/>
+          <a:p>
+            <a:fld id="{211EDE8F-5748-564A-B104-45C8D6344219}" type="slidenum">
+              <a:rPr kumimoji="1" lang="zh-CN" altLang="en-US" smtClean="0"/>
+              <a:t>37</a:t>
             </a:fld>
             <a:endParaRPr kumimoji="1" lang="zh-CN" altLang="en-US"/>
           </a:p>
@@ -2160,7 +2249,7 @@
           <a:p>
             <a:fld id="{211EDE8F-5748-564A-B104-45C8D6344219}" type="slidenum">
               <a:rPr kumimoji="1" lang="zh-CN" altLang="en-US" smtClean="0"/>
-              <a:t>12</a:t>
+              <a:t>13</a:t>
             </a:fld>
             <a:endParaRPr kumimoji="1" lang="zh-CN" altLang="en-US"/>
           </a:p>
@@ -2169,7 +2258,7 @@
     </p:spTree>
     <p:extLst>
       <p:ext uri="{BB962C8B-B14F-4D97-AF65-F5344CB8AC3E}">
-        <p14:creationId xmlns:p14="http://schemas.microsoft.com/office/powerpoint/2010/main" val="1479857769"/>
+        <p14:creationId xmlns:p14="http://schemas.microsoft.com/office/powerpoint/2010/main" val="2683751809"/>
       </p:ext>
     </p:extLst>
   </p:cSld>
@@ -2244,7 +2333,7 @@
           <a:p>
             <a:fld id="{211EDE8F-5748-564A-B104-45C8D6344219}" type="slidenum">
               <a:rPr kumimoji="1" lang="zh-CN" altLang="en-US" smtClean="0"/>
-              <a:t>13</a:t>
+              <a:t>17</a:t>
             </a:fld>
             <a:endParaRPr kumimoji="1" lang="zh-CN" altLang="en-US"/>
           </a:p>
@@ -2253,7 +2342,7 @@
     </p:spTree>
     <p:extLst>
       <p:ext uri="{BB962C8B-B14F-4D97-AF65-F5344CB8AC3E}">
-        <p14:creationId xmlns:p14="http://schemas.microsoft.com/office/powerpoint/2010/main" val="512506283"/>
+        <p14:creationId xmlns:p14="http://schemas.microsoft.com/office/powerpoint/2010/main" val="1479857769"/>
       </p:ext>
     </p:extLst>
   </p:cSld>
@@ -2328,7 +2417,7 @@
           <a:p>
             <a:fld id="{211EDE8F-5748-564A-B104-45C8D6344219}" type="slidenum">
               <a:rPr kumimoji="1" lang="zh-CN" altLang="en-US" smtClean="0"/>
-              <a:t>14</a:t>
+              <a:t>18</a:t>
             </a:fld>
             <a:endParaRPr kumimoji="1" lang="zh-CN" altLang="en-US"/>
           </a:p>
@@ -2337,7 +2426,7 @@
     </p:spTree>
     <p:extLst>
       <p:ext uri="{BB962C8B-B14F-4D97-AF65-F5344CB8AC3E}">
-        <p14:creationId xmlns:p14="http://schemas.microsoft.com/office/powerpoint/2010/main" val="2556382271"/>
+        <p14:creationId xmlns:p14="http://schemas.microsoft.com/office/powerpoint/2010/main" val="512506283"/>
       </p:ext>
     </p:extLst>
   </p:cSld>
@@ -2412,7 +2501,7 @@
           <a:p>
             <a:fld id="{211EDE8F-5748-564A-B104-45C8D6344219}" type="slidenum">
               <a:rPr kumimoji="1" lang="zh-CN" altLang="en-US" smtClean="0"/>
-              <a:t>15</a:t>
+              <a:t>19</a:t>
             </a:fld>
             <a:endParaRPr kumimoji="1" lang="zh-CN" altLang="en-US"/>
           </a:p>
@@ -2421,7 +2510,7 @@
     </p:spTree>
     <p:extLst>
       <p:ext uri="{BB962C8B-B14F-4D97-AF65-F5344CB8AC3E}">
-        <p14:creationId xmlns:p14="http://schemas.microsoft.com/office/powerpoint/2010/main" val="3274146324"/>
+        <p14:creationId xmlns:p14="http://schemas.microsoft.com/office/powerpoint/2010/main" val="2556382271"/>
       </p:ext>
     </p:extLst>
   </p:cSld>
@@ -21234,6 +21323,155 @@
           </a:p>
         </p:txBody>
       </p:sp>
+      <p:sp>
+        <p:nvSpPr>
+          <p:cNvPr id="3" name="文本框 2">
+            <a:extLst>
+              <a:ext uri="{FF2B5EF4-FFF2-40B4-BE49-F238E27FC236}">
+                <a16:creationId xmlns:a16="http://schemas.microsoft.com/office/drawing/2014/main" id="{99AF5608-85B2-45A2-A58B-B30576CDA275}"/>
+              </a:ext>
+            </a:extLst>
+          </p:cNvPr>
+          <p:cNvSpPr txBox="1"/>
+          <p:nvPr/>
+        </p:nvSpPr>
+        <p:spPr>
+          <a:xfrm>
+            <a:off x="506186" y="996043"/>
+            <a:ext cx="11217728" cy="646331"/>
+          </a:xfrm>
+          <a:prstGeom prst="rect">
+            <a:avLst/>
+          </a:prstGeom>
+          <a:noFill/>
+        </p:spPr>
+        <p:txBody>
+          <a:bodyPr wrap="square" rtlCol="0">
+            <a:spAutoFit/>
+          </a:bodyPr>
+          <a:lstStyle/>
+          <a:p>
+            <a:r>
+              <a:rPr lang="zh-CN" altLang="en-US" dirty="0"/>
+              <a:t>定义：</a:t>
+            </a:r>
+            <a:r>
+              <a:rPr lang="zh-CN" altLang="en-US" b="0" i="0" dirty="0">
+                <a:effectLst/>
+                <a:latin typeface="Helvetica Neue"/>
+              </a:rPr>
+              <a:t>顺序表，全名顺序存储结构。顺序表存储数据时，会提前申请一整块足够大小的物理空间，然后将数据依次存储起来，存储时做到数据元素之间不留一丝缝隙。</a:t>
+            </a:r>
+            <a:endParaRPr lang="zh-CN" altLang="en-US" dirty="0"/>
+          </a:p>
+        </p:txBody>
+      </p:sp>
+      <p:pic>
+        <p:nvPicPr>
+          <p:cNvPr id="4" name="图片 3" descr="顺序表&#10;">
+            <a:extLst>
+              <a:ext uri="{FF2B5EF4-FFF2-40B4-BE49-F238E27FC236}">
+                <a16:creationId xmlns:a16="http://schemas.microsoft.com/office/drawing/2014/main" id="{C0783FAB-8DE4-48BE-9BD7-2CE63059A232}"/>
+              </a:ext>
+            </a:extLst>
+          </p:cNvPr>
+          <p:cNvPicPr>
+            <a:picLocks noChangeAspect="1"/>
+          </p:cNvPicPr>
+          <p:nvPr/>
+        </p:nvPicPr>
+        <p:blipFill>
+          <a:blip r:embed="rId2"/>
+          <a:stretch>
+            <a:fillRect/>
+          </a:stretch>
+        </p:blipFill>
+        <p:spPr>
+          <a:xfrm>
+            <a:off x="9738592" y="1413951"/>
+            <a:ext cx="1583928" cy="3442630"/>
+          </a:xfrm>
+          <a:prstGeom prst="rect">
+            <a:avLst/>
+          </a:prstGeom>
+        </p:spPr>
+      </p:pic>
+      <p:sp>
+        <p:nvSpPr>
+          <p:cNvPr id="5" name="文本框 4">
+            <a:extLst>
+              <a:ext uri="{FF2B5EF4-FFF2-40B4-BE49-F238E27FC236}">
+                <a16:creationId xmlns:a16="http://schemas.microsoft.com/office/drawing/2014/main" id="{47E73AB8-8364-42A6-B63A-3128BC06BF11}"/>
+              </a:ext>
+            </a:extLst>
+          </p:cNvPr>
+          <p:cNvSpPr txBox="1"/>
+          <p:nvPr/>
+        </p:nvSpPr>
+        <p:spPr>
+          <a:xfrm>
+            <a:off x="506186" y="2220686"/>
+            <a:ext cx="9024257" cy="1200329"/>
+          </a:xfrm>
+          <a:prstGeom prst="rect">
+            <a:avLst/>
+          </a:prstGeom>
+          <a:noFill/>
+        </p:spPr>
+        <p:txBody>
+          <a:bodyPr wrap="square" rtlCol="0">
+            <a:spAutoFit/>
+          </a:bodyPr>
+          <a:lstStyle/>
+          <a:p>
+            <a:r>
+              <a:rPr lang="zh-CN" altLang="en-US" dirty="0"/>
+              <a:t>结构：</a:t>
+            </a:r>
+            <a:r>
+              <a:rPr lang="zh-CN" altLang="en-US" dirty="0">
+                <a:latin typeface="Helvetica Neue"/>
+              </a:rPr>
+              <a:t>一个顺序表应当拥有以下几个结构构成：</a:t>
+            </a:r>
+            <a:endParaRPr lang="en-US" altLang="zh-CN" dirty="0">
+              <a:latin typeface="Helvetica Neue"/>
+            </a:endParaRPr>
+          </a:p>
+          <a:p>
+            <a:pPr marL="1257277" lvl="2" indent="-342900">
+              <a:buFont typeface="+mj-lt"/>
+              <a:buAutoNum type="arabicPeriod"/>
+            </a:pPr>
+            <a:r>
+              <a:rPr lang="zh-CN" altLang="en-US" dirty="0"/>
+              <a:t>数据域</a:t>
+            </a:r>
+            <a:endParaRPr lang="en-US" altLang="zh-CN" dirty="0"/>
+          </a:p>
+          <a:p>
+            <a:pPr marL="1257277" lvl="2" indent="-342900">
+              <a:buFont typeface="+mj-lt"/>
+              <a:buAutoNum type="arabicPeriod"/>
+            </a:pPr>
+            <a:r>
+              <a:rPr lang="zh-CN" altLang="en-US" dirty="0"/>
+              <a:t>长度</a:t>
+            </a:r>
+            <a:endParaRPr lang="en-US" altLang="zh-CN" dirty="0"/>
+          </a:p>
+          <a:p>
+            <a:pPr marL="1257277" lvl="2" indent="-342900">
+              <a:buFont typeface="+mj-lt"/>
+              <a:buAutoNum type="arabicPeriod"/>
+            </a:pPr>
+            <a:r>
+              <a:rPr lang="zh-CN" altLang="en-US" dirty="0"/>
+              <a:t>存储容量</a:t>
+            </a:r>
+          </a:p>
+        </p:txBody>
+      </p:sp>
     </p:spTree>
     <p:extLst>
       <p:ext uri="{BB962C8B-B14F-4D97-AF65-F5344CB8AC3E}">
@@ -21324,6 +21562,537 @@
       </p:grpSpPr>
       <p:sp>
         <p:nvSpPr>
+          <p:cNvPr id="2" name="文本占位符 1">
+            <a:extLst>
+              <a:ext uri="{FF2B5EF4-FFF2-40B4-BE49-F238E27FC236}">
+                <a16:creationId xmlns:a16="http://schemas.microsoft.com/office/drawing/2014/main" id="{D1A1F7E8-23FB-41A2-8BA0-565EF21F256E}"/>
+              </a:ext>
+            </a:extLst>
+          </p:cNvPr>
+          <p:cNvSpPr>
+            <a:spLocks noGrp="1"/>
+          </p:cNvSpPr>
+          <p:nvPr>
+            <p:ph type="body" sz="quarter" idx="12"/>
+          </p:nvPr>
+        </p:nvSpPr>
+        <p:spPr/>
+        <p:txBody>
+          <a:bodyPr/>
+          <a:lstStyle/>
+          <a:p>
+            <a:r>
+              <a:rPr lang="zh-CN" altLang="en-US" dirty="0"/>
+              <a:t>比较</a:t>
+            </a:r>
+          </a:p>
+        </p:txBody>
+      </p:sp>
+    </p:spTree>
+    <p:extLst>
+      <p:ext uri="{BB962C8B-B14F-4D97-AF65-F5344CB8AC3E}">
+        <p14:creationId xmlns:p14="http://schemas.microsoft.com/office/powerpoint/2010/main" val="2148451620"/>
+      </p:ext>
+    </p:extLst>
+  </p:cSld>
+  <p:clrMapOvr>
+    <a:masterClrMapping/>
+  </p:clrMapOvr>
+</p:sld>
+</file>
+
+<file path=ppt/slides/slide13.xml><?xml version="1.0" encoding="utf-8"?>
+<p:sld xmlns:a="http://schemas.openxmlformats.org/drawingml/2006/main" xmlns:r="http://schemas.openxmlformats.org/officeDocument/2006/relationships" xmlns:p="http://schemas.openxmlformats.org/presentationml/2006/main">
+  <p:cSld>
+    <p:spTree>
+      <p:nvGrpSpPr>
+        <p:cNvPr id="1" name=""/>
+        <p:cNvGrpSpPr/>
+        <p:nvPr/>
+      </p:nvGrpSpPr>
+      <p:grpSpPr>
+        <a:xfrm>
+          <a:off x="0" y="0"/>
+          <a:ext cx="0" cy="0"/>
+          <a:chOff x="0" y="0"/>
+          <a:chExt cx="0" cy="0"/>
+        </a:xfrm>
+      </p:grpSpPr>
+      <p:sp>
+        <p:nvSpPr>
+          <p:cNvPr id="2" name="文本占位符 1"/>
+          <p:cNvSpPr>
+            <a:spLocks noGrp="1"/>
+          </p:cNvSpPr>
+          <p:nvPr>
+            <p:ph type="body" sz="quarter" idx="10"/>
+          </p:nvPr>
+        </p:nvSpPr>
+        <p:spPr/>
+        <p:txBody>
+          <a:bodyPr/>
+          <a:lstStyle/>
+          <a:p>
+            <a:r>
+              <a:rPr kumimoji="1" lang="zh-CN" altLang="en-US" dirty="0"/>
+              <a:t>感谢聆听</a:t>
+            </a:r>
+          </a:p>
+        </p:txBody>
+      </p:sp>
+      <p:sp>
+        <p:nvSpPr>
+          <p:cNvPr id="3" name="文本占位符 2"/>
+          <p:cNvSpPr>
+            <a:spLocks noGrp="1"/>
+          </p:cNvSpPr>
+          <p:nvPr>
+            <p:ph type="body" sz="quarter" idx="11"/>
+          </p:nvPr>
+        </p:nvSpPr>
+        <p:spPr/>
+        <p:txBody>
+          <a:bodyPr/>
+          <a:lstStyle/>
+          <a:p>
+            <a:r>
+              <a:rPr kumimoji="1" lang="en-US" altLang="zh-CN" dirty="0"/>
+              <a:t>THANK</a:t>
+            </a:r>
+            <a:r>
+              <a:rPr kumimoji="1" lang="zh-CN" altLang="en-US" dirty="0"/>
+              <a:t> </a:t>
+            </a:r>
+            <a:r>
+              <a:rPr kumimoji="1" lang="en-US" altLang="zh-CN" dirty="0"/>
+              <a:t>YOU</a:t>
+            </a:r>
+            <a:r>
+              <a:rPr kumimoji="1" lang="zh-CN" altLang="en-US" dirty="0"/>
+              <a:t> </a:t>
+            </a:r>
+            <a:r>
+              <a:rPr kumimoji="1" lang="en-US" altLang="zh-CN" dirty="0"/>
+              <a:t>FOR</a:t>
+            </a:r>
+            <a:r>
+              <a:rPr kumimoji="1" lang="zh-CN" altLang="en-US" dirty="0"/>
+              <a:t> </a:t>
+            </a:r>
+            <a:r>
+              <a:rPr kumimoji="1" lang="en-US" altLang="zh-CN" dirty="0"/>
+              <a:t>WATCHING</a:t>
+            </a:r>
+            <a:endParaRPr kumimoji="1" lang="zh-CN" altLang="en-US" dirty="0"/>
+          </a:p>
+        </p:txBody>
+      </p:sp>
+    </p:spTree>
+    <p:extLst>
+      <p:ext uri="{BB962C8B-B14F-4D97-AF65-F5344CB8AC3E}">
+        <p14:creationId xmlns:p14="http://schemas.microsoft.com/office/powerpoint/2010/main" val="2562966187"/>
+      </p:ext>
+    </p:extLst>
+  </p:cSld>
+  <p:clrMapOvr>
+    <a:masterClrMapping/>
+  </p:clrMapOvr>
+  <mc:AlternateContent xmlns:mc="http://schemas.openxmlformats.org/markup-compatibility/2006" xmlns:p14="http://schemas.microsoft.com/office/powerpoint/2010/main">
+    <mc:Choice Requires="p14">
+      <p:transition spd="slow" p14:dur="2500">
+        <p:checker/>
+      </p:transition>
+    </mc:Choice>
+    <mc:Fallback xmlns="">
+      <p:transition spd="slow">
+        <p:checker/>
+      </p:transition>
+    </mc:Fallback>
+  </mc:AlternateContent>
+</p:sld>
+</file>
+
+<file path=ppt/slides/slide14.xml><?xml version="1.0" encoding="utf-8"?>
+<p:sld xmlns:a="http://schemas.openxmlformats.org/drawingml/2006/main" xmlns:r="http://schemas.openxmlformats.org/officeDocument/2006/relationships" xmlns:p="http://schemas.openxmlformats.org/presentationml/2006/main">
+  <p:cSld>
+    <p:spTree>
+      <p:nvGrpSpPr>
+        <p:cNvPr id="1" name=""/>
+        <p:cNvGrpSpPr/>
+        <p:nvPr/>
+      </p:nvGrpSpPr>
+      <p:grpSpPr>
+        <a:xfrm>
+          <a:off x="0" y="0"/>
+          <a:ext cx="0" cy="0"/>
+          <a:chOff x="0" y="0"/>
+          <a:chExt cx="0" cy="0"/>
+        </a:xfrm>
+      </p:grpSpPr>
+      <p:sp>
+        <p:nvSpPr>
+          <p:cNvPr id="2" name="文本占位符 1">
+            <a:extLst>
+              <a:ext uri="{FF2B5EF4-FFF2-40B4-BE49-F238E27FC236}">
+                <a16:creationId xmlns:a16="http://schemas.microsoft.com/office/drawing/2014/main" id="{D1A1F7E8-23FB-41A2-8BA0-565EF21F256E}"/>
+              </a:ext>
+            </a:extLst>
+          </p:cNvPr>
+          <p:cNvSpPr>
+            <a:spLocks noGrp="1"/>
+          </p:cNvSpPr>
+          <p:nvPr>
+            <p:ph type="body" sz="quarter" idx="12"/>
+          </p:nvPr>
+        </p:nvSpPr>
+        <p:spPr/>
+        <p:txBody>
+          <a:bodyPr/>
+          <a:lstStyle/>
+          <a:p>
+            <a:r>
+              <a:rPr lang="zh-CN" altLang="en-US" dirty="0"/>
+              <a:t>双向链表</a:t>
+            </a:r>
+          </a:p>
+        </p:txBody>
+      </p:sp>
+    </p:spTree>
+    <p:extLst>
+      <p:ext uri="{BB962C8B-B14F-4D97-AF65-F5344CB8AC3E}">
+        <p14:creationId xmlns:p14="http://schemas.microsoft.com/office/powerpoint/2010/main" val="2788822104"/>
+      </p:ext>
+    </p:extLst>
+  </p:cSld>
+  <p:clrMapOvr>
+    <a:masterClrMapping/>
+  </p:clrMapOvr>
+</p:sld>
+</file>
+
+<file path=ppt/slides/slide15.xml><?xml version="1.0" encoding="utf-8"?>
+<p:sld xmlns:a="http://schemas.openxmlformats.org/drawingml/2006/main" xmlns:r="http://schemas.openxmlformats.org/officeDocument/2006/relationships" xmlns:p="http://schemas.openxmlformats.org/presentationml/2006/main">
+  <p:cSld>
+    <p:spTree>
+      <p:nvGrpSpPr>
+        <p:cNvPr id="1" name=""/>
+        <p:cNvGrpSpPr/>
+        <p:nvPr/>
+      </p:nvGrpSpPr>
+      <p:grpSpPr>
+        <a:xfrm>
+          <a:off x="0" y="0"/>
+          <a:ext cx="0" cy="0"/>
+          <a:chOff x="0" y="0"/>
+          <a:chExt cx="0" cy="0"/>
+        </a:xfrm>
+      </p:grpSpPr>
+      <p:sp>
+        <p:nvSpPr>
+          <p:cNvPr id="2" name="文本占位符 1">
+            <a:extLst>
+              <a:ext uri="{FF2B5EF4-FFF2-40B4-BE49-F238E27FC236}">
+                <a16:creationId xmlns:a16="http://schemas.microsoft.com/office/drawing/2014/main" id="{D1A1F7E8-23FB-41A2-8BA0-565EF21F256E}"/>
+              </a:ext>
+            </a:extLst>
+          </p:cNvPr>
+          <p:cNvSpPr>
+            <a:spLocks noGrp="1"/>
+          </p:cNvSpPr>
+          <p:nvPr>
+            <p:ph type="body" sz="quarter" idx="12"/>
+          </p:nvPr>
+        </p:nvSpPr>
+        <p:spPr/>
+        <p:txBody>
+          <a:bodyPr/>
+          <a:lstStyle/>
+          <a:p>
+            <a:r>
+              <a:rPr lang="zh-CN" altLang="en-US" dirty="0"/>
+              <a:t>静态链表</a:t>
+            </a:r>
+          </a:p>
+        </p:txBody>
+      </p:sp>
+    </p:spTree>
+    <p:extLst>
+      <p:ext uri="{BB962C8B-B14F-4D97-AF65-F5344CB8AC3E}">
+        <p14:creationId xmlns:p14="http://schemas.microsoft.com/office/powerpoint/2010/main" val="603364328"/>
+      </p:ext>
+    </p:extLst>
+  </p:cSld>
+  <p:clrMapOvr>
+    <a:masterClrMapping/>
+  </p:clrMapOvr>
+</p:sld>
+</file>
+
+<file path=ppt/slides/slide16.xml><?xml version="1.0" encoding="utf-8"?>
+<p:sld xmlns:a="http://schemas.openxmlformats.org/drawingml/2006/main" xmlns:r="http://schemas.openxmlformats.org/officeDocument/2006/relationships" xmlns:p="http://schemas.openxmlformats.org/presentationml/2006/main">
+  <p:cSld>
+    <p:spTree>
+      <p:nvGrpSpPr>
+        <p:cNvPr id="1" name=""/>
+        <p:cNvGrpSpPr/>
+        <p:nvPr/>
+      </p:nvGrpSpPr>
+      <p:grpSpPr>
+        <a:xfrm>
+          <a:off x="0" y="0"/>
+          <a:ext cx="0" cy="0"/>
+          <a:chOff x="0" y="0"/>
+          <a:chExt cx="0" cy="0"/>
+        </a:xfrm>
+      </p:grpSpPr>
+      <p:sp>
+        <p:nvSpPr>
+          <p:cNvPr id="2" name="文本占位符 1">
+            <a:extLst>
+              <a:ext uri="{FF2B5EF4-FFF2-40B4-BE49-F238E27FC236}">
+                <a16:creationId xmlns:a16="http://schemas.microsoft.com/office/drawing/2014/main" id="{D1A1F7E8-23FB-41A2-8BA0-565EF21F256E}"/>
+              </a:ext>
+            </a:extLst>
+          </p:cNvPr>
+          <p:cNvSpPr>
+            <a:spLocks noGrp="1"/>
+          </p:cNvSpPr>
+          <p:nvPr>
+            <p:ph type="body" sz="quarter" idx="12"/>
+          </p:nvPr>
+        </p:nvSpPr>
+        <p:spPr/>
+        <p:txBody>
+          <a:bodyPr/>
+          <a:lstStyle/>
+          <a:p>
+            <a:r>
+              <a:rPr lang="zh-CN" altLang="en-US" dirty="0"/>
+              <a:t>练习</a:t>
+            </a:r>
+          </a:p>
+        </p:txBody>
+      </p:sp>
+      <p:sp>
+        <p:nvSpPr>
+          <p:cNvPr id="3" name="文本框 2">
+            <a:extLst>
+              <a:ext uri="{FF2B5EF4-FFF2-40B4-BE49-F238E27FC236}">
+                <a16:creationId xmlns:a16="http://schemas.microsoft.com/office/drawing/2014/main" id="{9598AF75-AD12-4FC2-B791-A0CD9411D75E}"/>
+              </a:ext>
+            </a:extLst>
+          </p:cNvPr>
+          <p:cNvSpPr txBox="1"/>
+          <p:nvPr/>
+        </p:nvSpPr>
+        <p:spPr>
+          <a:xfrm>
+            <a:off x="457393" y="845029"/>
+            <a:ext cx="11119920" cy="369332"/>
+          </a:xfrm>
+          <a:prstGeom prst="rect">
+            <a:avLst/>
+          </a:prstGeom>
+          <a:noFill/>
+        </p:spPr>
+        <p:txBody>
+          <a:bodyPr wrap="square" rtlCol="0">
+            <a:spAutoFit/>
+          </a:bodyPr>
+          <a:lstStyle/>
+          <a:p>
+            <a:r>
+              <a:rPr lang="zh-CN" altLang="en-US" dirty="0"/>
+              <a:t>注：试在解决方案中完成代码（假若你会</a:t>
+            </a:r>
+            <a:r>
+              <a:rPr lang="en-US" altLang="zh-CN" dirty="0"/>
+              <a:t>C#</a:t>
+            </a:r>
+            <a:r>
+              <a:rPr lang="zh-CN" altLang="en-US" dirty="0"/>
+              <a:t>语言，否则使用其他语言也可）</a:t>
+            </a:r>
+          </a:p>
+        </p:txBody>
+      </p:sp>
+      <p:sp>
+        <p:nvSpPr>
+          <p:cNvPr id="4" name="文本框 3">
+            <a:extLst>
+              <a:ext uri="{FF2B5EF4-FFF2-40B4-BE49-F238E27FC236}">
+                <a16:creationId xmlns:a16="http://schemas.microsoft.com/office/drawing/2014/main" id="{B27280C4-F3EC-403A-84A5-28566D985F1C}"/>
+              </a:ext>
+            </a:extLst>
+          </p:cNvPr>
+          <p:cNvSpPr txBox="1"/>
+          <p:nvPr/>
+        </p:nvSpPr>
+        <p:spPr>
+          <a:xfrm>
+            <a:off x="457393" y="3310110"/>
+            <a:ext cx="11119920" cy="369332"/>
+          </a:xfrm>
+          <a:prstGeom prst="rect">
+            <a:avLst/>
+          </a:prstGeom>
+          <a:noFill/>
+        </p:spPr>
+        <p:txBody>
+          <a:bodyPr wrap="square" rtlCol="0">
+            <a:spAutoFit/>
+          </a:bodyPr>
+          <a:lstStyle/>
+          <a:p>
+            <a:r>
+              <a:rPr lang="zh-CN" altLang="en-US" dirty="0"/>
+              <a:t>题</a:t>
+            </a:r>
+            <a:r>
+              <a:rPr lang="en-US" altLang="zh-CN" dirty="0"/>
+              <a:t>2</a:t>
+            </a:r>
+            <a:r>
+              <a:rPr lang="zh-CN" altLang="en-US" dirty="0"/>
+              <a:t>：完成</a:t>
+            </a:r>
+            <a:r>
+              <a:rPr lang="en-US" altLang="zh-CN" dirty="0"/>
+              <a:t>LinkedList</a:t>
+            </a:r>
+            <a:r>
+              <a:rPr lang="zh-CN" altLang="en-US" dirty="0"/>
+              <a:t>的所有题目并通过测试代码。</a:t>
+            </a:r>
+          </a:p>
+        </p:txBody>
+      </p:sp>
+      <p:sp>
+        <p:nvSpPr>
+          <p:cNvPr id="5" name="文本框 4">
+            <a:extLst>
+              <a:ext uri="{FF2B5EF4-FFF2-40B4-BE49-F238E27FC236}">
+                <a16:creationId xmlns:a16="http://schemas.microsoft.com/office/drawing/2014/main" id="{89B9E983-AC8B-40A9-BBAC-9EEF356A6785}"/>
+              </a:ext>
+            </a:extLst>
+          </p:cNvPr>
+          <p:cNvSpPr txBox="1"/>
+          <p:nvPr/>
+        </p:nvSpPr>
+        <p:spPr>
+          <a:xfrm>
+            <a:off x="457393" y="1657733"/>
+            <a:ext cx="11119920" cy="369332"/>
+          </a:xfrm>
+          <a:prstGeom prst="rect">
+            <a:avLst/>
+          </a:prstGeom>
+          <a:noFill/>
+        </p:spPr>
+        <p:txBody>
+          <a:bodyPr wrap="square" rtlCol="0">
+            <a:spAutoFit/>
+          </a:bodyPr>
+          <a:lstStyle/>
+          <a:p>
+            <a:r>
+              <a:rPr lang="zh-CN" altLang="en-US" dirty="0"/>
+              <a:t>题</a:t>
+            </a:r>
+            <a:r>
+              <a:rPr lang="en-US" altLang="zh-CN" dirty="0"/>
+              <a:t>1</a:t>
+            </a:r>
+            <a:r>
+              <a:rPr lang="zh-CN" altLang="en-US" dirty="0"/>
+              <a:t>：完成</a:t>
+            </a:r>
+            <a:r>
+              <a:rPr lang="en-US" altLang="zh-CN" dirty="0" err="1"/>
+              <a:t>ArrayList</a:t>
+            </a:r>
+            <a:r>
+              <a:rPr lang="zh-CN" altLang="en-US" dirty="0"/>
+              <a:t>的所有题目并通过测试代码。</a:t>
+            </a:r>
+          </a:p>
+        </p:txBody>
+      </p:sp>
+      <p:sp>
+        <p:nvSpPr>
+          <p:cNvPr id="6" name="文本框 5">
+            <a:extLst>
+              <a:ext uri="{FF2B5EF4-FFF2-40B4-BE49-F238E27FC236}">
+                <a16:creationId xmlns:a16="http://schemas.microsoft.com/office/drawing/2014/main" id="{D0645E24-040B-4F76-A636-1D6F76B7FC16}"/>
+              </a:ext>
+            </a:extLst>
+          </p:cNvPr>
+          <p:cNvSpPr txBox="1"/>
+          <p:nvPr/>
+        </p:nvSpPr>
+        <p:spPr>
+          <a:xfrm>
+            <a:off x="457393" y="4962488"/>
+            <a:ext cx="11119920" cy="369332"/>
+          </a:xfrm>
+          <a:prstGeom prst="rect">
+            <a:avLst/>
+          </a:prstGeom>
+          <a:noFill/>
+        </p:spPr>
+        <p:txBody>
+          <a:bodyPr wrap="square" rtlCol="0">
+            <a:spAutoFit/>
+          </a:bodyPr>
+          <a:lstStyle/>
+          <a:p>
+            <a:r>
+              <a:rPr lang="zh-CN" altLang="en-US" dirty="0"/>
+              <a:t>题</a:t>
+            </a:r>
+            <a:r>
+              <a:rPr lang="en-US" altLang="zh-CN" dirty="0"/>
+              <a:t>3</a:t>
+            </a:r>
+            <a:r>
+              <a:rPr lang="zh-CN" altLang="en-US" dirty="0"/>
+              <a:t>：设计一个系统要求如下，设计一个仓库管理系统，要求</a:t>
+            </a:r>
+          </a:p>
+        </p:txBody>
+      </p:sp>
+    </p:spTree>
+    <p:extLst>
+      <p:ext uri="{BB962C8B-B14F-4D97-AF65-F5344CB8AC3E}">
+        <p14:creationId xmlns:p14="http://schemas.microsoft.com/office/powerpoint/2010/main" val="4216549050"/>
+      </p:ext>
+    </p:extLst>
+  </p:cSld>
+  <p:clrMapOvr>
+    <a:masterClrMapping/>
+  </p:clrMapOvr>
+</p:sld>
+</file>
+
+<file path=ppt/slides/slide17.xml><?xml version="1.0" encoding="utf-8"?>
+<p:sld xmlns:a="http://schemas.openxmlformats.org/drawingml/2006/main" xmlns:r="http://schemas.openxmlformats.org/officeDocument/2006/relationships" xmlns:p="http://schemas.openxmlformats.org/presentationml/2006/main">
+  <p:cSld>
+    <p:spTree>
+      <p:nvGrpSpPr>
+        <p:cNvPr id="1" name=""/>
+        <p:cNvGrpSpPr/>
+        <p:nvPr/>
+      </p:nvGrpSpPr>
+      <p:grpSpPr>
+        <a:xfrm>
+          <a:off x="0" y="0"/>
+          <a:ext cx="0" cy="0"/>
+          <a:chOff x="0" y="0"/>
+          <a:chExt cx="0" cy="0"/>
+        </a:xfrm>
+      </p:grpSpPr>
+      <p:sp>
+        <p:nvSpPr>
           <p:cNvPr id="2" name="文本占位符 1"/>
           <p:cNvSpPr>
             <a:spLocks noGrp="1"/>
@@ -21416,7 +22185,7 @@
 </p:sld>
 </file>
 
-<file path=ppt/slides/slide13.xml><?xml version="1.0" encoding="utf-8"?>
+<file path=ppt/slides/slide18.xml><?xml version="1.0" encoding="utf-8"?>
 <p:sld xmlns:a="http://schemas.openxmlformats.org/drawingml/2006/main" xmlns:r="http://schemas.openxmlformats.org/officeDocument/2006/relationships" xmlns:p="http://schemas.openxmlformats.org/presentationml/2006/main">
   <p:cSld>
     <p:spTree>
@@ -21503,7 +22272,7 @@
 </p:sld>
 </file>
 
-<file path=ppt/slides/slide14.xml><?xml version="1.0" encoding="utf-8"?>
+<file path=ppt/slides/slide19.xml><?xml version="1.0" encoding="utf-8"?>
 <p:sld xmlns:a="http://schemas.openxmlformats.org/drawingml/2006/main" xmlns:r="http://schemas.openxmlformats.org/officeDocument/2006/relationships" xmlns:p="http://schemas.openxmlformats.org/presentationml/2006/main">
   <p:cSld>
     <p:spTree>
@@ -21614,648 +22383,6 @@
 </p:sld>
 </file>
 
-<file path=ppt/slides/slide15.xml><?xml version="1.0" encoding="utf-8"?>
-<p:sld xmlns:a="http://schemas.openxmlformats.org/drawingml/2006/main" xmlns:r="http://schemas.openxmlformats.org/officeDocument/2006/relationships" xmlns:p="http://schemas.openxmlformats.org/presentationml/2006/main">
-  <p:cSld>
-    <p:spTree>
-      <p:nvGrpSpPr>
-        <p:cNvPr id="1" name=""/>
-        <p:cNvGrpSpPr/>
-        <p:nvPr/>
-      </p:nvGrpSpPr>
-      <p:grpSpPr>
-        <a:xfrm>
-          <a:off x="0" y="0"/>
-          <a:ext cx="0" cy="0"/>
-          <a:chOff x="0" y="0"/>
-          <a:chExt cx="0" cy="0"/>
-        </a:xfrm>
-      </p:grpSpPr>
-      <p:sp>
-        <p:nvSpPr>
-          <p:cNvPr id="2" name="文本占位符 1"/>
-          <p:cNvSpPr>
-            <a:spLocks noGrp="1"/>
-          </p:cNvSpPr>
-          <p:nvPr>
-            <p:ph type="body" sz="quarter" idx="12"/>
-          </p:nvPr>
-        </p:nvSpPr>
-        <p:spPr/>
-        <p:txBody>
-          <a:bodyPr/>
-          <a:lstStyle/>
-          <a:p>
-            <a:r>
-              <a:rPr kumimoji="1" lang="en-US" altLang="zh-CN" dirty="0"/>
-              <a:t>03</a:t>
-            </a:r>
-            <a:endParaRPr kumimoji="1" lang="zh-CN" altLang="en-US" dirty="0"/>
-          </a:p>
-        </p:txBody>
-      </p:sp>
-      <p:sp>
-        <p:nvSpPr>
-          <p:cNvPr id="3" name="文本占位符 2"/>
-          <p:cNvSpPr>
-            <a:spLocks noGrp="1"/>
-          </p:cNvSpPr>
-          <p:nvPr>
-            <p:ph type="body" sz="quarter" idx="13"/>
-          </p:nvPr>
-        </p:nvSpPr>
-        <p:spPr/>
-        <p:txBody>
-          <a:bodyPr/>
-          <a:lstStyle/>
-          <a:p>
-            <a:r>
-              <a:rPr kumimoji="1" lang="zh-CN" altLang="en-US" dirty="0"/>
-              <a:t>堆结构</a:t>
-            </a:r>
-          </a:p>
-        </p:txBody>
-      </p:sp>
-    </p:spTree>
-    <p:extLst>
-      <p:ext uri="{BB962C8B-B14F-4D97-AF65-F5344CB8AC3E}">
-        <p14:creationId xmlns:p14="http://schemas.microsoft.com/office/powerpoint/2010/main" val="185963953"/>
-      </p:ext>
-    </p:extLst>
-  </p:cSld>
-  <p:clrMapOvr>
-    <a:masterClrMapping/>
-  </p:clrMapOvr>
-  <mc:AlternateContent xmlns:mc="http://schemas.openxmlformats.org/markup-compatibility/2006" xmlns:p14="http://schemas.microsoft.com/office/powerpoint/2010/main">
-    <mc:Choice Requires="p14">
-      <p:transition spd="slow" p14:dur="1600">
-        <p:blinds dir="vert"/>
-      </p:transition>
-    </mc:Choice>
-    <mc:Fallback xmlns="">
-      <p:transition spd="slow">
-        <p:blinds dir="vert"/>
-      </p:transition>
-    </mc:Fallback>
-  </mc:AlternateContent>
-</p:sld>
-</file>
-
-<file path=ppt/slides/slide16.xml><?xml version="1.0" encoding="utf-8"?>
-<p:sld xmlns:a="http://schemas.openxmlformats.org/drawingml/2006/main" xmlns:r="http://schemas.openxmlformats.org/officeDocument/2006/relationships" xmlns:p="http://schemas.openxmlformats.org/presentationml/2006/main">
-  <p:cSld>
-    <p:bg>
-      <p:bgPr>
-        <a:solidFill>
-          <a:schemeClr val="accent2"/>
-        </a:solidFill>
-        <a:effectLst/>
-      </p:bgPr>
-    </p:bg>
-    <p:spTree>
-      <p:nvGrpSpPr>
-        <p:cNvPr id="1" name=""/>
-        <p:cNvGrpSpPr/>
-        <p:nvPr/>
-      </p:nvGrpSpPr>
-      <p:grpSpPr>
-        <a:xfrm>
-          <a:off x="0" y="0"/>
-          <a:ext cx="0" cy="0"/>
-          <a:chOff x="0" y="0"/>
-          <a:chExt cx="0" cy="0"/>
-        </a:xfrm>
-      </p:grpSpPr>
-      <p:sp>
-        <p:nvSpPr>
-          <p:cNvPr id="2" name="文本占位符 1"/>
-          <p:cNvSpPr>
-            <a:spLocks noGrp="1"/>
-          </p:cNvSpPr>
-          <p:nvPr>
-            <p:ph type="body" sz="quarter" idx="12"/>
-          </p:nvPr>
-        </p:nvSpPr>
-        <p:spPr>
-          <a:xfrm>
-            <a:off x="284148" y="97757"/>
-            <a:ext cx="7752947" cy="590549"/>
-          </a:xfrm>
-        </p:spPr>
-        <p:txBody>
-          <a:bodyPr/>
-          <a:lstStyle/>
-          <a:p>
-            <a:r>
-              <a:rPr lang="zh-CN" altLang="en-US" dirty="0"/>
-              <a:t>什么是堆</a:t>
-            </a:r>
-          </a:p>
-        </p:txBody>
-      </p:sp>
-      <p:sp>
-        <p:nvSpPr>
-          <p:cNvPr id="13" name="文本框 12">
-            <a:extLst>
-              <a:ext uri="{FF2B5EF4-FFF2-40B4-BE49-F238E27FC236}">
-                <a16:creationId xmlns:a16="http://schemas.microsoft.com/office/drawing/2014/main" id="{0092B0BF-CF6D-4B91-BE18-D7282CA1CEA4}"/>
-              </a:ext>
-            </a:extLst>
-          </p:cNvPr>
-          <p:cNvSpPr txBox="1"/>
-          <p:nvPr/>
-        </p:nvSpPr>
-        <p:spPr>
-          <a:xfrm>
-            <a:off x="578840" y="931178"/>
-            <a:ext cx="11264622" cy="646331"/>
-          </a:xfrm>
-          <a:prstGeom prst="rect">
-            <a:avLst/>
-          </a:prstGeom>
-          <a:noFill/>
-        </p:spPr>
-        <p:txBody>
-          <a:bodyPr wrap="none" rtlCol="0">
-            <a:spAutoFit/>
-          </a:bodyPr>
-          <a:lstStyle/>
-          <a:p>
-            <a:r>
-              <a:rPr lang="zh-CN" altLang="en-US" b="1" dirty="0"/>
-              <a:t>堆的定义：</a:t>
-            </a:r>
-            <a:r>
-              <a:rPr lang="zh-CN" altLang="en-US" dirty="0"/>
-              <a:t>堆是一颗符合特定规则的完全二叉树，其中对于所有的父节点均小于其左右孩子的二叉树我们称为</a:t>
-            </a:r>
-            <a:endParaRPr lang="en-US" altLang="zh-CN" dirty="0"/>
-          </a:p>
-          <a:p>
-            <a:r>
-              <a:rPr lang="zh-CN" altLang="en-US" dirty="0"/>
-              <a:t>                  小根堆（小顶堆），反之则称为大根堆（大顶堆）。</a:t>
-            </a:r>
-          </a:p>
-        </p:txBody>
-      </p:sp>
-      <p:pic>
-        <p:nvPicPr>
-          <p:cNvPr id="4" name="图片 3" descr="形状, 箭头&#10;&#10;描述已自动生成">
-            <a:extLst>
-              <a:ext uri="{FF2B5EF4-FFF2-40B4-BE49-F238E27FC236}">
-                <a16:creationId xmlns:a16="http://schemas.microsoft.com/office/drawing/2014/main" id="{2B2967B7-87B4-46D5-8364-21B2544AFCC1}"/>
-              </a:ext>
-            </a:extLst>
-          </p:cNvPr>
-          <p:cNvPicPr>
-            <a:picLocks noChangeAspect="1"/>
-          </p:cNvPicPr>
-          <p:nvPr/>
-        </p:nvPicPr>
-        <p:blipFill>
-          <a:blip r:embed="rId3"/>
-          <a:stretch>
-            <a:fillRect/>
-          </a:stretch>
-        </p:blipFill>
-        <p:spPr>
-          <a:xfrm>
-            <a:off x="1462876" y="2946145"/>
-            <a:ext cx="3625454" cy="2114243"/>
-          </a:xfrm>
-          <a:prstGeom prst="rect">
-            <a:avLst/>
-          </a:prstGeom>
-        </p:spPr>
-      </p:pic>
-      <p:pic>
-        <p:nvPicPr>
-          <p:cNvPr id="6" name="图片 5" descr="形状&#10;&#10;描述已自动生成">
-            <a:extLst>
-              <a:ext uri="{FF2B5EF4-FFF2-40B4-BE49-F238E27FC236}">
-                <a16:creationId xmlns:a16="http://schemas.microsoft.com/office/drawing/2014/main" id="{ADE5060E-CB26-4790-BEA7-EA5AE77DC18B}"/>
-              </a:ext>
-            </a:extLst>
-          </p:cNvPr>
-          <p:cNvPicPr>
-            <a:picLocks noChangeAspect="1"/>
-          </p:cNvPicPr>
-          <p:nvPr/>
-        </p:nvPicPr>
-        <p:blipFill>
-          <a:blip r:embed="rId4"/>
-          <a:stretch>
-            <a:fillRect/>
-          </a:stretch>
-        </p:blipFill>
-        <p:spPr>
-          <a:xfrm>
-            <a:off x="6761264" y="2952437"/>
-            <a:ext cx="3625454" cy="2114243"/>
-          </a:xfrm>
-          <a:prstGeom prst="rect">
-            <a:avLst/>
-          </a:prstGeom>
-        </p:spPr>
-      </p:pic>
-      <p:sp>
-        <p:nvSpPr>
-          <p:cNvPr id="7" name="文本框 6">
-            <a:extLst>
-              <a:ext uri="{FF2B5EF4-FFF2-40B4-BE49-F238E27FC236}">
-                <a16:creationId xmlns:a16="http://schemas.microsoft.com/office/drawing/2014/main" id="{0901C2A7-9585-47C7-AC5C-4A1690A852FE}"/>
-              </a:ext>
-            </a:extLst>
-          </p:cNvPr>
-          <p:cNvSpPr txBox="1"/>
-          <p:nvPr/>
-        </p:nvSpPr>
-        <p:spPr>
-          <a:xfrm>
-            <a:off x="2460315" y="5280491"/>
-            <a:ext cx="1630575" cy="646331"/>
-          </a:xfrm>
-          <a:prstGeom prst="rect">
-            <a:avLst/>
-          </a:prstGeom>
-          <a:noFill/>
-        </p:spPr>
-        <p:txBody>
-          <a:bodyPr wrap="none" rtlCol="0">
-            <a:spAutoFit/>
-          </a:bodyPr>
-          <a:lstStyle/>
-          <a:p>
-            <a:r>
-              <a:rPr lang="en-US" altLang="zh-CN" dirty="0"/>
-              <a:t>[9,7,8,3,2,6,1]</a:t>
-            </a:r>
-          </a:p>
-          <a:p>
-            <a:pPr algn="ctr"/>
-            <a:r>
-              <a:rPr lang="zh-CN" altLang="en-US" dirty="0"/>
-              <a:t>大根堆</a:t>
-            </a:r>
-          </a:p>
-        </p:txBody>
-      </p:sp>
-      <p:sp>
-        <p:nvSpPr>
-          <p:cNvPr id="9" name="文本框 8">
-            <a:extLst>
-              <a:ext uri="{FF2B5EF4-FFF2-40B4-BE49-F238E27FC236}">
-                <a16:creationId xmlns:a16="http://schemas.microsoft.com/office/drawing/2014/main" id="{898EF5CF-F2A4-4B25-97AA-6A17286941FF}"/>
-              </a:ext>
-            </a:extLst>
-          </p:cNvPr>
-          <p:cNvSpPr txBox="1"/>
-          <p:nvPr/>
-        </p:nvSpPr>
-        <p:spPr>
-          <a:xfrm>
-            <a:off x="7758703" y="5280491"/>
-            <a:ext cx="1630575" cy="646331"/>
-          </a:xfrm>
-          <a:prstGeom prst="rect">
-            <a:avLst/>
-          </a:prstGeom>
-          <a:noFill/>
-        </p:spPr>
-        <p:txBody>
-          <a:bodyPr wrap="none" rtlCol="0">
-            <a:spAutoFit/>
-          </a:bodyPr>
-          <a:lstStyle/>
-          <a:p>
-            <a:r>
-              <a:rPr lang="en-US" altLang="zh-CN" dirty="0"/>
-              <a:t>[2,4,5,6,8,7,9]</a:t>
-            </a:r>
-          </a:p>
-          <a:p>
-            <a:pPr algn="ctr"/>
-            <a:r>
-              <a:rPr lang="zh-CN" altLang="en-US" dirty="0"/>
-              <a:t>小根堆</a:t>
-            </a:r>
-          </a:p>
-        </p:txBody>
-      </p:sp>
-      <p:sp>
-        <p:nvSpPr>
-          <p:cNvPr id="10" name="文本框 9">
-            <a:extLst>
-              <a:ext uri="{FF2B5EF4-FFF2-40B4-BE49-F238E27FC236}">
-                <a16:creationId xmlns:a16="http://schemas.microsoft.com/office/drawing/2014/main" id="{21E897A4-C00E-4884-A1F2-81CAB5F2A11A}"/>
-              </a:ext>
-            </a:extLst>
-          </p:cNvPr>
-          <p:cNvSpPr txBox="1"/>
-          <p:nvPr/>
-        </p:nvSpPr>
-        <p:spPr>
-          <a:xfrm>
-            <a:off x="578840" y="1935516"/>
-            <a:ext cx="9626353" cy="369332"/>
-          </a:xfrm>
-          <a:prstGeom prst="rect">
-            <a:avLst/>
-          </a:prstGeom>
-          <a:noFill/>
-        </p:spPr>
-        <p:txBody>
-          <a:bodyPr wrap="none" rtlCol="0">
-            <a:spAutoFit/>
-          </a:bodyPr>
-          <a:lstStyle/>
-          <a:p>
-            <a:r>
-              <a:rPr lang="zh-CN" altLang="en-US" b="1" dirty="0"/>
-              <a:t>堆化数组：</a:t>
-            </a:r>
-            <a:r>
-              <a:rPr lang="zh-CN" altLang="en-US" dirty="0"/>
-              <a:t>堆化数组即将数组看成是树的层序遍历，且数组对应的完全二叉树符合堆的定义</a:t>
-            </a:r>
-          </a:p>
-        </p:txBody>
-      </p:sp>
-    </p:spTree>
-    <p:extLst>
-      <p:ext uri="{BB962C8B-B14F-4D97-AF65-F5344CB8AC3E}">
-        <p14:creationId xmlns:p14="http://schemas.microsoft.com/office/powerpoint/2010/main" val="786039021"/>
-      </p:ext>
-    </p:extLst>
-  </p:cSld>
-  <p:clrMapOvr>
-    <a:masterClrMapping/>
-  </p:clrMapOvr>
-  <mc:AlternateContent xmlns:mc="http://schemas.openxmlformats.org/markup-compatibility/2006" xmlns:p14="http://schemas.microsoft.com/office/powerpoint/2010/main">
-    <mc:Choice Requires="p14">
-      <p:transition spd="med" p14:dur="700">
-        <p:fade/>
-      </p:transition>
-    </mc:Choice>
-    <mc:Fallback xmlns="">
-      <p:transition spd="med">
-        <p:fade/>
-      </p:transition>
-    </mc:Fallback>
-  </mc:AlternateContent>
-</p:sld>
-</file>
-
-<file path=ppt/slides/slide17.xml><?xml version="1.0" encoding="utf-8"?>
-<p:sld xmlns:a="http://schemas.openxmlformats.org/drawingml/2006/main" xmlns:r="http://schemas.openxmlformats.org/officeDocument/2006/relationships" xmlns:p="http://schemas.openxmlformats.org/presentationml/2006/main">
-  <p:cSld>
-    <p:spTree>
-      <p:nvGrpSpPr>
-        <p:cNvPr id="1" name=""/>
-        <p:cNvGrpSpPr/>
-        <p:nvPr/>
-      </p:nvGrpSpPr>
-      <p:grpSpPr>
-        <a:xfrm>
-          <a:off x="0" y="0"/>
-          <a:ext cx="0" cy="0"/>
-          <a:chOff x="0" y="0"/>
-          <a:chExt cx="0" cy="0"/>
-        </a:xfrm>
-      </p:grpSpPr>
-      <p:sp>
-        <p:nvSpPr>
-          <p:cNvPr id="2" name="文本占位符 1">
-            <a:extLst>
-              <a:ext uri="{FF2B5EF4-FFF2-40B4-BE49-F238E27FC236}">
-                <a16:creationId xmlns:a16="http://schemas.microsoft.com/office/drawing/2014/main" id="{BEFA8033-19A0-4C60-A442-0FEA503B8E7F}"/>
-              </a:ext>
-            </a:extLst>
-          </p:cNvPr>
-          <p:cNvSpPr>
-            <a:spLocks noGrp="1"/>
-          </p:cNvSpPr>
-          <p:nvPr>
-            <p:ph type="body" sz="quarter" idx="12"/>
-          </p:nvPr>
-        </p:nvSpPr>
-        <p:spPr/>
-        <p:txBody>
-          <a:bodyPr/>
-          <a:lstStyle/>
-          <a:p>
-            <a:r>
-              <a:rPr lang="zh-CN" altLang="en-US" dirty="0"/>
-              <a:t>建堆</a:t>
-            </a:r>
-          </a:p>
-        </p:txBody>
-      </p:sp>
-      <p:sp>
-        <p:nvSpPr>
-          <p:cNvPr id="3" name="文本框 2">
-            <a:extLst>
-              <a:ext uri="{FF2B5EF4-FFF2-40B4-BE49-F238E27FC236}">
-                <a16:creationId xmlns:a16="http://schemas.microsoft.com/office/drawing/2014/main" id="{77F9C371-34BF-4D54-99A0-226DA6A380DB}"/>
-              </a:ext>
-            </a:extLst>
-          </p:cNvPr>
-          <p:cNvSpPr txBox="1"/>
-          <p:nvPr/>
-        </p:nvSpPr>
-        <p:spPr>
-          <a:xfrm>
-            <a:off x="696286" y="1031738"/>
-            <a:ext cx="1279517" cy="369332"/>
-          </a:xfrm>
-          <a:prstGeom prst="rect">
-            <a:avLst/>
-          </a:prstGeom>
-          <a:noFill/>
-        </p:spPr>
-        <p:txBody>
-          <a:bodyPr wrap="none" rtlCol="0">
-            <a:spAutoFit/>
-          </a:bodyPr>
-          <a:lstStyle/>
-          <a:p>
-            <a:r>
-              <a:rPr lang="en-US" altLang="zh-CN" dirty="0" err="1"/>
-              <a:t>Heapify</a:t>
-            </a:r>
-            <a:r>
-              <a:rPr lang="zh-CN" altLang="en-US" dirty="0"/>
-              <a:t>：</a:t>
-            </a:r>
-          </a:p>
-        </p:txBody>
-      </p:sp>
-      <p:sp>
-        <p:nvSpPr>
-          <p:cNvPr id="4" name="文本框 3">
-            <a:extLst>
-              <a:ext uri="{FF2B5EF4-FFF2-40B4-BE49-F238E27FC236}">
-                <a16:creationId xmlns:a16="http://schemas.microsoft.com/office/drawing/2014/main" id="{19CF1D0E-EB9C-4B3D-B8C5-979A29D3A774}"/>
-              </a:ext>
-            </a:extLst>
-          </p:cNvPr>
-          <p:cNvSpPr txBox="1"/>
-          <p:nvPr/>
-        </p:nvSpPr>
-        <p:spPr>
-          <a:xfrm>
-            <a:off x="7206143" y="1031738"/>
-            <a:ext cx="2492990" cy="369332"/>
-          </a:xfrm>
-          <a:prstGeom prst="rect">
-            <a:avLst/>
-          </a:prstGeom>
-          <a:noFill/>
-        </p:spPr>
-        <p:txBody>
-          <a:bodyPr wrap="none" rtlCol="0">
-            <a:spAutoFit/>
-          </a:bodyPr>
-          <a:lstStyle/>
-          <a:p>
-            <a:r>
-              <a:rPr lang="zh-CN" altLang="en-US" dirty="0"/>
-              <a:t>自底向上的遍历方式：</a:t>
-            </a:r>
-          </a:p>
-        </p:txBody>
-      </p:sp>
-    </p:spTree>
-    <p:extLst>
-      <p:ext uri="{BB962C8B-B14F-4D97-AF65-F5344CB8AC3E}">
-        <p14:creationId xmlns:p14="http://schemas.microsoft.com/office/powerpoint/2010/main" val="3153655620"/>
-      </p:ext>
-    </p:extLst>
-  </p:cSld>
-  <p:clrMapOvr>
-    <a:masterClrMapping/>
-  </p:clrMapOvr>
-</p:sld>
-</file>
-
-<file path=ppt/slides/slide18.xml><?xml version="1.0" encoding="utf-8"?>
-<p:sld xmlns:a="http://schemas.openxmlformats.org/drawingml/2006/main" xmlns:r="http://schemas.openxmlformats.org/officeDocument/2006/relationships" xmlns:p="http://schemas.openxmlformats.org/presentationml/2006/main">
-  <p:cSld>
-    <p:spTree>
-      <p:nvGrpSpPr>
-        <p:cNvPr id="1" name=""/>
-        <p:cNvGrpSpPr/>
-        <p:nvPr/>
-      </p:nvGrpSpPr>
-      <p:grpSpPr>
-        <a:xfrm>
-          <a:off x="0" y="0"/>
-          <a:ext cx="0" cy="0"/>
-          <a:chOff x="0" y="0"/>
-          <a:chExt cx="0" cy="0"/>
-        </a:xfrm>
-      </p:grpSpPr>
-      <p:sp>
-        <p:nvSpPr>
-          <p:cNvPr id="2" name="文本占位符 1">
-            <a:extLst>
-              <a:ext uri="{FF2B5EF4-FFF2-40B4-BE49-F238E27FC236}">
-                <a16:creationId xmlns:a16="http://schemas.microsoft.com/office/drawing/2014/main" id="{B7AF2530-6231-4D56-BC23-4F977F319A3A}"/>
-              </a:ext>
-            </a:extLst>
-          </p:cNvPr>
-          <p:cNvSpPr>
-            <a:spLocks noGrp="1"/>
-          </p:cNvSpPr>
-          <p:nvPr>
-            <p:ph type="body" sz="quarter" idx="12"/>
-          </p:nvPr>
-        </p:nvSpPr>
-        <p:spPr/>
-        <p:txBody>
-          <a:bodyPr/>
-          <a:lstStyle/>
-          <a:p>
-            <a:r>
-              <a:rPr lang="zh-CN" altLang="en-US" dirty="0"/>
-              <a:t>堆排序</a:t>
-            </a:r>
-          </a:p>
-        </p:txBody>
-      </p:sp>
-    </p:spTree>
-    <p:extLst>
-      <p:ext uri="{BB962C8B-B14F-4D97-AF65-F5344CB8AC3E}">
-        <p14:creationId xmlns:p14="http://schemas.microsoft.com/office/powerpoint/2010/main" val="4162139435"/>
-      </p:ext>
-    </p:extLst>
-  </p:cSld>
-  <p:clrMapOvr>
-    <a:masterClrMapping/>
-  </p:clrMapOvr>
-</p:sld>
-</file>
-
-<file path=ppt/slides/slide19.xml><?xml version="1.0" encoding="utf-8"?>
-<p:sld xmlns:a="http://schemas.openxmlformats.org/drawingml/2006/main" xmlns:r="http://schemas.openxmlformats.org/officeDocument/2006/relationships" xmlns:p="http://schemas.openxmlformats.org/presentationml/2006/main">
-  <p:cSld>
-    <p:spTree>
-      <p:nvGrpSpPr>
-        <p:cNvPr id="1" name=""/>
-        <p:cNvGrpSpPr/>
-        <p:nvPr/>
-      </p:nvGrpSpPr>
-      <p:grpSpPr>
-        <a:xfrm>
-          <a:off x="0" y="0"/>
-          <a:ext cx="0" cy="0"/>
-          <a:chOff x="0" y="0"/>
-          <a:chExt cx="0" cy="0"/>
-        </a:xfrm>
-      </p:grpSpPr>
-      <p:sp>
-        <p:nvSpPr>
-          <p:cNvPr id="2" name="文本占位符 1">
-            <a:extLst>
-              <a:ext uri="{FF2B5EF4-FFF2-40B4-BE49-F238E27FC236}">
-                <a16:creationId xmlns:a16="http://schemas.microsoft.com/office/drawing/2014/main" id="{D1A1F7E8-23FB-41A2-8BA0-565EF21F256E}"/>
-              </a:ext>
-            </a:extLst>
-          </p:cNvPr>
-          <p:cNvSpPr>
-            <a:spLocks noGrp="1"/>
-          </p:cNvSpPr>
-          <p:nvPr>
-            <p:ph type="body" sz="quarter" idx="12"/>
-          </p:nvPr>
-        </p:nvSpPr>
-        <p:spPr/>
-        <p:txBody>
-          <a:bodyPr/>
-          <a:lstStyle/>
-          <a:p>
-            <a:r>
-              <a:rPr lang="en-US" altLang="zh-CN" dirty="0"/>
-              <a:t>Top K</a:t>
-            </a:r>
-            <a:endParaRPr lang="zh-CN" altLang="en-US" dirty="0"/>
-          </a:p>
-        </p:txBody>
-      </p:sp>
-    </p:spTree>
-    <p:extLst>
-      <p:ext uri="{BB962C8B-B14F-4D97-AF65-F5344CB8AC3E}">
-        <p14:creationId xmlns:p14="http://schemas.microsoft.com/office/powerpoint/2010/main" val="751273938"/>
-      </p:ext>
-    </p:extLst>
-  </p:cSld>
-  <p:clrMapOvr>
-    <a:masterClrMapping/>
-  </p:clrMapOvr>
-</p:sld>
-</file>
-
 <file path=ppt/slides/slide2.xml><?xml version="1.0" encoding="utf-8"?>
 <p:sld xmlns:a="http://schemas.openxmlformats.org/drawingml/2006/main" xmlns:r="http://schemas.openxmlformats.org/officeDocument/2006/relationships" xmlns:p="http://schemas.openxmlformats.org/presentationml/2006/main">
   <p:cSld>
@@ -22366,7 +22493,7 @@
         </p:nvSpPr>
         <p:spPr>
           <a:xfrm>
-            <a:off x="913249" y="2672832"/>
+            <a:off x="913257" y="2019804"/>
             <a:ext cx="4208707" cy="590549"/>
           </a:xfrm>
         </p:spPr>
@@ -22378,7 +22505,7 @@
               <a:rPr kumimoji="1" lang="en-US" altLang="zh-CN" dirty="0">
                 <a:hlinkClick r:id="rId4" action="ppaction://hlinksldjump"/>
               </a:rPr>
-              <a:t>4</a:t>
+              <a:t>3</a:t>
             </a:r>
             <a:r>
               <a:rPr kumimoji="1" lang="zh-CN" altLang="en-US" dirty="0">
@@ -22402,7 +22529,7 @@
         </p:nvSpPr>
         <p:spPr>
           <a:xfrm>
-            <a:off x="913254" y="3327692"/>
+            <a:off x="913262" y="2674664"/>
             <a:ext cx="4208707" cy="590549"/>
           </a:xfrm>
         </p:spPr>
@@ -22414,7 +22541,7 @@
               <a:rPr kumimoji="1" lang="en-US" altLang="zh-CN" dirty="0">
                 <a:hlinkClick r:id="rId5" action="ppaction://hlinksldjump"/>
               </a:rPr>
-              <a:t>5 </a:t>
+              <a:t>4 </a:t>
             </a:r>
             <a:r>
               <a:rPr kumimoji="1" lang="zh-CN" altLang="en-US" dirty="0">
@@ -22438,7 +22565,7 @@
         </p:nvSpPr>
         <p:spPr>
           <a:xfrm>
-            <a:off x="913254" y="3989492"/>
+            <a:off x="913262" y="3336464"/>
             <a:ext cx="4208707" cy="590549"/>
           </a:xfrm>
         </p:spPr>
@@ -22450,7 +22577,7 @@
               <a:rPr kumimoji="1" lang="en-US" altLang="zh-CN" dirty="0">
                 <a:hlinkClick r:id="rId6" action="ppaction://hlinksldjump"/>
               </a:rPr>
-              <a:t>6 </a:t>
+              <a:t>5 </a:t>
             </a:r>
             <a:r>
               <a:rPr kumimoji="1" lang="zh-CN" altLang="en-US" dirty="0">
@@ -22684,7 +22811,7 @@
         </p:nvSpPr>
         <p:spPr>
           <a:xfrm>
-            <a:off x="913254" y="2011032"/>
+            <a:off x="913263" y="4635351"/>
             <a:ext cx="4208707" cy="590549"/>
           </a:xfrm>
           <a:prstGeom prst="rect">
@@ -22862,7 +22989,7 @@
               <a:rPr kumimoji="1" lang="en-US" altLang="zh-CN" dirty="0">
                 <a:hlinkClick r:id="rId8" action="ppaction://hlinksldjump"/>
               </a:rPr>
-              <a:t>3 </a:t>
+              <a:t>7 </a:t>
             </a:r>
             <a:r>
               <a:rPr kumimoji="1" lang="zh-CN" altLang="en-US" dirty="0">
@@ -22890,7 +23017,7 @@
         </p:nvSpPr>
         <p:spPr>
           <a:xfrm>
-            <a:off x="913254" y="4670007"/>
+            <a:off x="913262" y="4016979"/>
             <a:ext cx="4208707" cy="590549"/>
           </a:xfrm>
           <a:prstGeom prst="rect">
@@ -23068,7 +23195,7 @@
               <a:rPr kumimoji="1" lang="en-US" altLang="zh-CN" dirty="0">
                 <a:hlinkClick r:id="rId9" action="ppaction://hlinksldjump"/>
               </a:rPr>
-              <a:t>7 </a:t>
+              <a:t>6 </a:t>
             </a:r>
             <a:r>
               <a:rPr kumimoji="1" lang="zh-CN" altLang="en-US" dirty="0">
@@ -23096,7 +23223,7 @@
         </p:nvSpPr>
         <p:spPr>
           <a:xfrm>
-            <a:off x="913246" y="5316203"/>
+            <a:off x="913262" y="5253724"/>
             <a:ext cx="4208707" cy="590549"/>
           </a:xfrm>
           <a:prstGeom prst="rect">
@@ -23302,7 +23429,7 @@
         </p:nvSpPr>
         <p:spPr>
           <a:xfrm>
-            <a:off x="913247" y="5996718"/>
+            <a:off x="913263" y="5934239"/>
             <a:ext cx="4208707" cy="590549"/>
           </a:xfrm>
           <a:prstGeom prst="rect">
@@ -23738,7 +23865,7 @@
             <a:spLocks noGrp="1"/>
           </p:cNvSpPr>
           <p:nvPr>
-            <p:ph type="body" sz="quarter" idx="10"/>
+            <p:ph type="body" sz="quarter" idx="12"/>
           </p:nvPr>
         </p:nvSpPr>
         <p:spPr/>
@@ -23747,119 +23874,8 @@
           <a:lstStyle/>
           <a:p>
             <a:r>
-              <a:rPr kumimoji="1" lang="zh-CN" altLang="en-US" dirty="0"/>
-              <a:t>感谢聆听</a:t>
-            </a:r>
-          </a:p>
-        </p:txBody>
-      </p:sp>
-      <p:sp>
-        <p:nvSpPr>
-          <p:cNvPr id="3" name="文本占位符 2"/>
-          <p:cNvSpPr>
-            <a:spLocks noGrp="1"/>
-          </p:cNvSpPr>
-          <p:nvPr>
-            <p:ph type="body" sz="quarter" idx="11"/>
-          </p:nvPr>
-        </p:nvSpPr>
-        <p:spPr/>
-        <p:txBody>
-          <a:bodyPr/>
-          <a:lstStyle/>
-          <a:p>
-            <a:r>
               <a:rPr kumimoji="1" lang="en-US" altLang="zh-CN" dirty="0"/>
-              <a:t>THANK</a:t>
-            </a:r>
-            <a:r>
-              <a:rPr kumimoji="1" lang="zh-CN" altLang="en-US" dirty="0"/>
-              <a:t> </a:t>
-            </a:r>
-            <a:r>
-              <a:rPr kumimoji="1" lang="en-US" altLang="zh-CN" dirty="0"/>
-              <a:t>YOU</a:t>
-            </a:r>
-            <a:r>
-              <a:rPr kumimoji="1" lang="zh-CN" altLang="en-US" dirty="0"/>
-              <a:t> </a:t>
-            </a:r>
-            <a:r>
-              <a:rPr kumimoji="1" lang="en-US" altLang="zh-CN" dirty="0"/>
-              <a:t>FOR</a:t>
-            </a:r>
-            <a:r>
-              <a:rPr kumimoji="1" lang="zh-CN" altLang="en-US" dirty="0"/>
-              <a:t> </a:t>
-            </a:r>
-            <a:r>
-              <a:rPr kumimoji="1" lang="en-US" altLang="zh-CN" dirty="0"/>
-              <a:t>WATCHING</a:t>
-            </a:r>
-            <a:endParaRPr kumimoji="1" lang="zh-CN" altLang="en-US" dirty="0"/>
-          </a:p>
-        </p:txBody>
-      </p:sp>
-    </p:spTree>
-    <p:extLst>
-      <p:ext uri="{BB962C8B-B14F-4D97-AF65-F5344CB8AC3E}">
-        <p14:creationId xmlns:p14="http://schemas.microsoft.com/office/powerpoint/2010/main" val="3871561802"/>
-      </p:ext>
-    </p:extLst>
-  </p:cSld>
-  <p:clrMapOvr>
-    <a:masterClrMapping/>
-  </p:clrMapOvr>
-  <mc:AlternateContent xmlns:mc="http://schemas.openxmlformats.org/markup-compatibility/2006" xmlns:p14="http://schemas.microsoft.com/office/powerpoint/2010/main">
-    <mc:Choice Requires="p14">
-      <p:transition spd="slow" p14:dur="2500">
-        <p:checker/>
-      </p:transition>
-    </mc:Choice>
-    <mc:Fallback xmlns="">
-      <p:transition spd="slow">
-        <p:checker/>
-      </p:transition>
-    </mc:Fallback>
-  </mc:AlternateContent>
-</p:sld>
-</file>
-
-<file path=ppt/slides/slide21.xml><?xml version="1.0" encoding="utf-8"?>
-<p:sld xmlns:a="http://schemas.openxmlformats.org/drawingml/2006/main" xmlns:r="http://schemas.openxmlformats.org/officeDocument/2006/relationships" xmlns:p="http://schemas.openxmlformats.org/presentationml/2006/main">
-  <p:cSld>
-    <p:spTree>
-      <p:nvGrpSpPr>
-        <p:cNvPr id="1" name=""/>
-        <p:cNvGrpSpPr/>
-        <p:nvPr/>
-      </p:nvGrpSpPr>
-      <p:grpSpPr>
-        <a:xfrm>
-          <a:off x="0" y="0"/>
-          <a:ext cx="0" cy="0"/>
-          <a:chOff x="0" y="0"/>
-          <a:chExt cx="0" cy="0"/>
-        </a:xfrm>
-      </p:grpSpPr>
-      <p:sp>
-        <p:nvSpPr>
-          <p:cNvPr id="2" name="文本占位符 1"/>
-          <p:cNvSpPr>
-            <a:spLocks noGrp="1"/>
-          </p:cNvSpPr>
-          <p:nvPr>
-            <p:ph type="body" sz="quarter" idx="12"/>
-          </p:nvPr>
-        </p:nvSpPr>
-        <p:spPr/>
-        <p:txBody>
-          <a:bodyPr/>
-          <a:lstStyle/>
-          <a:p>
-            <a:r>
-              <a:rPr kumimoji="1" lang="en-US" altLang="zh-CN" dirty="0"/>
-              <a:t>04</a:t>
+              <a:t>03</a:t>
             </a:r>
             <a:endParaRPr kumimoji="1" lang="zh-CN" altLang="en-US" dirty="0"/>
           </a:p>
@@ -23912,7 +23928,7 @@
 </p:sld>
 </file>
 
-<file path=ppt/slides/slide22.xml><?xml version="1.0" encoding="utf-8"?>
+<file path=ppt/slides/slide21.xml><?xml version="1.0" encoding="utf-8"?>
 <p:sld xmlns:a="http://schemas.openxmlformats.org/drawingml/2006/main" xmlns:r="http://schemas.openxmlformats.org/officeDocument/2006/relationships" xmlns:p="http://schemas.openxmlformats.org/presentationml/2006/main">
   <p:cSld>
     <p:spTree>
@@ -24023,7 +24039,7 @@
 </p:sld>
 </file>
 
-<file path=ppt/slides/slide23.xml><?xml version="1.0" encoding="utf-8"?>
+<file path=ppt/slides/slide22.xml><?xml version="1.0" encoding="utf-8"?>
 <p:sld xmlns:a="http://schemas.openxmlformats.org/drawingml/2006/main" xmlns:r="http://schemas.openxmlformats.org/officeDocument/2006/relationships" xmlns:p="http://schemas.openxmlformats.org/presentationml/2006/main">
   <p:cSld>
     <p:spTree>
@@ -24057,7 +24073,7 @@
           <a:p>
             <a:r>
               <a:rPr kumimoji="1" lang="en-US" altLang="zh-CN" dirty="0"/>
-              <a:t>05</a:t>
+              <a:t>04</a:t>
             </a:r>
             <a:endParaRPr kumimoji="1" lang="zh-CN" altLang="en-US" dirty="0"/>
           </a:p>
@@ -24110,7 +24126,7 @@
 </p:sld>
 </file>
 
-<file path=ppt/slides/slide24.xml><?xml version="1.0" encoding="utf-8"?>
+<file path=ppt/slides/slide23.xml><?xml version="1.0" encoding="utf-8"?>
 <p:sld xmlns:a="http://schemas.openxmlformats.org/drawingml/2006/main" xmlns:r="http://schemas.openxmlformats.org/officeDocument/2006/relationships" xmlns:p="http://schemas.openxmlformats.org/presentationml/2006/main">
   <p:cSld>
     <p:spTree>
@@ -24221,7 +24237,7 @@
 </p:sld>
 </file>
 
-<file path=ppt/slides/slide25.xml><?xml version="1.0" encoding="utf-8"?>
+<file path=ppt/slides/slide24.xml><?xml version="1.0" encoding="utf-8"?>
 <p:sld xmlns:a="http://schemas.openxmlformats.org/drawingml/2006/main" xmlns:r="http://schemas.openxmlformats.org/officeDocument/2006/relationships" xmlns:p="http://schemas.openxmlformats.org/presentationml/2006/main">
   <p:cSld>
     <p:spTree>
@@ -24255,7 +24271,7 @@
           <a:p>
             <a:r>
               <a:rPr kumimoji="1" lang="en-US" altLang="zh-CN" dirty="0"/>
-              <a:t>06</a:t>
+              <a:t>05</a:t>
             </a:r>
             <a:endParaRPr kumimoji="1" lang="zh-CN" altLang="en-US" dirty="0"/>
           </a:p>
@@ -24308,7 +24324,7 @@
 </p:sld>
 </file>
 
-<file path=ppt/slides/slide26.xml><?xml version="1.0" encoding="utf-8"?>
+<file path=ppt/slides/slide25.xml><?xml version="1.0" encoding="utf-8"?>
 <p:sld xmlns:a="http://schemas.openxmlformats.org/drawingml/2006/main" xmlns:r="http://schemas.openxmlformats.org/officeDocument/2006/relationships" xmlns:p="http://schemas.openxmlformats.org/presentationml/2006/main">
   <p:cSld>
     <p:spTree>
@@ -24419,7 +24435,7 @@
 </p:sld>
 </file>
 
-<file path=ppt/slides/slide27.xml><?xml version="1.0" encoding="utf-8"?>
+<file path=ppt/slides/slide26.xml><?xml version="1.0" encoding="utf-8"?>
 <p:sld xmlns:a="http://schemas.openxmlformats.org/drawingml/2006/main" xmlns:r="http://schemas.openxmlformats.org/officeDocument/2006/relationships" xmlns:p="http://schemas.openxmlformats.org/presentationml/2006/main">
   <p:cSld>
     <p:spTree>
@@ -24453,7 +24469,7 @@
           <a:p>
             <a:r>
               <a:rPr kumimoji="1" lang="en-US" altLang="zh-CN" dirty="0"/>
-              <a:t>07</a:t>
+              <a:t>06</a:t>
             </a:r>
             <a:endParaRPr kumimoji="1" lang="zh-CN" altLang="en-US" dirty="0"/>
           </a:p>
@@ -24506,7 +24522,7 @@
 </p:sld>
 </file>
 
-<file path=ppt/slides/slide28.xml><?xml version="1.0" encoding="utf-8"?>
+<file path=ppt/slides/slide27.xml><?xml version="1.0" encoding="utf-8"?>
 <p:sld xmlns:a="http://schemas.openxmlformats.org/drawingml/2006/main" xmlns:r="http://schemas.openxmlformats.org/officeDocument/2006/relationships" xmlns:p="http://schemas.openxmlformats.org/presentationml/2006/main">
   <p:cSld>
     <p:spTree>
@@ -24617,7 +24633,7 @@
 </p:sld>
 </file>
 
-<file path=ppt/slides/slide29.xml><?xml version="1.0" encoding="utf-8"?>
+<file path=ppt/slides/slide28.xml><?xml version="1.0" encoding="utf-8"?>
 <p:sld xmlns:a="http://schemas.openxmlformats.org/drawingml/2006/main" xmlns:r="http://schemas.openxmlformats.org/officeDocument/2006/relationships" xmlns:p="http://schemas.openxmlformats.org/presentationml/2006/main">
   <p:cSld>
     <p:spTree>
@@ -24651,7 +24667,7 @@
           <a:p>
             <a:r>
               <a:rPr kumimoji="1" lang="en-US" altLang="zh-CN" dirty="0"/>
-              <a:t>08</a:t>
+              <a:t>07</a:t>
             </a:r>
             <a:endParaRPr kumimoji="1" lang="zh-CN" altLang="en-US" dirty="0"/>
           </a:p>
@@ -24674,7 +24690,7 @@
           <a:p>
             <a:r>
               <a:rPr kumimoji="1" lang="zh-CN" altLang="en-US" dirty="0"/>
-              <a:t>图</a:t>
+              <a:t>堆结构</a:t>
             </a:r>
           </a:p>
         </p:txBody>
@@ -24682,7 +24698,7 @@
     </p:spTree>
     <p:extLst>
       <p:ext uri="{BB962C8B-B14F-4D97-AF65-F5344CB8AC3E}">
-        <p14:creationId xmlns:p14="http://schemas.microsoft.com/office/powerpoint/2010/main" val="1043993424"/>
+        <p14:creationId xmlns:p14="http://schemas.microsoft.com/office/powerpoint/2010/main" val="185963953"/>
       </p:ext>
     </p:extLst>
   </p:cSld>
@@ -24698,6 +24714,312 @@
     <mc:Fallback xmlns="">
       <p:transition spd="slow">
         <p:blinds dir="vert"/>
+      </p:transition>
+    </mc:Fallback>
+  </mc:AlternateContent>
+</p:sld>
+</file>
+
+<file path=ppt/slides/slide29.xml><?xml version="1.0" encoding="utf-8"?>
+<p:sld xmlns:a="http://schemas.openxmlformats.org/drawingml/2006/main" xmlns:r="http://schemas.openxmlformats.org/officeDocument/2006/relationships" xmlns:p="http://schemas.openxmlformats.org/presentationml/2006/main">
+  <p:cSld>
+    <p:bg>
+      <p:bgPr>
+        <a:solidFill>
+          <a:schemeClr val="accent2"/>
+        </a:solidFill>
+        <a:effectLst/>
+      </p:bgPr>
+    </p:bg>
+    <p:spTree>
+      <p:nvGrpSpPr>
+        <p:cNvPr id="1" name=""/>
+        <p:cNvGrpSpPr/>
+        <p:nvPr/>
+      </p:nvGrpSpPr>
+      <p:grpSpPr>
+        <a:xfrm>
+          <a:off x="0" y="0"/>
+          <a:ext cx="0" cy="0"/>
+          <a:chOff x="0" y="0"/>
+          <a:chExt cx="0" cy="0"/>
+        </a:xfrm>
+      </p:grpSpPr>
+      <p:sp>
+        <p:nvSpPr>
+          <p:cNvPr id="2" name="文本占位符 1"/>
+          <p:cNvSpPr>
+            <a:spLocks noGrp="1"/>
+          </p:cNvSpPr>
+          <p:nvPr>
+            <p:ph type="body" sz="quarter" idx="12"/>
+          </p:nvPr>
+        </p:nvSpPr>
+        <p:spPr>
+          <a:xfrm>
+            <a:off x="284148" y="97757"/>
+            <a:ext cx="7752947" cy="590549"/>
+          </a:xfrm>
+        </p:spPr>
+        <p:txBody>
+          <a:bodyPr/>
+          <a:lstStyle/>
+          <a:p>
+            <a:r>
+              <a:rPr lang="zh-CN" altLang="en-US" dirty="0"/>
+              <a:t>什么是堆</a:t>
+            </a:r>
+          </a:p>
+        </p:txBody>
+      </p:sp>
+      <p:sp>
+        <p:nvSpPr>
+          <p:cNvPr id="13" name="文本框 12">
+            <a:extLst>
+              <a:ext uri="{FF2B5EF4-FFF2-40B4-BE49-F238E27FC236}">
+                <a16:creationId xmlns:a16="http://schemas.microsoft.com/office/drawing/2014/main" id="{0092B0BF-CF6D-4B91-BE18-D7282CA1CEA4}"/>
+              </a:ext>
+            </a:extLst>
+          </p:cNvPr>
+          <p:cNvSpPr txBox="1"/>
+          <p:nvPr/>
+        </p:nvSpPr>
+        <p:spPr>
+          <a:xfrm>
+            <a:off x="578840" y="931178"/>
+            <a:ext cx="11264622" cy="646331"/>
+          </a:xfrm>
+          <a:prstGeom prst="rect">
+            <a:avLst/>
+          </a:prstGeom>
+          <a:noFill/>
+        </p:spPr>
+        <p:txBody>
+          <a:bodyPr wrap="none" rtlCol="0">
+            <a:spAutoFit/>
+          </a:bodyPr>
+          <a:lstStyle/>
+          <a:p>
+            <a:r>
+              <a:rPr lang="zh-CN" altLang="en-US" b="1" dirty="0"/>
+              <a:t>堆的定义：</a:t>
+            </a:r>
+            <a:r>
+              <a:rPr lang="zh-CN" altLang="en-US" dirty="0"/>
+              <a:t>堆是一颗符合特定规则的完全二叉树，其中对于所有的父节点均小于其左右孩子的二叉树我们称为</a:t>
+            </a:r>
+            <a:endParaRPr lang="en-US" altLang="zh-CN" dirty="0"/>
+          </a:p>
+          <a:p>
+            <a:r>
+              <a:rPr lang="zh-CN" altLang="en-US" dirty="0"/>
+              <a:t>                  小根堆（小顶堆），反之则称为大根堆（大顶堆）。</a:t>
+            </a:r>
+          </a:p>
+        </p:txBody>
+      </p:sp>
+      <p:pic>
+        <p:nvPicPr>
+          <p:cNvPr id="4" name="图片 3" descr="形状, 箭头&#10;&#10;描述已自动生成">
+            <a:extLst>
+              <a:ext uri="{FF2B5EF4-FFF2-40B4-BE49-F238E27FC236}">
+                <a16:creationId xmlns:a16="http://schemas.microsoft.com/office/drawing/2014/main" id="{2B2967B7-87B4-46D5-8364-21B2544AFCC1}"/>
+              </a:ext>
+            </a:extLst>
+          </p:cNvPr>
+          <p:cNvPicPr>
+            <a:picLocks noChangeAspect="1"/>
+          </p:cNvPicPr>
+          <p:nvPr/>
+        </p:nvPicPr>
+        <p:blipFill>
+          <a:blip r:embed="rId3"/>
+          <a:stretch>
+            <a:fillRect/>
+          </a:stretch>
+        </p:blipFill>
+        <p:spPr>
+          <a:xfrm>
+            <a:off x="1462876" y="2946145"/>
+            <a:ext cx="3625454" cy="2114243"/>
+          </a:xfrm>
+          <a:prstGeom prst="rect">
+            <a:avLst/>
+          </a:prstGeom>
+        </p:spPr>
+      </p:pic>
+      <p:pic>
+        <p:nvPicPr>
+          <p:cNvPr id="6" name="图片 5" descr="形状&#10;&#10;描述已自动生成">
+            <a:extLst>
+              <a:ext uri="{FF2B5EF4-FFF2-40B4-BE49-F238E27FC236}">
+                <a16:creationId xmlns:a16="http://schemas.microsoft.com/office/drawing/2014/main" id="{ADE5060E-CB26-4790-BEA7-EA5AE77DC18B}"/>
+              </a:ext>
+            </a:extLst>
+          </p:cNvPr>
+          <p:cNvPicPr>
+            <a:picLocks noChangeAspect="1"/>
+          </p:cNvPicPr>
+          <p:nvPr/>
+        </p:nvPicPr>
+        <p:blipFill>
+          <a:blip r:embed="rId4"/>
+          <a:stretch>
+            <a:fillRect/>
+          </a:stretch>
+        </p:blipFill>
+        <p:spPr>
+          <a:xfrm>
+            <a:off x="6761264" y="2952437"/>
+            <a:ext cx="3625454" cy="2114243"/>
+          </a:xfrm>
+          <a:prstGeom prst="rect">
+            <a:avLst/>
+          </a:prstGeom>
+        </p:spPr>
+      </p:pic>
+      <p:sp>
+        <p:nvSpPr>
+          <p:cNvPr id="7" name="文本框 6">
+            <a:extLst>
+              <a:ext uri="{FF2B5EF4-FFF2-40B4-BE49-F238E27FC236}">
+                <a16:creationId xmlns:a16="http://schemas.microsoft.com/office/drawing/2014/main" id="{0901C2A7-9585-47C7-AC5C-4A1690A852FE}"/>
+              </a:ext>
+            </a:extLst>
+          </p:cNvPr>
+          <p:cNvSpPr txBox="1"/>
+          <p:nvPr/>
+        </p:nvSpPr>
+        <p:spPr>
+          <a:xfrm>
+            <a:off x="2460315" y="5280491"/>
+            <a:ext cx="1630575" cy="646331"/>
+          </a:xfrm>
+          <a:prstGeom prst="rect">
+            <a:avLst/>
+          </a:prstGeom>
+          <a:noFill/>
+        </p:spPr>
+        <p:txBody>
+          <a:bodyPr wrap="none" rtlCol="0">
+            <a:spAutoFit/>
+          </a:bodyPr>
+          <a:lstStyle/>
+          <a:p>
+            <a:r>
+              <a:rPr lang="en-US" altLang="zh-CN" dirty="0"/>
+              <a:t>[9,7,8,3,2,6,1]</a:t>
+            </a:r>
+          </a:p>
+          <a:p>
+            <a:pPr algn="ctr"/>
+            <a:r>
+              <a:rPr lang="zh-CN" altLang="en-US" dirty="0"/>
+              <a:t>大根堆</a:t>
+            </a:r>
+          </a:p>
+        </p:txBody>
+      </p:sp>
+      <p:sp>
+        <p:nvSpPr>
+          <p:cNvPr id="9" name="文本框 8">
+            <a:extLst>
+              <a:ext uri="{FF2B5EF4-FFF2-40B4-BE49-F238E27FC236}">
+                <a16:creationId xmlns:a16="http://schemas.microsoft.com/office/drawing/2014/main" id="{898EF5CF-F2A4-4B25-97AA-6A17286941FF}"/>
+              </a:ext>
+            </a:extLst>
+          </p:cNvPr>
+          <p:cNvSpPr txBox="1"/>
+          <p:nvPr/>
+        </p:nvSpPr>
+        <p:spPr>
+          <a:xfrm>
+            <a:off x="7758703" y="5280491"/>
+            <a:ext cx="1630575" cy="646331"/>
+          </a:xfrm>
+          <a:prstGeom prst="rect">
+            <a:avLst/>
+          </a:prstGeom>
+          <a:noFill/>
+        </p:spPr>
+        <p:txBody>
+          <a:bodyPr wrap="none" rtlCol="0">
+            <a:spAutoFit/>
+          </a:bodyPr>
+          <a:lstStyle/>
+          <a:p>
+            <a:r>
+              <a:rPr lang="en-US" altLang="zh-CN" dirty="0"/>
+              <a:t>[2,4,5,6,8,7,9]</a:t>
+            </a:r>
+          </a:p>
+          <a:p>
+            <a:pPr algn="ctr"/>
+            <a:r>
+              <a:rPr lang="zh-CN" altLang="en-US" dirty="0"/>
+              <a:t>小根堆</a:t>
+            </a:r>
+          </a:p>
+        </p:txBody>
+      </p:sp>
+      <p:sp>
+        <p:nvSpPr>
+          <p:cNvPr id="10" name="文本框 9">
+            <a:extLst>
+              <a:ext uri="{FF2B5EF4-FFF2-40B4-BE49-F238E27FC236}">
+                <a16:creationId xmlns:a16="http://schemas.microsoft.com/office/drawing/2014/main" id="{21E897A4-C00E-4884-A1F2-81CAB5F2A11A}"/>
+              </a:ext>
+            </a:extLst>
+          </p:cNvPr>
+          <p:cNvSpPr txBox="1"/>
+          <p:nvPr/>
+        </p:nvSpPr>
+        <p:spPr>
+          <a:xfrm>
+            <a:off x="578840" y="1935516"/>
+            <a:ext cx="9626353" cy="369332"/>
+          </a:xfrm>
+          <a:prstGeom prst="rect">
+            <a:avLst/>
+          </a:prstGeom>
+          <a:noFill/>
+        </p:spPr>
+        <p:txBody>
+          <a:bodyPr wrap="none" rtlCol="0">
+            <a:spAutoFit/>
+          </a:bodyPr>
+          <a:lstStyle/>
+          <a:p>
+            <a:r>
+              <a:rPr lang="zh-CN" altLang="en-US" b="1" dirty="0"/>
+              <a:t>堆化数组：</a:t>
+            </a:r>
+            <a:r>
+              <a:rPr lang="zh-CN" altLang="en-US" dirty="0"/>
+              <a:t>堆化数组即将数组看成是树的层序遍历，且数组对应的完全二叉树符合堆的定义</a:t>
+            </a:r>
+          </a:p>
+        </p:txBody>
+      </p:sp>
+    </p:spTree>
+    <p:extLst>
+      <p:ext uri="{BB962C8B-B14F-4D97-AF65-F5344CB8AC3E}">
+        <p14:creationId xmlns:p14="http://schemas.microsoft.com/office/powerpoint/2010/main" val="786039021"/>
+      </p:ext>
+    </p:extLst>
+  </p:cSld>
+  <p:clrMapOvr>
+    <a:masterClrMapping/>
+  </p:clrMapOvr>
+  <mc:AlternateContent xmlns:mc="http://schemas.openxmlformats.org/markup-compatibility/2006" xmlns:p14="http://schemas.microsoft.com/office/powerpoint/2010/main">
+    <mc:Choice Requires="p14">
+      <p:transition spd="med" p14:dur="700">
+        <p:fade/>
+      </p:transition>
+    </mc:Choice>
+    <mc:Fallback xmlns="">
+      <p:transition spd="med">
+        <p:fade/>
       </p:transition>
     </mc:Fallback>
   </mc:AlternateContent>
@@ -24810,6 +25132,453 @@
       </p:grpSpPr>
       <p:sp>
         <p:nvSpPr>
+          <p:cNvPr id="2" name="文本占位符 1">
+            <a:extLst>
+              <a:ext uri="{FF2B5EF4-FFF2-40B4-BE49-F238E27FC236}">
+                <a16:creationId xmlns:a16="http://schemas.microsoft.com/office/drawing/2014/main" id="{BEFA8033-19A0-4C60-A442-0FEA503B8E7F}"/>
+              </a:ext>
+            </a:extLst>
+          </p:cNvPr>
+          <p:cNvSpPr>
+            <a:spLocks noGrp="1"/>
+          </p:cNvSpPr>
+          <p:nvPr>
+            <p:ph type="body" sz="quarter" idx="12"/>
+          </p:nvPr>
+        </p:nvSpPr>
+        <p:spPr/>
+        <p:txBody>
+          <a:bodyPr/>
+          <a:lstStyle/>
+          <a:p>
+            <a:r>
+              <a:rPr lang="zh-CN" altLang="en-US" dirty="0"/>
+              <a:t>建堆</a:t>
+            </a:r>
+          </a:p>
+        </p:txBody>
+      </p:sp>
+      <p:sp>
+        <p:nvSpPr>
+          <p:cNvPr id="3" name="文本框 2">
+            <a:extLst>
+              <a:ext uri="{FF2B5EF4-FFF2-40B4-BE49-F238E27FC236}">
+                <a16:creationId xmlns:a16="http://schemas.microsoft.com/office/drawing/2014/main" id="{77F9C371-34BF-4D54-99A0-226DA6A380DB}"/>
+              </a:ext>
+            </a:extLst>
+          </p:cNvPr>
+          <p:cNvSpPr txBox="1"/>
+          <p:nvPr/>
+        </p:nvSpPr>
+        <p:spPr>
+          <a:xfrm>
+            <a:off x="696286" y="1031738"/>
+            <a:ext cx="1279517" cy="369332"/>
+          </a:xfrm>
+          <a:prstGeom prst="rect">
+            <a:avLst/>
+          </a:prstGeom>
+          <a:noFill/>
+        </p:spPr>
+        <p:txBody>
+          <a:bodyPr wrap="none" rtlCol="0">
+            <a:spAutoFit/>
+          </a:bodyPr>
+          <a:lstStyle/>
+          <a:p>
+            <a:r>
+              <a:rPr lang="en-US" altLang="zh-CN" dirty="0" err="1"/>
+              <a:t>Heapify</a:t>
+            </a:r>
+            <a:r>
+              <a:rPr lang="zh-CN" altLang="en-US" dirty="0"/>
+              <a:t>：</a:t>
+            </a:r>
+          </a:p>
+        </p:txBody>
+      </p:sp>
+      <p:sp>
+        <p:nvSpPr>
+          <p:cNvPr id="4" name="文本框 3">
+            <a:extLst>
+              <a:ext uri="{FF2B5EF4-FFF2-40B4-BE49-F238E27FC236}">
+                <a16:creationId xmlns:a16="http://schemas.microsoft.com/office/drawing/2014/main" id="{19CF1D0E-EB9C-4B3D-B8C5-979A29D3A774}"/>
+              </a:ext>
+            </a:extLst>
+          </p:cNvPr>
+          <p:cNvSpPr txBox="1"/>
+          <p:nvPr/>
+        </p:nvSpPr>
+        <p:spPr>
+          <a:xfrm>
+            <a:off x="7206143" y="1031738"/>
+            <a:ext cx="2492990" cy="369332"/>
+          </a:xfrm>
+          <a:prstGeom prst="rect">
+            <a:avLst/>
+          </a:prstGeom>
+          <a:noFill/>
+        </p:spPr>
+        <p:txBody>
+          <a:bodyPr wrap="none" rtlCol="0">
+            <a:spAutoFit/>
+          </a:bodyPr>
+          <a:lstStyle/>
+          <a:p>
+            <a:r>
+              <a:rPr lang="zh-CN" altLang="en-US" dirty="0"/>
+              <a:t>自底向上的遍历方式：</a:t>
+            </a:r>
+          </a:p>
+        </p:txBody>
+      </p:sp>
+    </p:spTree>
+    <p:extLst>
+      <p:ext uri="{BB962C8B-B14F-4D97-AF65-F5344CB8AC3E}">
+        <p14:creationId xmlns:p14="http://schemas.microsoft.com/office/powerpoint/2010/main" val="3153655620"/>
+      </p:ext>
+    </p:extLst>
+  </p:cSld>
+  <p:clrMapOvr>
+    <a:masterClrMapping/>
+  </p:clrMapOvr>
+</p:sld>
+</file>
+
+<file path=ppt/slides/slide31.xml><?xml version="1.0" encoding="utf-8"?>
+<p:sld xmlns:a="http://schemas.openxmlformats.org/drawingml/2006/main" xmlns:r="http://schemas.openxmlformats.org/officeDocument/2006/relationships" xmlns:p="http://schemas.openxmlformats.org/presentationml/2006/main">
+  <p:cSld>
+    <p:spTree>
+      <p:nvGrpSpPr>
+        <p:cNvPr id="1" name=""/>
+        <p:cNvGrpSpPr/>
+        <p:nvPr/>
+      </p:nvGrpSpPr>
+      <p:grpSpPr>
+        <a:xfrm>
+          <a:off x="0" y="0"/>
+          <a:ext cx="0" cy="0"/>
+          <a:chOff x="0" y="0"/>
+          <a:chExt cx="0" cy="0"/>
+        </a:xfrm>
+      </p:grpSpPr>
+      <p:sp>
+        <p:nvSpPr>
+          <p:cNvPr id="2" name="文本占位符 1">
+            <a:extLst>
+              <a:ext uri="{FF2B5EF4-FFF2-40B4-BE49-F238E27FC236}">
+                <a16:creationId xmlns:a16="http://schemas.microsoft.com/office/drawing/2014/main" id="{B7AF2530-6231-4D56-BC23-4F977F319A3A}"/>
+              </a:ext>
+            </a:extLst>
+          </p:cNvPr>
+          <p:cNvSpPr>
+            <a:spLocks noGrp="1"/>
+          </p:cNvSpPr>
+          <p:nvPr>
+            <p:ph type="body" sz="quarter" idx="12"/>
+          </p:nvPr>
+        </p:nvSpPr>
+        <p:spPr/>
+        <p:txBody>
+          <a:bodyPr/>
+          <a:lstStyle/>
+          <a:p>
+            <a:r>
+              <a:rPr lang="zh-CN" altLang="en-US" dirty="0"/>
+              <a:t>堆排序</a:t>
+            </a:r>
+          </a:p>
+        </p:txBody>
+      </p:sp>
+    </p:spTree>
+    <p:extLst>
+      <p:ext uri="{BB962C8B-B14F-4D97-AF65-F5344CB8AC3E}">
+        <p14:creationId xmlns:p14="http://schemas.microsoft.com/office/powerpoint/2010/main" val="4162139435"/>
+      </p:ext>
+    </p:extLst>
+  </p:cSld>
+  <p:clrMapOvr>
+    <a:masterClrMapping/>
+  </p:clrMapOvr>
+</p:sld>
+</file>
+
+<file path=ppt/slides/slide32.xml><?xml version="1.0" encoding="utf-8"?>
+<p:sld xmlns:a="http://schemas.openxmlformats.org/drawingml/2006/main" xmlns:r="http://schemas.openxmlformats.org/officeDocument/2006/relationships" xmlns:p="http://schemas.openxmlformats.org/presentationml/2006/main">
+  <p:cSld>
+    <p:spTree>
+      <p:nvGrpSpPr>
+        <p:cNvPr id="1" name=""/>
+        <p:cNvGrpSpPr/>
+        <p:nvPr/>
+      </p:nvGrpSpPr>
+      <p:grpSpPr>
+        <a:xfrm>
+          <a:off x="0" y="0"/>
+          <a:ext cx="0" cy="0"/>
+          <a:chOff x="0" y="0"/>
+          <a:chExt cx="0" cy="0"/>
+        </a:xfrm>
+      </p:grpSpPr>
+      <p:sp>
+        <p:nvSpPr>
+          <p:cNvPr id="2" name="文本占位符 1">
+            <a:extLst>
+              <a:ext uri="{FF2B5EF4-FFF2-40B4-BE49-F238E27FC236}">
+                <a16:creationId xmlns:a16="http://schemas.microsoft.com/office/drawing/2014/main" id="{D1A1F7E8-23FB-41A2-8BA0-565EF21F256E}"/>
+              </a:ext>
+            </a:extLst>
+          </p:cNvPr>
+          <p:cNvSpPr>
+            <a:spLocks noGrp="1"/>
+          </p:cNvSpPr>
+          <p:nvPr>
+            <p:ph type="body" sz="quarter" idx="12"/>
+          </p:nvPr>
+        </p:nvSpPr>
+        <p:spPr/>
+        <p:txBody>
+          <a:bodyPr/>
+          <a:lstStyle/>
+          <a:p>
+            <a:r>
+              <a:rPr lang="en-US" altLang="zh-CN" dirty="0"/>
+              <a:t>Top K</a:t>
+            </a:r>
+            <a:endParaRPr lang="zh-CN" altLang="en-US" dirty="0"/>
+          </a:p>
+        </p:txBody>
+      </p:sp>
+    </p:spTree>
+    <p:extLst>
+      <p:ext uri="{BB962C8B-B14F-4D97-AF65-F5344CB8AC3E}">
+        <p14:creationId xmlns:p14="http://schemas.microsoft.com/office/powerpoint/2010/main" val="751273938"/>
+      </p:ext>
+    </p:extLst>
+  </p:cSld>
+  <p:clrMapOvr>
+    <a:masterClrMapping/>
+  </p:clrMapOvr>
+</p:sld>
+</file>
+
+<file path=ppt/slides/slide33.xml><?xml version="1.0" encoding="utf-8"?>
+<p:sld xmlns:a="http://schemas.openxmlformats.org/drawingml/2006/main" xmlns:r="http://schemas.openxmlformats.org/officeDocument/2006/relationships" xmlns:p="http://schemas.openxmlformats.org/presentationml/2006/main">
+  <p:cSld>
+    <p:spTree>
+      <p:nvGrpSpPr>
+        <p:cNvPr id="1" name=""/>
+        <p:cNvGrpSpPr/>
+        <p:nvPr/>
+      </p:nvGrpSpPr>
+      <p:grpSpPr>
+        <a:xfrm>
+          <a:off x="0" y="0"/>
+          <a:ext cx="0" cy="0"/>
+          <a:chOff x="0" y="0"/>
+          <a:chExt cx="0" cy="0"/>
+        </a:xfrm>
+      </p:grpSpPr>
+      <p:sp>
+        <p:nvSpPr>
+          <p:cNvPr id="2" name="文本占位符 1"/>
+          <p:cNvSpPr>
+            <a:spLocks noGrp="1"/>
+          </p:cNvSpPr>
+          <p:nvPr>
+            <p:ph type="body" sz="quarter" idx="10"/>
+          </p:nvPr>
+        </p:nvSpPr>
+        <p:spPr/>
+        <p:txBody>
+          <a:bodyPr/>
+          <a:lstStyle/>
+          <a:p>
+            <a:r>
+              <a:rPr kumimoji="1" lang="zh-CN" altLang="en-US" dirty="0"/>
+              <a:t>感谢聆听</a:t>
+            </a:r>
+          </a:p>
+        </p:txBody>
+      </p:sp>
+      <p:sp>
+        <p:nvSpPr>
+          <p:cNvPr id="3" name="文本占位符 2"/>
+          <p:cNvSpPr>
+            <a:spLocks noGrp="1"/>
+          </p:cNvSpPr>
+          <p:nvPr>
+            <p:ph type="body" sz="quarter" idx="11"/>
+          </p:nvPr>
+        </p:nvSpPr>
+        <p:spPr/>
+        <p:txBody>
+          <a:bodyPr/>
+          <a:lstStyle/>
+          <a:p>
+            <a:r>
+              <a:rPr kumimoji="1" lang="en-US" altLang="zh-CN" dirty="0"/>
+              <a:t>THANK</a:t>
+            </a:r>
+            <a:r>
+              <a:rPr kumimoji="1" lang="zh-CN" altLang="en-US" dirty="0"/>
+              <a:t> </a:t>
+            </a:r>
+            <a:r>
+              <a:rPr kumimoji="1" lang="en-US" altLang="zh-CN" dirty="0"/>
+              <a:t>YOU</a:t>
+            </a:r>
+            <a:r>
+              <a:rPr kumimoji="1" lang="zh-CN" altLang="en-US" dirty="0"/>
+              <a:t> </a:t>
+            </a:r>
+            <a:r>
+              <a:rPr kumimoji="1" lang="en-US" altLang="zh-CN" dirty="0"/>
+              <a:t>FOR</a:t>
+            </a:r>
+            <a:r>
+              <a:rPr kumimoji="1" lang="zh-CN" altLang="en-US" dirty="0"/>
+              <a:t> </a:t>
+            </a:r>
+            <a:r>
+              <a:rPr kumimoji="1" lang="en-US" altLang="zh-CN" dirty="0"/>
+              <a:t>WATCHING</a:t>
+            </a:r>
+            <a:endParaRPr kumimoji="1" lang="zh-CN" altLang="en-US" dirty="0"/>
+          </a:p>
+        </p:txBody>
+      </p:sp>
+    </p:spTree>
+    <p:extLst>
+      <p:ext uri="{BB962C8B-B14F-4D97-AF65-F5344CB8AC3E}">
+        <p14:creationId xmlns:p14="http://schemas.microsoft.com/office/powerpoint/2010/main" val="2968112061"/>
+      </p:ext>
+    </p:extLst>
+  </p:cSld>
+  <p:clrMapOvr>
+    <a:masterClrMapping/>
+  </p:clrMapOvr>
+  <mc:AlternateContent xmlns:mc="http://schemas.openxmlformats.org/markup-compatibility/2006" xmlns:p14="http://schemas.microsoft.com/office/powerpoint/2010/main">
+    <mc:Choice Requires="p14">
+      <p:transition spd="slow" p14:dur="2500">
+        <p:checker/>
+      </p:transition>
+    </mc:Choice>
+    <mc:Fallback xmlns="">
+      <p:transition spd="slow">
+        <p:checker/>
+      </p:transition>
+    </mc:Fallback>
+  </mc:AlternateContent>
+</p:sld>
+</file>
+
+<file path=ppt/slides/slide34.xml><?xml version="1.0" encoding="utf-8"?>
+<p:sld xmlns:a="http://schemas.openxmlformats.org/drawingml/2006/main" xmlns:r="http://schemas.openxmlformats.org/officeDocument/2006/relationships" xmlns:p="http://schemas.openxmlformats.org/presentationml/2006/main">
+  <p:cSld>
+    <p:spTree>
+      <p:nvGrpSpPr>
+        <p:cNvPr id="1" name=""/>
+        <p:cNvGrpSpPr/>
+        <p:nvPr/>
+      </p:nvGrpSpPr>
+      <p:grpSpPr>
+        <a:xfrm>
+          <a:off x="0" y="0"/>
+          <a:ext cx="0" cy="0"/>
+          <a:chOff x="0" y="0"/>
+          <a:chExt cx="0" cy="0"/>
+        </a:xfrm>
+      </p:grpSpPr>
+      <p:sp>
+        <p:nvSpPr>
+          <p:cNvPr id="2" name="文本占位符 1"/>
+          <p:cNvSpPr>
+            <a:spLocks noGrp="1"/>
+          </p:cNvSpPr>
+          <p:nvPr>
+            <p:ph type="body" sz="quarter" idx="12"/>
+          </p:nvPr>
+        </p:nvSpPr>
+        <p:spPr/>
+        <p:txBody>
+          <a:bodyPr/>
+          <a:lstStyle/>
+          <a:p>
+            <a:r>
+              <a:rPr kumimoji="1" lang="en-US" altLang="zh-CN" dirty="0"/>
+              <a:t>08</a:t>
+            </a:r>
+            <a:endParaRPr kumimoji="1" lang="zh-CN" altLang="en-US" dirty="0"/>
+          </a:p>
+        </p:txBody>
+      </p:sp>
+      <p:sp>
+        <p:nvSpPr>
+          <p:cNvPr id="3" name="文本占位符 2"/>
+          <p:cNvSpPr>
+            <a:spLocks noGrp="1"/>
+          </p:cNvSpPr>
+          <p:nvPr>
+            <p:ph type="body" sz="quarter" idx="13"/>
+          </p:nvPr>
+        </p:nvSpPr>
+        <p:spPr/>
+        <p:txBody>
+          <a:bodyPr/>
+          <a:lstStyle/>
+          <a:p>
+            <a:r>
+              <a:rPr kumimoji="1" lang="zh-CN" altLang="en-US" dirty="0"/>
+              <a:t>图</a:t>
+            </a:r>
+          </a:p>
+        </p:txBody>
+      </p:sp>
+    </p:spTree>
+    <p:extLst>
+      <p:ext uri="{BB962C8B-B14F-4D97-AF65-F5344CB8AC3E}">
+        <p14:creationId xmlns:p14="http://schemas.microsoft.com/office/powerpoint/2010/main" val="1043993424"/>
+      </p:ext>
+    </p:extLst>
+  </p:cSld>
+  <p:clrMapOvr>
+    <a:masterClrMapping/>
+  </p:clrMapOvr>
+  <mc:AlternateContent xmlns:mc="http://schemas.openxmlformats.org/markup-compatibility/2006" xmlns:p14="http://schemas.microsoft.com/office/powerpoint/2010/main">
+    <mc:Choice Requires="p14">
+      <p:transition spd="slow" p14:dur="1600">
+        <p:blinds dir="vert"/>
+      </p:transition>
+    </mc:Choice>
+    <mc:Fallback xmlns="">
+      <p:transition spd="slow">
+        <p:blinds dir="vert"/>
+      </p:transition>
+    </mc:Fallback>
+  </mc:AlternateContent>
+</p:sld>
+</file>
+
+<file path=ppt/slides/slide35.xml><?xml version="1.0" encoding="utf-8"?>
+<p:sld xmlns:a="http://schemas.openxmlformats.org/drawingml/2006/main" xmlns:r="http://schemas.openxmlformats.org/officeDocument/2006/relationships" xmlns:p="http://schemas.openxmlformats.org/presentationml/2006/main">
+  <p:cSld>
+    <p:spTree>
+      <p:nvGrpSpPr>
+        <p:cNvPr id="1" name=""/>
+        <p:cNvGrpSpPr/>
+        <p:nvPr/>
+      </p:nvGrpSpPr>
+      <p:grpSpPr>
+        <a:xfrm>
+          <a:off x="0" y="0"/>
+          <a:ext cx="0" cy="0"/>
+          <a:chOff x="0" y="0"/>
+          <a:chExt cx="0" cy="0"/>
+        </a:xfrm>
+      </p:grpSpPr>
+      <p:sp>
+        <p:nvSpPr>
           <p:cNvPr id="2" name="文本占位符 1"/>
           <p:cNvSpPr>
             <a:spLocks noGrp="1"/>
@@ -24902,7 +25671,7 @@
 </p:sld>
 </file>
 
-<file path=ppt/slides/slide31.xml><?xml version="1.0" encoding="utf-8"?>
+<file path=ppt/slides/slide36.xml><?xml version="1.0" encoding="utf-8"?>
 <p:sld xmlns:a="http://schemas.openxmlformats.org/drawingml/2006/main" xmlns:r="http://schemas.openxmlformats.org/officeDocument/2006/relationships" xmlns:p="http://schemas.openxmlformats.org/presentationml/2006/main">
   <p:cSld>
     <p:spTree>
@@ -24989,7 +25758,7 @@
 </p:sld>
 </file>
 
-<file path=ppt/slides/slide32.xml><?xml version="1.0" encoding="utf-8"?>
+<file path=ppt/slides/slide37.xml><?xml version="1.0" encoding="utf-8"?>
 <p:sld xmlns:a="http://schemas.openxmlformats.org/drawingml/2006/main" xmlns:r="http://schemas.openxmlformats.org/officeDocument/2006/relationships" xmlns:p="http://schemas.openxmlformats.org/presentationml/2006/main">
   <p:cSld>
     <p:spTree>
@@ -26282,7 +27051,7 @@
           <a:p>
             <a:r>
               <a:rPr kumimoji="1" lang="zh-CN" altLang="en-US" dirty="0"/>
-              <a:t>感谢聆听</a:t>
+              <a:t>感谢观看</a:t>
             </a:r>
           </a:p>
         </p:txBody>
@@ -26488,6 +27257,493 @@
               <a:rPr lang="zh-CN" altLang="en-US" dirty="0"/>
               <a:t>线性表定义</a:t>
             </a:r>
+          </a:p>
+        </p:txBody>
+      </p:sp>
+      <p:sp>
+        <p:nvSpPr>
+          <p:cNvPr id="3" name="文本框 2">
+            <a:extLst>
+              <a:ext uri="{FF2B5EF4-FFF2-40B4-BE49-F238E27FC236}">
+                <a16:creationId xmlns:a16="http://schemas.microsoft.com/office/drawing/2014/main" id="{49827E82-1380-4FB3-97DB-B836435EDF60}"/>
+              </a:ext>
+            </a:extLst>
+          </p:cNvPr>
+          <p:cNvSpPr txBox="1"/>
+          <p:nvPr/>
+        </p:nvSpPr>
+        <p:spPr>
+          <a:xfrm>
+            <a:off x="500743" y="957944"/>
+            <a:ext cx="11146971" cy="646331"/>
+          </a:xfrm>
+          <a:prstGeom prst="rect">
+            <a:avLst/>
+          </a:prstGeom>
+          <a:noFill/>
+        </p:spPr>
+        <p:txBody>
+          <a:bodyPr wrap="square" rtlCol="0">
+            <a:spAutoFit/>
+          </a:bodyPr>
+          <a:lstStyle/>
+          <a:p>
+            <a:r>
+              <a:rPr lang="zh-CN" altLang="en-US" dirty="0"/>
+              <a:t>定义：</a:t>
+            </a:r>
+            <a:r>
+              <a:rPr lang="zh-CN" altLang="en-US" b="0" i="0" dirty="0">
+                <a:solidFill>
+                  <a:srgbClr val="444444"/>
+                </a:solidFill>
+                <a:effectLst/>
+                <a:latin typeface="Helvetica Neue"/>
+              </a:rPr>
+              <a:t>全名为</a:t>
+            </a:r>
+            <a:r>
+              <a:rPr lang="zh-CN" altLang="en-US" b="0" i="0" dirty="0">
+                <a:effectLst/>
+                <a:latin typeface="Helvetica Neue"/>
+              </a:rPr>
+              <a:t>线性存储结构，</a:t>
+            </a:r>
+            <a:r>
+              <a:rPr lang="zh-CN" altLang="en-US" b="0" i="0" dirty="0">
+                <a:solidFill>
+                  <a:srgbClr val="121212"/>
+                </a:solidFill>
+                <a:effectLst/>
+                <a:latin typeface="-apple-system"/>
+              </a:rPr>
+              <a:t>由</a:t>
+            </a:r>
+            <a:r>
+              <a:rPr lang="en-US" altLang="zh-CN" b="0" i="0" dirty="0">
+                <a:solidFill>
+                  <a:srgbClr val="121212"/>
+                </a:solidFill>
+                <a:effectLst/>
+                <a:latin typeface="-apple-system"/>
+              </a:rPr>
+              <a:t>n</a:t>
+            </a:r>
+            <a:r>
+              <a:rPr lang="zh-CN" altLang="en-US" b="0" i="0" dirty="0">
+                <a:solidFill>
+                  <a:srgbClr val="121212"/>
+                </a:solidFill>
+                <a:effectLst/>
+                <a:latin typeface="-apple-system"/>
+              </a:rPr>
+              <a:t>个数据特性相同的元素构成的有限序列称为线性表。简单的理解就是，将所</a:t>
+            </a:r>
+            <a:endParaRPr lang="en-US" altLang="zh-CN" b="0" i="0" dirty="0">
+              <a:solidFill>
+                <a:srgbClr val="121212"/>
+              </a:solidFill>
+              <a:effectLst/>
+              <a:latin typeface="-apple-system"/>
+            </a:endParaRPr>
+          </a:p>
+          <a:p>
+            <a:r>
+              <a:rPr lang="zh-CN" altLang="en-US" b="0" i="0" dirty="0">
+                <a:solidFill>
+                  <a:srgbClr val="121212"/>
+                </a:solidFill>
+                <a:effectLst/>
+                <a:latin typeface="-apple-system"/>
+              </a:rPr>
+              <a:t>             有</a:t>
+            </a:r>
+            <a:r>
+              <a:rPr lang="zh-CN" altLang="en-US" dirty="0">
+                <a:solidFill>
+                  <a:srgbClr val="121212"/>
+                </a:solidFill>
+                <a:latin typeface="-apple-system"/>
+              </a:rPr>
+              <a:t>的数据，用一根绳子串在一起，再存储进物理空间。</a:t>
+            </a:r>
+            <a:endParaRPr lang="zh-CN" altLang="en-US" dirty="0"/>
+          </a:p>
+        </p:txBody>
+      </p:sp>
+      <p:sp>
+        <p:nvSpPr>
+          <p:cNvPr id="4" name="文本框 3">
+            <a:extLst>
+              <a:ext uri="{FF2B5EF4-FFF2-40B4-BE49-F238E27FC236}">
+                <a16:creationId xmlns:a16="http://schemas.microsoft.com/office/drawing/2014/main" id="{B044A372-B0A0-46C0-BC38-75416373C840}"/>
+              </a:ext>
+            </a:extLst>
+          </p:cNvPr>
+          <p:cNvSpPr txBox="1"/>
+          <p:nvPr/>
+        </p:nvSpPr>
+        <p:spPr>
+          <a:xfrm>
+            <a:off x="500742" y="1981201"/>
+            <a:ext cx="11185071" cy="369332"/>
+          </a:xfrm>
+          <a:prstGeom prst="rect">
+            <a:avLst/>
+          </a:prstGeom>
+          <a:noFill/>
+        </p:spPr>
+        <p:txBody>
+          <a:bodyPr wrap="square" rtlCol="0">
+            <a:spAutoFit/>
+          </a:bodyPr>
+          <a:lstStyle/>
+          <a:p>
+            <a:r>
+              <a:rPr lang="zh-CN" altLang="en-US" dirty="0"/>
+              <a:t>存储方式：存储进物理空间的方式有两种，分为集中性存储和离散式存储</a:t>
+            </a:r>
+          </a:p>
+        </p:txBody>
+      </p:sp>
+      <p:pic>
+        <p:nvPicPr>
+          <p:cNvPr id="5" name="图片 4" descr="图表&#10;&#10;描述已自动生成">
+            <a:extLst>
+              <a:ext uri="{FF2B5EF4-FFF2-40B4-BE49-F238E27FC236}">
+                <a16:creationId xmlns:a16="http://schemas.microsoft.com/office/drawing/2014/main" id="{C78A0BF0-5235-4246-8156-ABE76F3EE7AB}"/>
+              </a:ext>
+            </a:extLst>
+          </p:cNvPr>
+          <p:cNvPicPr>
+            <a:picLocks noChangeAspect="1"/>
+          </p:cNvPicPr>
+          <p:nvPr/>
+        </p:nvPicPr>
+        <p:blipFill>
+          <a:blip r:embed="rId2"/>
+          <a:stretch>
+            <a:fillRect/>
+          </a:stretch>
+        </p:blipFill>
+        <p:spPr>
+          <a:xfrm rot="5400000">
+            <a:off x="6500092" y="1599008"/>
+            <a:ext cx="1583928" cy="3442630"/>
+          </a:xfrm>
+          <a:prstGeom prst="rect">
+            <a:avLst/>
+          </a:prstGeom>
+        </p:spPr>
+      </p:pic>
+      <p:pic>
+        <p:nvPicPr>
+          <p:cNvPr id="6" name="图片 5">
+            <a:extLst>
+              <a:ext uri="{FF2B5EF4-FFF2-40B4-BE49-F238E27FC236}">
+                <a16:creationId xmlns:a16="http://schemas.microsoft.com/office/drawing/2014/main" id="{D2459158-D719-4D78-BE0A-3DE967C2FF24}"/>
+              </a:ext>
+            </a:extLst>
+          </p:cNvPr>
+          <p:cNvPicPr>
+            <a:picLocks noChangeAspect="1"/>
+          </p:cNvPicPr>
+          <p:nvPr/>
+        </p:nvPicPr>
+        <p:blipFill>
+          <a:blip r:embed="rId3"/>
+          <a:stretch>
+            <a:fillRect/>
+          </a:stretch>
+        </p:blipFill>
+        <p:spPr>
+          <a:xfrm>
+            <a:off x="540740" y="2495558"/>
+            <a:ext cx="4063917" cy="1598372"/>
+          </a:xfrm>
+          <a:prstGeom prst="rect">
+            <a:avLst/>
+          </a:prstGeom>
+        </p:spPr>
+      </p:pic>
+      <p:sp>
+        <p:nvSpPr>
+          <p:cNvPr id="9" name="文本框 8">
+            <a:extLst>
+              <a:ext uri="{FF2B5EF4-FFF2-40B4-BE49-F238E27FC236}">
+                <a16:creationId xmlns:a16="http://schemas.microsoft.com/office/drawing/2014/main" id="{527B734E-DB9B-48D4-A6B3-F0BA486170F0}"/>
+              </a:ext>
+            </a:extLst>
+          </p:cNvPr>
+          <p:cNvSpPr txBox="1"/>
+          <p:nvPr/>
+        </p:nvSpPr>
+        <p:spPr>
+          <a:xfrm>
+            <a:off x="500743" y="5067333"/>
+            <a:ext cx="11185071" cy="369332"/>
+          </a:xfrm>
+          <a:prstGeom prst="rect">
+            <a:avLst/>
+          </a:prstGeom>
+          <a:noFill/>
+        </p:spPr>
+        <p:txBody>
+          <a:bodyPr wrap="square" rtlCol="0">
+            <a:spAutoFit/>
+          </a:bodyPr>
+          <a:lstStyle/>
+          <a:p>
+            <a:r>
+              <a:rPr lang="zh-CN" altLang="en-US" b="1" dirty="0">
+                <a:solidFill>
+                  <a:schemeClr val="bg2">
+                    <a:lumMod val="50000"/>
+                  </a:schemeClr>
+                </a:solidFill>
+              </a:rPr>
+              <a:t>注意：线性表的存储单元</a:t>
+            </a:r>
+            <a:r>
+              <a:rPr lang="zh-CN" altLang="en-US" b="1" i="0" dirty="0">
+                <a:solidFill>
+                  <a:schemeClr val="bg2">
+                    <a:lumMod val="50000"/>
+                  </a:schemeClr>
+                </a:solidFill>
+                <a:effectLst/>
+                <a:latin typeface="Helvetica Neue"/>
+              </a:rPr>
+              <a:t>要求数据类型必须一致，不能有其他类型元素。</a:t>
+            </a:r>
+            <a:endParaRPr lang="zh-CN" altLang="en-US" b="1" dirty="0">
+              <a:solidFill>
+                <a:schemeClr val="bg2">
+                  <a:lumMod val="50000"/>
+                </a:schemeClr>
+              </a:solidFill>
+            </a:endParaRPr>
+          </a:p>
+        </p:txBody>
+      </p:sp>
+      <p:sp>
+        <p:nvSpPr>
+          <p:cNvPr id="12" name="文本框 11">
+            <a:extLst>
+              <a:ext uri="{FF2B5EF4-FFF2-40B4-BE49-F238E27FC236}">
+                <a16:creationId xmlns:a16="http://schemas.microsoft.com/office/drawing/2014/main" id="{2534C07A-ED73-4C06-9B76-3C6C07DDB383}"/>
+              </a:ext>
+            </a:extLst>
+          </p:cNvPr>
+          <p:cNvSpPr txBox="1"/>
+          <p:nvPr/>
+        </p:nvSpPr>
+        <p:spPr>
+          <a:xfrm>
+            <a:off x="540740" y="4322802"/>
+            <a:ext cx="11185071" cy="646331"/>
+          </a:xfrm>
+          <a:prstGeom prst="rect">
+            <a:avLst/>
+          </a:prstGeom>
+          <a:noFill/>
+        </p:spPr>
+        <p:txBody>
+          <a:bodyPr wrap="square" rtlCol="0">
+            <a:spAutoFit/>
+          </a:bodyPr>
+          <a:lstStyle/>
+          <a:p>
+            <a:r>
+              <a:rPr lang="zh-CN" altLang="en-US" dirty="0"/>
+              <a:t>顺序存储和链式存储方式：</a:t>
+            </a:r>
+            <a:r>
+              <a:rPr lang="zh-CN" altLang="en-US" b="0" i="0" dirty="0">
+                <a:solidFill>
+                  <a:srgbClr val="444444"/>
+                </a:solidFill>
+                <a:effectLst/>
+                <a:latin typeface="Helvetica Neue"/>
+              </a:rPr>
+              <a:t>将数据依次存储在连续的整块物理空间中，这种存储结构称为</a:t>
+            </a:r>
+            <a:r>
+              <a:rPr lang="zh-CN" altLang="en-US" b="0" i="0" dirty="0">
+                <a:solidFill>
+                  <a:srgbClr val="FF0000"/>
+                </a:solidFill>
+                <a:effectLst/>
+                <a:latin typeface="Helvetica Neue"/>
+              </a:rPr>
+              <a:t>顺序存储结构；</a:t>
+            </a:r>
+            <a:r>
+              <a:rPr lang="zh-CN" altLang="en-US" b="0" i="0" dirty="0">
+                <a:solidFill>
+                  <a:srgbClr val="444444"/>
+                </a:solidFill>
+                <a:effectLst/>
+                <a:latin typeface="Helvetica Neue"/>
+              </a:rPr>
+              <a:t>数据分散的存储在物理空间中，通过一根线保存着它们之间的逻辑关系，这种存储结构称为</a:t>
+            </a:r>
+            <a:r>
+              <a:rPr lang="zh-CN" altLang="en-US" b="0" i="0" dirty="0">
+                <a:solidFill>
+                  <a:schemeClr val="bg2">
+                    <a:lumMod val="50000"/>
+                  </a:schemeClr>
+                </a:solidFill>
+                <a:effectLst/>
+                <a:latin typeface="Helvetica Neue"/>
+              </a:rPr>
+              <a:t>链式存储结构</a:t>
+            </a:r>
+            <a:endParaRPr lang="zh-CN" altLang="en-US" dirty="0">
+              <a:solidFill>
+                <a:schemeClr val="bg2">
+                  <a:lumMod val="50000"/>
+                </a:schemeClr>
+              </a:solidFill>
+            </a:endParaRPr>
+          </a:p>
+        </p:txBody>
+      </p:sp>
+      <p:sp>
+        <p:nvSpPr>
+          <p:cNvPr id="13" name="文本框 12">
+            <a:extLst>
+              <a:ext uri="{FF2B5EF4-FFF2-40B4-BE49-F238E27FC236}">
+                <a16:creationId xmlns:a16="http://schemas.microsoft.com/office/drawing/2014/main" id="{E85F70D9-7F79-47CF-B2FC-2B6216B5023A}"/>
+              </a:ext>
+            </a:extLst>
+          </p:cNvPr>
+          <p:cNvSpPr txBox="1"/>
+          <p:nvPr/>
+        </p:nvSpPr>
+        <p:spPr>
+          <a:xfrm>
+            <a:off x="500743" y="5696867"/>
+            <a:ext cx="11185071" cy="923330"/>
+          </a:xfrm>
+          <a:prstGeom prst="rect">
+            <a:avLst/>
+          </a:prstGeom>
+          <a:noFill/>
+        </p:spPr>
+        <p:txBody>
+          <a:bodyPr wrap="square" rtlCol="0">
+            <a:spAutoFit/>
+          </a:bodyPr>
+          <a:lstStyle/>
+          <a:p>
+            <a:pPr algn="l"/>
+            <a:r>
+              <a:rPr lang="zh-CN" altLang="en-US" dirty="0"/>
+              <a:t>前驱和后继：</a:t>
+            </a:r>
+            <a:r>
+              <a:rPr lang="zh-CN" altLang="en-US" b="0" i="0" dirty="0">
+                <a:solidFill>
+                  <a:srgbClr val="444444"/>
+                </a:solidFill>
+                <a:effectLst/>
+                <a:latin typeface="Helvetica Neue"/>
+              </a:rPr>
+              <a:t>某一元素的左侧相邻元素称为“</a:t>
+            </a:r>
+            <a:r>
+              <a:rPr lang="zh-CN" altLang="en-US" b="0" i="0" dirty="0">
+                <a:solidFill>
+                  <a:schemeClr val="bg2">
+                    <a:lumMod val="50000"/>
+                  </a:schemeClr>
+                </a:solidFill>
+                <a:effectLst/>
+                <a:latin typeface="Helvetica Neue"/>
+              </a:rPr>
+              <a:t>直接前驱</a:t>
+            </a:r>
+            <a:r>
+              <a:rPr lang="zh-CN" altLang="en-US" b="0" i="0" dirty="0">
+                <a:solidFill>
+                  <a:srgbClr val="444444"/>
+                </a:solidFill>
+                <a:effectLst/>
+                <a:latin typeface="Helvetica Neue"/>
+              </a:rPr>
+              <a:t>”，位于此元素左侧的所有元素都统称为“</a:t>
+            </a:r>
+            <a:r>
+              <a:rPr lang="zh-CN" altLang="en-US" b="0" i="0" dirty="0">
+                <a:solidFill>
+                  <a:schemeClr val="bg2">
+                    <a:lumMod val="50000"/>
+                  </a:schemeClr>
+                </a:solidFill>
+                <a:effectLst/>
+                <a:latin typeface="Helvetica Neue"/>
+              </a:rPr>
+              <a:t>前驱元素</a:t>
+            </a:r>
+            <a:r>
+              <a:rPr lang="zh-CN" altLang="en-US" b="0" i="0" dirty="0">
+                <a:solidFill>
+                  <a:srgbClr val="444444"/>
+                </a:solidFill>
+                <a:effectLst/>
+                <a:latin typeface="Helvetica Neue"/>
+              </a:rPr>
+              <a:t>”；某一元素的右侧相邻元素称为“</a:t>
+            </a:r>
+            <a:r>
+              <a:rPr lang="zh-CN" altLang="en-US" b="0" i="0" dirty="0">
+                <a:solidFill>
+                  <a:schemeClr val="bg2">
+                    <a:lumMod val="50000"/>
+                  </a:schemeClr>
+                </a:solidFill>
+                <a:effectLst/>
+                <a:latin typeface="Helvetica Neue"/>
+              </a:rPr>
+              <a:t>直接后继</a:t>
+            </a:r>
+            <a:r>
+              <a:rPr lang="zh-CN" altLang="en-US" b="0" i="0" dirty="0">
+                <a:solidFill>
+                  <a:srgbClr val="444444"/>
+                </a:solidFill>
+                <a:effectLst/>
+                <a:latin typeface="Helvetica Neue"/>
+              </a:rPr>
+              <a:t>”，位于此元素右侧的所有元素都统称为“</a:t>
+            </a:r>
+            <a:r>
+              <a:rPr lang="zh-CN" altLang="en-US" b="0" i="0" dirty="0">
+                <a:solidFill>
+                  <a:schemeClr val="bg2">
+                    <a:lumMod val="50000"/>
+                  </a:schemeClr>
+                </a:solidFill>
+                <a:effectLst/>
+                <a:latin typeface="Helvetica Neue"/>
+              </a:rPr>
+              <a:t>后继元素</a:t>
+            </a:r>
+            <a:r>
+              <a:rPr lang="zh-CN" altLang="en-US" b="0" i="0" dirty="0">
+                <a:solidFill>
+                  <a:srgbClr val="444444"/>
+                </a:solidFill>
+                <a:effectLst/>
+                <a:latin typeface="Helvetica Neue"/>
+              </a:rPr>
+              <a:t>”</a:t>
+            </a:r>
+          </a:p>
+          <a:p>
+            <a:endParaRPr lang="zh-CN" altLang="en-US" dirty="0"/>
           </a:p>
         </p:txBody>
       </p:sp>

--- a/PPT/Data Structure.pptx
+++ b/PPT/Data Structure.pptx
@@ -237,7 +237,7 @@
           <a:p>
             <a:fld id="{3E6E1E63-6347-BD4F-A808-7F54FA34CE72}" type="datetimeFigureOut">
               <a:rPr kumimoji="1" lang="zh-CN" altLang="en-US" smtClean="0"/>
-              <a:t>2020/12/5</a:t>
+              <a:t>2020/12/7</a:t>
             </a:fld>
             <a:endParaRPr kumimoji="1" lang="zh-CN" altLang="en-US"/>
           </a:p>
@@ -26819,7 +26819,7 @@
                 </a:solidFill>
                 <a:latin typeface="MicrosoftYaHei"/>
               </a:rPr>
-              <a:t>                            </a:t>
+              <a:t>                      </a:t>
             </a:r>
             <a:r>
               <a:rPr lang="zh-CN" altLang="en-US" sz="1800" b="0" i="0" u="none" strike="noStrike" baseline="0" dirty="0">

--- a/PPT/Data Structure.pptx
+++ b/PPT/Data Structure.pptx
@@ -237,7 +237,7 @@
           <a:p>
             <a:fld id="{3E6E1E63-6347-BD4F-A808-7F54FA34CE72}" type="datetimeFigureOut">
               <a:rPr kumimoji="1" lang="zh-CN" altLang="en-US" smtClean="0"/>
-              <a:t>2020/12/7</a:t>
+              <a:t>2020/12/13</a:t>
             </a:fld>
             <a:endParaRPr kumimoji="1" lang="zh-CN" altLang="en-US"/>
           </a:p>
@@ -21411,7 +21411,7 @@
         <p:spPr>
           <a:xfrm>
             <a:off x="506186" y="2220686"/>
-            <a:ext cx="9024257" cy="1200329"/>
+            <a:ext cx="9024257" cy="2308324"/>
           </a:xfrm>
           <a:prstGeom prst="rect">
             <a:avLst/>
@@ -21468,6 +21468,98 @@
             <a:r>
               <a:rPr lang="zh-CN" altLang="en-US" dirty="0"/>
               <a:t>存储容量</a:t>
+            </a:r>
+            <a:endParaRPr lang="en-US" altLang="zh-CN" dirty="0"/>
+          </a:p>
+          <a:p>
+            <a:pPr marL="1257277" lvl="2" indent="-342900">
+              <a:buFont typeface="+mj-lt"/>
+              <a:buAutoNum type="arabicPeriod"/>
+            </a:pPr>
+            <a:endParaRPr lang="en-US" altLang="zh-CN" dirty="0"/>
+          </a:p>
+          <a:p>
+            <a:pPr marL="1257277" lvl="2" indent="-342900">
+              <a:buFont typeface="+mj-lt"/>
+              <a:buAutoNum type="arabicPeriod"/>
+            </a:pPr>
+            <a:endParaRPr lang="en-US" altLang="zh-CN" dirty="0"/>
+          </a:p>
+          <a:p>
+            <a:pPr lvl="2"/>
+            <a:r>
+              <a:rPr lang="zh-CN" altLang="en-US" dirty="0"/>
+              <a:t>实际上，顺序表的底层就是一个简单的数组，因此顺序表中的元素是集中存放的。</a:t>
+            </a:r>
+            <a:endParaRPr lang="en-US" altLang="zh-CN" dirty="0"/>
+          </a:p>
+        </p:txBody>
+      </p:sp>
+      <p:pic>
+        <p:nvPicPr>
+          <p:cNvPr id="11" name="图片 10" descr="图形用户界面, 文本&#10;&#10;描述已自动生成">
+            <a:extLst>
+              <a:ext uri="{FF2B5EF4-FFF2-40B4-BE49-F238E27FC236}">
+                <a16:creationId xmlns:a16="http://schemas.microsoft.com/office/drawing/2014/main" id="{F5A328CD-5406-47B6-A2C1-397D08570F80}"/>
+              </a:ext>
+            </a:extLst>
+          </p:cNvPr>
+          <p:cNvPicPr>
+            <a:picLocks noChangeAspect="1"/>
+          </p:cNvPicPr>
+          <p:nvPr/>
+        </p:nvPicPr>
+        <p:blipFill>
+          <a:blip r:embed="rId3"/>
+          <a:stretch>
+            <a:fillRect/>
+          </a:stretch>
+        </p:blipFill>
+        <p:spPr>
+          <a:xfrm>
+            <a:off x="3155877" y="2468516"/>
+            <a:ext cx="3043587" cy="1444414"/>
+          </a:xfrm>
+          <a:prstGeom prst="rect">
+            <a:avLst/>
+          </a:prstGeom>
+        </p:spPr>
+      </p:pic>
+      <p:sp>
+        <p:nvSpPr>
+          <p:cNvPr id="12" name="文本框 11">
+            <a:extLst>
+              <a:ext uri="{FF2B5EF4-FFF2-40B4-BE49-F238E27FC236}">
+                <a16:creationId xmlns:a16="http://schemas.microsoft.com/office/drawing/2014/main" id="{6B4B3FA2-462B-4724-B7E0-C9A6FB76F841}"/>
+              </a:ext>
+            </a:extLst>
+          </p:cNvPr>
+          <p:cNvSpPr txBox="1"/>
+          <p:nvPr/>
+        </p:nvSpPr>
+        <p:spPr>
+          <a:xfrm>
+            <a:off x="506186" y="4880887"/>
+            <a:ext cx="6186309" cy="369332"/>
+          </a:xfrm>
+          <a:prstGeom prst="rect">
+            <a:avLst/>
+          </a:prstGeom>
+          <a:noFill/>
+        </p:spPr>
+        <p:txBody>
+          <a:bodyPr wrap="none" rtlCol="0">
+            <a:spAutoFit/>
+          </a:bodyPr>
+          <a:lstStyle/>
+          <a:p>
+            <a:r>
+              <a:rPr lang="zh-CN" altLang="en-US" dirty="0">
+                <a:solidFill>
+                  <a:srgbClr val="FF0000"/>
+                </a:solidFill>
+              </a:rPr>
+              <a:t>注意：通常而言，容量都必须要大于实际所需要的数据大小</a:t>
             </a:r>
           </a:p>
         </p:txBody>
@@ -21530,6 +21622,313 @@
           </a:p>
         </p:txBody>
       </p:sp>
+      <p:sp>
+        <p:nvSpPr>
+          <p:cNvPr id="3" name="文本框 2">
+            <a:extLst>
+              <a:ext uri="{FF2B5EF4-FFF2-40B4-BE49-F238E27FC236}">
+                <a16:creationId xmlns:a16="http://schemas.microsoft.com/office/drawing/2014/main" id="{875910A7-3E41-4FC9-8E1D-09DAA0DC20C9}"/>
+              </a:ext>
+            </a:extLst>
+          </p:cNvPr>
+          <p:cNvSpPr txBox="1"/>
+          <p:nvPr/>
+        </p:nvSpPr>
+        <p:spPr>
+          <a:xfrm>
+            <a:off x="506186" y="996043"/>
+            <a:ext cx="11217728" cy="923330"/>
+          </a:xfrm>
+          <a:prstGeom prst="rect">
+            <a:avLst/>
+          </a:prstGeom>
+          <a:noFill/>
+        </p:spPr>
+        <p:txBody>
+          <a:bodyPr wrap="square" rtlCol="0">
+            <a:spAutoFit/>
+          </a:bodyPr>
+          <a:lstStyle/>
+          <a:p>
+            <a:r>
+              <a:rPr lang="zh-CN" altLang="en-US" dirty="0"/>
+              <a:t>链表定义：链表又称为链式存储结构，用于存储逻辑关系一对一的数据。区别与顺序表的是，链表是离散型存</a:t>
+            </a:r>
+            <a:endParaRPr lang="en-US" altLang="zh-CN" dirty="0"/>
+          </a:p>
+          <a:p>
+            <a:r>
+              <a:rPr lang="en-US" altLang="zh-CN" dirty="0"/>
+              <a:t>                  </a:t>
+            </a:r>
+            <a:r>
+              <a:rPr lang="zh-CN" altLang="en-US" dirty="0"/>
+              <a:t>储，不限制数据的物理存储状态，每个元素存储的位置是随机的。链表由数据和指针共同构成，对             </a:t>
+            </a:r>
+            <a:endParaRPr lang="en-US" altLang="zh-CN" dirty="0"/>
+          </a:p>
+          <a:p>
+            <a:r>
+              <a:rPr lang="en-US" altLang="zh-CN" dirty="0"/>
+              <a:t>                  </a:t>
+            </a:r>
+            <a:r>
+              <a:rPr lang="zh-CN" altLang="en-US" dirty="0"/>
+              <a:t>于单链表，结构体只会有一个指向下一个节点的指针</a:t>
+            </a:r>
+            <a:r>
+              <a:rPr lang="en-US" altLang="zh-CN" dirty="0"/>
+              <a:t>Next</a:t>
+            </a:r>
+            <a:endParaRPr lang="zh-CN" altLang="en-US" dirty="0"/>
+          </a:p>
+        </p:txBody>
+      </p:sp>
+      <p:pic>
+        <p:nvPicPr>
+          <p:cNvPr id="5" name="图片 4">
+            <a:extLst>
+              <a:ext uri="{FF2B5EF4-FFF2-40B4-BE49-F238E27FC236}">
+                <a16:creationId xmlns:a16="http://schemas.microsoft.com/office/drawing/2014/main" id="{7739163B-F20C-4CEC-8A16-B52FADCD1791}"/>
+              </a:ext>
+            </a:extLst>
+          </p:cNvPr>
+          <p:cNvPicPr>
+            <a:picLocks noChangeAspect="1"/>
+          </p:cNvPicPr>
+          <p:nvPr/>
+        </p:nvPicPr>
+        <p:blipFill>
+          <a:blip r:embed="rId2"/>
+          <a:stretch>
+            <a:fillRect/>
+          </a:stretch>
+        </p:blipFill>
+        <p:spPr>
+          <a:xfrm>
+            <a:off x="1598907" y="2243570"/>
+            <a:ext cx="1571625" cy="428625"/>
+          </a:xfrm>
+          <a:prstGeom prst="rect">
+            <a:avLst/>
+          </a:prstGeom>
+        </p:spPr>
+      </p:pic>
+      <p:sp>
+        <p:nvSpPr>
+          <p:cNvPr id="6" name="文本框 5">
+            <a:extLst>
+              <a:ext uri="{FF2B5EF4-FFF2-40B4-BE49-F238E27FC236}">
+                <a16:creationId xmlns:a16="http://schemas.microsoft.com/office/drawing/2014/main" id="{E3E658A4-B2B9-4608-B08F-33F2874D44F6}"/>
+              </a:ext>
+            </a:extLst>
+          </p:cNvPr>
+          <p:cNvSpPr txBox="1"/>
+          <p:nvPr/>
+        </p:nvSpPr>
+        <p:spPr>
+          <a:xfrm>
+            <a:off x="506186" y="2981956"/>
+            <a:ext cx="11217728" cy="646331"/>
+          </a:xfrm>
+          <a:prstGeom prst="rect">
+            <a:avLst/>
+          </a:prstGeom>
+          <a:noFill/>
+        </p:spPr>
+        <p:txBody>
+          <a:bodyPr wrap="square" rtlCol="0">
+            <a:spAutoFit/>
+          </a:bodyPr>
+          <a:lstStyle/>
+          <a:p>
+            <a:r>
+              <a:rPr lang="zh-CN" altLang="en-US" dirty="0"/>
+              <a:t>数据密度：数据密度指的是在单位空间内，数据本体所占空间和结构体空间的比值，数据密度越高，空间利用                    </a:t>
+            </a:r>
+            <a:endParaRPr lang="en-US" altLang="zh-CN" dirty="0"/>
+          </a:p>
+          <a:p>
+            <a:r>
+              <a:rPr lang="en-US" altLang="zh-CN" dirty="0"/>
+              <a:t>                  </a:t>
+            </a:r>
+            <a:r>
+              <a:rPr lang="zh-CN" altLang="en-US" dirty="0"/>
+              <a:t>率越高。</a:t>
+            </a:r>
+            <a:endParaRPr lang="en-US" altLang="zh-CN" dirty="0"/>
+          </a:p>
+        </p:txBody>
+      </p:sp>
+      <p:pic>
+        <p:nvPicPr>
+          <p:cNvPr id="8" name="图片 7">
+            <a:extLst>
+              <a:ext uri="{FF2B5EF4-FFF2-40B4-BE49-F238E27FC236}">
+                <a16:creationId xmlns:a16="http://schemas.microsoft.com/office/drawing/2014/main" id="{1247F0AF-5C1A-42A4-9F25-27719D73B61D}"/>
+              </a:ext>
+            </a:extLst>
+          </p:cNvPr>
+          <p:cNvPicPr>
+            <a:picLocks noChangeAspect="1"/>
+          </p:cNvPicPr>
+          <p:nvPr/>
+        </p:nvPicPr>
+        <p:blipFill>
+          <a:blip r:embed="rId3"/>
+          <a:stretch>
+            <a:fillRect/>
+          </a:stretch>
+        </p:blipFill>
+        <p:spPr>
+          <a:xfrm>
+            <a:off x="8303528" y="2062596"/>
+            <a:ext cx="2933700" cy="790575"/>
+          </a:xfrm>
+          <a:prstGeom prst="rect">
+            <a:avLst/>
+          </a:prstGeom>
+        </p:spPr>
+      </p:pic>
+      <p:sp>
+        <p:nvSpPr>
+          <p:cNvPr id="11" name="文本框 10">
+            <a:extLst>
+              <a:ext uri="{FF2B5EF4-FFF2-40B4-BE49-F238E27FC236}">
+                <a16:creationId xmlns:a16="http://schemas.microsoft.com/office/drawing/2014/main" id="{F7ADBC2F-63E2-4850-BEC9-CCC30D67D136}"/>
+              </a:ext>
+            </a:extLst>
+          </p:cNvPr>
+          <p:cNvSpPr txBox="1"/>
+          <p:nvPr/>
+        </p:nvSpPr>
+        <p:spPr>
+          <a:xfrm>
+            <a:off x="506186" y="4018170"/>
+            <a:ext cx="11217728" cy="369332"/>
+          </a:xfrm>
+          <a:prstGeom prst="rect">
+            <a:avLst/>
+          </a:prstGeom>
+          <a:noFill/>
+        </p:spPr>
+        <p:txBody>
+          <a:bodyPr wrap="square" rtlCol="0">
+            <a:spAutoFit/>
+          </a:bodyPr>
+          <a:lstStyle/>
+          <a:p>
+            <a:r>
+              <a:rPr lang="zh-CN" altLang="en-US" dirty="0"/>
+              <a:t>特点：对于单链表，数据读取只可以向后读取，无法往回走。删除及添加节点只需要修改指针即可</a:t>
+            </a:r>
+            <a:endParaRPr lang="en-US" altLang="zh-CN" dirty="0"/>
+          </a:p>
+        </p:txBody>
+      </p:sp>
+      <p:sp>
+        <p:nvSpPr>
+          <p:cNvPr id="16" name="文本框 15">
+            <a:extLst>
+              <a:ext uri="{FF2B5EF4-FFF2-40B4-BE49-F238E27FC236}">
+                <a16:creationId xmlns:a16="http://schemas.microsoft.com/office/drawing/2014/main" id="{7EDDC151-8CCB-4425-94D6-93B4DAD3CAB1}"/>
+              </a:ext>
+            </a:extLst>
+          </p:cNvPr>
+          <p:cNvSpPr txBox="1"/>
+          <p:nvPr/>
+        </p:nvSpPr>
+        <p:spPr>
+          <a:xfrm>
+            <a:off x="506186" y="4683723"/>
+            <a:ext cx="11217728" cy="369332"/>
+          </a:xfrm>
+          <a:prstGeom prst="rect">
+            <a:avLst/>
+          </a:prstGeom>
+          <a:noFill/>
+        </p:spPr>
+        <p:txBody>
+          <a:bodyPr wrap="square" rtlCol="0">
+            <a:spAutoFit/>
+          </a:bodyPr>
+          <a:lstStyle/>
+          <a:p>
+            <a:r>
+              <a:rPr lang="zh-CN" altLang="en-US" dirty="0"/>
+              <a:t>头节点：永远指向链表的的第一个节点</a:t>
+            </a:r>
+            <a:endParaRPr lang="en-US" altLang="zh-CN" dirty="0"/>
+          </a:p>
+        </p:txBody>
+      </p:sp>
+      <p:sp>
+        <p:nvSpPr>
+          <p:cNvPr id="17" name="文本框 16">
+            <a:extLst>
+              <a:ext uri="{FF2B5EF4-FFF2-40B4-BE49-F238E27FC236}">
+                <a16:creationId xmlns:a16="http://schemas.microsoft.com/office/drawing/2014/main" id="{C5D60503-77A8-42A1-AB9C-358D0DF2665D}"/>
+              </a:ext>
+            </a:extLst>
+          </p:cNvPr>
+          <p:cNvSpPr txBox="1"/>
+          <p:nvPr/>
+        </p:nvSpPr>
+        <p:spPr>
+          <a:xfrm>
+            <a:off x="506186" y="5349276"/>
+            <a:ext cx="11217728" cy="369332"/>
+          </a:xfrm>
+          <a:prstGeom prst="rect">
+            <a:avLst/>
+          </a:prstGeom>
+          <a:noFill/>
+        </p:spPr>
+        <p:txBody>
+          <a:bodyPr wrap="square" rtlCol="0">
+            <a:spAutoFit/>
+          </a:bodyPr>
+          <a:lstStyle/>
+          <a:p>
+            <a:r>
+              <a:rPr lang="zh-CN" altLang="en-US" dirty="0"/>
+              <a:t>首元节点：第一个存储了数据的节点</a:t>
+            </a:r>
+            <a:endParaRPr lang="en-US" altLang="zh-CN" dirty="0"/>
+          </a:p>
+        </p:txBody>
+      </p:sp>
+      <p:pic>
+        <p:nvPicPr>
+          <p:cNvPr id="21" name="图片 20">
+            <a:extLst>
+              <a:ext uri="{FF2B5EF4-FFF2-40B4-BE49-F238E27FC236}">
+                <a16:creationId xmlns:a16="http://schemas.microsoft.com/office/drawing/2014/main" id="{0FF1CB43-20AF-40CB-9228-058BE109A09F}"/>
+              </a:ext>
+            </a:extLst>
+          </p:cNvPr>
+          <p:cNvPicPr>
+            <a:picLocks noChangeAspect="1"/>
+          </p:cNvPicPr>
+          <p:nvPr/>
+        </p:nvPicPr>
+        <p:blipFill>
+          <a:blip r:embed="rId4"/>
+          <a:stretch>
+            <a:fillRect/>
+          </a:stretch>
+        </p:blipFill>
+        <p:spPr>
+          <a:xfrm>
+            <a:off x="3612955" y="1977389"/>
+            <a:ext cx="4248150" cy="809625"/>
+          </a:xfrm>
+          <a:prstGeom prst="rect">
+            <a:avLst/>
+          </a:prstGeom>
+        </p:spPr>
+      </p:pic>
     </p:spTree>
     <p:extLst>
       <p:ext uri="{BB962C8B-B14F-4D97-AF65-F5344CB8AC3E}">
@@ -21584,6 +21983,253 @@
             <a:r>
               <a:rPr lang="zh-CN" altLang="en-US" dirty="0"/>
               <a:t>比较</a:t>
+            </a:r>
+          </a:p>
+        </p:txBody>
+      </p:sp>
+      <p:sp>
+        <p:nvSpPr>
+          <p:cNvPr id="3" name="文本框 2">
+            <a:extLst>
+              <a:ext uri="{FF2B5EF4-FFF2-40B4-BE49-F238E27FC236}">
+                <a16:creationId xmlns:a16="http://schemas.microsoft.com/office/drawing/2014/main" id="{F46E1EA5-7FB6-4296-A607-E89D59DA5C1F}"/>
+              </a:ext>
+            </a:extLst>
+          </p:cNvPr>
+          <p:cNvSpPr txBox="1"/>
+          <p:nvPr/>
+        </p:nvSpPr>
+        <p:spPr>
+          <a:xfrm>
+            <a:off x="487136" y="866732"/>
+            <a:ext cx="11217728" cy="646331"/>
+          </a:xfrm>
+          <a:prstGeom prst="rect">
+            <a:avLst/>
+          </a:prstGeom>
+          <a:noFill/>
+        </p:spPr>
+        <p:txBody>
+          <a:bodyPr wrap="square" rtlCol="0">
+            <a:spAutoFit/>
+          </a:bodyPr>
+          <a:lstStyle/>
+          <a:p>
+            <a:r>
+              <a:rPr lang="zh-CN" altLang="en-US" dirty="0"/>
+              <a:t>存储方式不同：顺序表为一次开辟，永久使用，如果不使用动态数组，无论数据有几个，大小恒定</a:t>
+            </a:r>
+            <a:endParaRPr lang="en-US" altLang="zh-CN" dirty="0"/>
+          </a:p>
+          <a:p>
+            <a:r>
+              <a:rPr lang="en-US" altLang="zh-CN" dirty="0"/>
+              <a:t>                         </a:t>
+            </a:r>
+            <a:r>
+              <a:rPr lang="zh-CN" altLang="en-US" dirty="0"/>
+              <a:t>链表则是一次添加一次开辟，每次只需要一个节点的内存，需要时再申请。</a:t>
+            </a:r>
+          </a:p>
+        </p:txBody>
+      </p:sp>
+      <p:pic>
+        <p:nvPicPr>
+          <p:cNvPr id="5" name="图片 4">
+            <a:extLst>
+              <a:ext uri="{FF2B5EF4-FFF2-40B4-BE49-F238E27FC236}">
+                <a16:creationId xmlns:a16="http://schemas.microsoft.com/office/drawing/2014/main" id="{48F8F8C3-1E48-470C-9A1F-921CB7C4D26C}"/>
+              </a:ext>
+            </a:extLst>
+          </p:cNvPr>
+          <p:cNvPicPr>
+            <a:picLocks noChangeAspect="1"/>
+          </p:cNvPicPr>
+          <p:nvPr/>
+        </p:nvPicPr>
+        <p:blipFill>
+          <a:blip r:embed="rId2"/>
+          <a:stretch>
+            <a:fillRect/>
+          </a:stretch>
+        </p:blipFill>
+        <p:spPr>
+          <a:xfrm>
+            <a:off x="4422396" y="2345530"/>
+            <a:ext cx="2743200" cy="685800"/>
+          </a:xfrm>
+          <a:prstGeom prst="rect">
+            <a:avLst/>
+          </a:prstGeom>
+        </p:spPr>
+      </p:pic>
+      <p:sp>
+        <p:nvSpPr>
+          <p:cNvPr id="6" name="文本框 5">
+            <a:extLst>
+              <a:ext uri="{FF2B5EF4-FFF2-40B4-BE49-F238E27FC236}">
+                <a16:creationId xmlns:a16="http://schemas.microsoft.com/office/drawing/2014/main" id="{6EBEE8DD-E6F9-4736-9CAB-DD539E66AC91}"/>
+              </a:ext>
+            </a:extLst>
+          </p:cNvPr>
+          <p:cNvSpPr txBox="1"/>
+          <p:nvPr/>
+        </p:nvSpPr>
+        <p:spPr>
+          <a:xfrm>
+            <a:off x="487136" y="1913308"/>
+            <a:ext cx="11217728" cy="646331"/>
+          </a:xfrm>
+          <a:prstGeom prst="rect">
+            <a:avLst/>
+          </a:prstGeom>
+          <a:noFill/>
+        </p:spPr>
+        <p:txBody>
+          <a:bodyPr wrap="square" rtlCol="0">
+            <a:spAutoFit/>
+          </a:bodyPr>
+          <a:lstStyle/>
+          <a:p>
+            <a:r>
+              <a:rPr lang="zh-CN" altLang="en-US" dirty="0"/>
+              <a:t>空间利用率：顺序表数据密度（</a:t>
+            </a:r>
+            <a:r>
+              <a:rPr lang="en-US" altLang="zh-CN" dirty="0"/>
+              <a:t>1</a:t>
+            </a:r>
+            <a:r>
+              <a:rPr lang="zh-CN" altLang="en-US" dirty="0"/>
+              <a:t>）高于链表，且因为链表的存储位置随机，容易产生小的内存碎片，使得这</a:t>
+            </a:r>
+            <a:r>
+              <a:rPr lang="en-US" altLang="zh-CN" dirty="0"/>
+              <a:t>	   </a:t>
+            </a:r>
+          </a:p>
+          <a:p>
+            <a:r>
+              <a:rPr lang="en-US" altLang="zh-CN" dirty="0"/>
+              <a:t>	       </a:t>
+            </a:r>
+            <a:r>
+              <a:rPr lang="zh-CN" altLang="en-US" dirty="0"/>
+              <a:t>些小空间难以被利用</a:t>
+            </a:r>
+          </a:p>
+        </p:txBody>
+      </p:sp>
+      <p:sp>
+        <p:nvSpPr>
+          <p:cNvPr id="7" name="文本框 6">
+            <a:extLst>
+              <a:ext uri="{FF2B5EF4-FFF2-40B4-BE49-F238E27FC236}">
+                <a16:creationId xmlns:a16="http://schemas.microsoft.com/office/drawing/2014/main" id="{95C01404-533F-473F-A623-E8DB10DDC096}"/>
+              </a:ext>
+            </a:extLst>
+          </p:cNvPr>
+          <p:cNvSpPr txBox="1"/>
+          <p:nvPr/>
+        </p:nvSpPr>
+        <p:spPr>
+          <a:xfrm>
+            <a:off x="487136" y="3105834"/>
+            <a:ext cx="11217728" cy="923330"/>
+          </a:xfrm>
+          <a:prstGeom prst="rect">
+            <a:avLst/>
+          </a:prstGeom>
+          <a:noFill/>
+        </p:spPr>
+        <p:txBody>
+          <a:bodyPr wrap="square" rtlCol="0">
+            <a:spAutoFit/>
+          </a:bodyPr>
+          <a:lstStyle/>
+          <a:p>
+            <a:r>
+              <a:rPr lang="zh-CN" altLang="en-US" dirty="0"/>
+              <a:t>时间复杂度：</a:t>
+            </a:r>
+            <a:r>
+              <a:rPr lang="en-US" altLang="zh-CN" dirty="0"/>
+              <a:t>1.</a:t>
+            </a:r>
+            <a:r>
+              <a:rPr lang="zh-CN" altLang="en-US" dirty="0"/>
+              <a:t>数据的插入、删除、移动而言，顺序表可能涉及到大量元素的迁移和改动，对于链表而言，只</a:t>
+            </a:r>
+            <a:r>
+              <a:rPr lang="en-US" altLang="zh-CN" dirty="0"/>
+              <a:t>	    </a:t>
+            </a:r>
+          </a:p>
+          <a:p>
+            <a:r>
+              <a:rPr lang="en-US" altLang="zh-CN" dirty="0"/>
+              <a:t>	       </a:t>
+            </a:r>
+            <a:r>
+              <a:rPr lang="zh-CN" altLang="en-US" dirty="0"/>
+              <a:t>需要修改对应指针即可</a:t>
+            </a:r>
+            <a:endParaRPr lang="en-US" altLang="zh-CN" dirty="0"/>
+          </a:p>
+          <a:p>
+            <a:r>
+              <a:rPr lang="en-US" altLang="zh-CN" dirty="0"/>
+              <a:t>	        2.</a:t>
+            </a:r>
+            <a:r>
+              <a:rPr lang="zh-CN" altLang="en-US" dirty="0"/>
+              <a:t>数据的读取、修改方面，顺序表只要根据索引读取即可，链表需要一个一个向后找。</a:t>
+            </a:r>
+          </a:p>
+        </p:txBody>
+      </p:sp>
+      <p:sp>
+        <p:nvSpPr>
+          <p:cNvPr id="8" name="文本框 7">
+            <a:extLst>
+              <a:ext uri="{FF2B5EF4-FFF2-40B4-BE49-F238E27FC236}">
+                <a16:creationId xmlns:a16="http://schemas.microsoft.com/office/drawing/2014/main" id="{A0B7C057-5004-4FC2-9538-2A2A0225DC15}"/>
+              </a:ext>
+            </a:extLst>
+          </p:cNvPr>
+          <p:cNvSpPr txBox="1"/>
+          <p:nvPr/>
+        </p:nvSpPr>
+        <p:spPr>
+          <a:xfrm>
+            <a:off x="505887" y="4424304"/>
+            <a:ext cx="11217728" cy="646331"/>
+          </a:xfrm>
+          <a:prstGeom prst="rect">
+            <a:avLst/>
+          </a:prstGeom>
+          <a:noFill/>
+        </p:spPr>
+        <p:txBody>
+          <a:bodyPr wrap="square" rtlCol="0">
+            <a:spAutoFit/>
+          </a:bodyPr>
+          <a:lstStyle/>
+          <a:p>
+            <a:r>
+              <a:rPr lang="zh-CN" altLang="en-US" dirty="0"/>
+              <a:t>存储和存取结构不同：顺序表是随机存取结构，链表是顺序存取结构。</a:t>
+            </a:r>
+            <a:endParaRPr lang="en-US" altLang="zh-CN" dirty="0"/>
+          </a:p>
+          <a:p>
+            <a:r>
+              <a:rPr lang="en-US" altLang="zh-CN" dirty="0"/>
+              <a:t>		       </a:t>
+            </a:r>
+            <a:r>
+              <a:rPr lang="zh-CN" altLang="en-US" dirty="0"/>
+              <a:t>顺序表是顺序存储结构，链表是链式存储结构（离散）。</a:t>
             </a:r>
           </a:p>
         </p:txBody>

--- a/PPT/Data Structure.pptx
+++ b/PPT/Data Structure.pptx
@@ -6,7 +6,7 @@
     <p:sldMasterId id="2147483679" r:id="rId2"/>
   </p:sldMasterIdLst>
   <p:notesMasterIdLst>
-    <p:notesMasterId r:id="rId40"/>
+    <p:notesMasterId r:id="rId43"/>
   </p:notesMasterIdLst>
   <p:sldIdLst>
     <p:sldId id="261" r:id="rId3"/>
@@ -18,34 +18,37 @@
     <p:sldId id="306" r:id="rId9"/>
     <p:sldId id="266" r:id="rId10"/>
     <p:sldId id="299" r:id="rId11"/>
-    <p:sldId id="300" r:id="rId12"/>
-    <p:sldId id="301" r:id="rId13"/>
-    <p:sldId id="312" r:id="rId14"/>
-    <p:sldId id="310" r:id="rId15"/>
-    <p:sldId id="309" r:id="rId16"/>
-    <p:sldId id="311" r:id="rId17"/>
-    <p:sldId id="308" r:id="rId18"/>
-    <p:sldId id="294" r:id="rId19"/>
-    <p:sldId id="267" r:id="rId20"/>
-    <p:sldId id="293" r:id="rId21"/>
-    <p:sldId id="275" r:id="rId22"/>
-    <p:sldId id="292" r:id="rId23"/>
-    <p:sldId id="282" r:id="rId24"/>
-    <p:sldId id="291" r:id="rId25"/>
-    <p:sldId id="283" r:id="rId26"/>
-    <p:sldId id="290" r:id="rId27"/>
-    <p:sldId id="284" r:id="rId28"/>
-    <p:sldId id="289" r:id="rId29"/>
-    <p:sldId id="271" r:id="rId30"/>
-    <p:sldId id="263" r:id="rId31"/>
-    <p:sldId id="296" r:id="rId32"/>
-    <p:sldId id="297" r:id="rId33"/>
-    <p:sldId id="298" r:id="rId34"/>
-    <p:sldId id="287" r:id="rId35"/>
-    <p:sldId id="285" r:id="rId36"/>
-    <p:sldId id="288" r:id="rId37"/>
-    <p:sldId id="286" r:id="rId38"/>
-    <p:sldId id="279" r:id="rId39"/>
+    <p:sldId id="315" r:id="rId12"/>
+    <p:sldId id="300" r:id="rId13"/>
+    <p:sldId id="313" r:id="rId14"/>
+    <p:sldId id="301" r:id="rId15"/>
+    <p:sldId id="314" r:id="rId16"/>
+    <p:sldId id="312" r:id="rId17"/>
+    <p:sldId id="310" r:id="rId18"/>
+    <p:sldId id="309" r:id="rId19"/>
+    <p:sldId id="311" r:id="rId20"/>
+    <p:sldId id="308" r:id="rId21"/>
+    <p:sldId id="294" r:id="rId22"/>
+    <p:sldId id="267" r:id="rId23"/>
+    <p:sldId id="293" r:id="rId24"/>
+    <p:sldId id="275" r:id="rId25"/>
+    <p:sldId id="292" r:id="rId26"/>
+    <p:sldId id="282" r:id="rId27"/>
+    <p:sldId id="291" r:id="rId28"/>
+    <p:sldId id="283" r:id="rId29"/>
+    <p:sldId id="290" r:id="rId30"/>
+    <p:sldId id="284" r:id="rId31"/>
+    <p:sldId id="289" r:id="rId32"/>
+    <p:sldId id="271" r:id="rId33"/>
+    <p:sldId id="263" r:id="rId34"/>
+    <p:sldId id="296" r:id="rId35"/>
+    <p:sldId id="297" r:id="rId36"/>
+    <p:sldId id="298" r:id="rId37"/>
+    <p:sldId id="287" r:id="rId38"/>
+    <p:sldId id="285" r:id="rId39"/>
+    <p:sldId id="288" r:id="rId40"/>
+    <p:sldId id="286" r:id="rId41"/>
+    <p:sldId id="279" r:id="rId42"/>
   </p:sldIdLst>
   <p:sldSz cx="12192000" cy="6858000"/>
   <p:notesSz cx="6858000" cy="9144000"/>
@@ -662,7 +665,7 @@
     </p:spTree>
     <p:extLst>
       <p:ext uri="{BB962C8B-B14F-4D97-AF65-F5344CB8AC3E}">
-        <p14:creationId xmlns:p14="http://schemas.microsoft.com/office/powerpoint/2010/main" val="2700460038"/>
+        <p14:creationId xmlns:p14="http://schemas.microsoft.com/office/powerpoint/2010/main" val="1479857769"/>
       </p:ext>
     </p:extLst>
   </p:cSld>
@@ -746,7 +749,7 @@
     </p:spTree>
     <p:extLst>
       <p:ext uri="{BB962C8B-B14F-4D97-AF65-F5344CB8AC3E}">
-        <p14:creationId xmlns:p14="http://schemas.microsoft.com/office/powerpoint/2010/main" val="1929063682"/>
+        <p14:creationId xmlns:p14="http://schemas.microsoft.com/office/powerpoint/2010/main" val="512506283"/>
       </p:ext>
     </p:extLst>
   </p:cSld>
@@ -830,7 +833,7 @@
     </p:spTree>
     <p:extLst>
       <p:ext uri="{BB962C8B-B14F-4D97-AF65-F5344CB8AC3E}">
-        <p14:creationId xmlns:p14="http://schemas.microsoft.com/office/powerpoint/2010/main" val="2160874480"/>
+        <p14:creationId xmlns:p14="http://schemas.microsoft.com/office/powerpoint/2010/main" val="2556382271"/>
       </p:ext>
     </p:extLst>
   </p:cSld>
@@ -914,7 +917,7 @@
     </p:spTree>
     <p:extLst>
       <p:ext uri="{BB962C8B-B14F-4D97-AF65-F5344CB8AC3E}">
-        <p14:creationId xmlns:p14="http://schemas.microsoft.com/office/powerpoint/2010/main" val="3770772182"/>
+        <p14:creationId xmlns:p14="http://schemas.microsoft.com/office/powerpoint/2010/main" val="2700460038"/>
       </p:ext>
     </p:extLst>
   </p:cSld>
@@ -998,7 +1001,7 @@
     </p:spTree>
     <p:extLst>
       <p:ext uri="{BB962C8B-B14F-4D97-AF65-F5344CB8AC3E}">
-        <p14:creationId xmlns:p14="http://schemas.microsoft.com/office/powerpoint/2010/main" val="1404708512"/>
+        <p14:creationId xmlns:p14="http://schemas.microsoft.com/office/powerpoint/2010/main" val="1929063682"/>
       </p:ext>
     </p:extLst>
   </p:cSld>
@@ -1082,7 +1085,7 @@
     </p:spTree>
     <p:extLst>
       <p:ext uri="{BB962C8B-B14F-4D97-AF65-F5344CB8AC3E}">
-        <p14:creationId xmlns:p14="http://schemas.microsoft.com/office/powerpoint/2010/main" val="560269605"/>
+        <p14:creationId xmlns:p14="http://schemas.microsoft.com/office/powerpoint/2010/main" val="2160874480"/>
       </p:ext>
     </p:extLst>
   </p:cSld>
@@ -1166,7 +1169,7 @@
     </p:spTree>
     <p:extLst>
       <p:ext uri="{BB962C8B-B14F-4D97-AF65-F5344CB8AC3E}">
-        <p14:creationId xmlns:p14="http://schemas.microsoft.com/office/powerpoint/2010/main" val="530034474"/>
+        <p14:creationId xmlns:p14="http://schemas.microsoft.com/office/powerpoint/2010/main" val="3770772182"/>
       </p:ext>
     </p:extLst>
   </p:cSld>
@@ -1250,7 +1253,7 @@
     </p:spTree>
     <p:extLst>
       <p:ext uri="{BB962C8B-B14F-4D97-AF65-F5344CB8AC3E}">
-        <p14:creationId xmlns:p14="http://schemas.microsoft.com/office/powerpoint/2010/main" val="301969521"/>
+        <p14:creationId xmlns:p14="http://schemas.microsoft.com/office/powerpoint/2010/main" val="1404708512"/>
       </p:ext>
     </p:extLst>
   </p:cSld>
@@ -1334,7 +1337,7 @@
     </p:spTree>
     <p:extLst>
       <p:ext uri="{BB962C8B-B14F-4D97-AF65-F5344CB8AC3E}">
-        <p14:creationId xmlns:p14="http://schemas.microsoft.com/office/powerpoint/2010/main" val="3274146324"/>
+        <p14:creationId xmlns:p14="http://schemas.microsoft.com/office/powerpoint/2010/main" val="560269605"/>
       </p:ext>
     </p:extLst>
   </p:cSld>
@@ -1418,7 +1421,7 @@
     </p:spTree>
     <p:extLst>
       <p:ext uri="{BB962C8B-B14F-4D97-AF65-F5344CB8AC3E}">
-        <p14:creationId xmlns:p14="http://schemas.microsoft.com/office/powerpoint/2010/main" val="4293662231"/>
+        <p14:creationId xmlns:p14="http://schemas.microsoft.com/office/powerpoint/2010/main" val="530034474"/>
       </p:ext>
     </p:extLst>
   </p:cSld>
@@ -1577,7 +1580,7 @@
           <a:p>
             <a:fld id="{211EDE8F-5748-564A-B104-45C8D6344219}" type="slidenum">
               <a:rPr kumimoji="1" lang="zh-CN" altLang="en-US" smtClean="0"/>
-              <a:t>33</a:t>
+              <a:t>30</a:t>
             </a:fld>
             <a:endParaRPr kumimoji="1" lang="zh-CN" altLang="en-US"/>
           </a:p>
@@ -1586,7 +1589,7 @@
     </p:spTree>
     <p:extLst>
       <p:ext uri="{BB962C8B-B14F-4D97-AF65-F5344CB8AC3E}">
-        <p14:creationId xmlns:p14="http://schemas.microsoft.com/office/powerpoint/2010/main" val="2479257032"/>
+        <p14:creationId xmlns:p14="http://schemas.microsoft.com/office/powerpoint/2010/main" val="301969521"/>
       </p:ext>
     </p:extLst>
   </p:cSld>
@@ -1661,7 +1664,7 @@
           <a:p>
             <a:fld id="{211EDE8F-5748-564A-B104-45C8D6344219}" type="slidenum">
               <a:rPr kumimoji="1" lang="zh-CN" altLang="en-US" smtClean="0"/>
-              <a:t>34</a:t>
+              <a:t>31</a:t>
             </a:fld>
             <a:endParaRPr kumimoji="1" lang="zh-CN" altLang="en-US"/>
           </a:p>
@@ -1670,7 +1673,7 @@
     </p:spTree>
     <p:extLst>
       <p:ext uri="{BB962C8B-B14F-4D97-AF65-F5344CB8AC3E}">
-        <p14:creationId xmlns:p14="http://schemas.microsoft.com/office/powerpoint/2010/main" val="2693182003"/>
+        <p14:creationId xmlns:p14="http://schemas.microsoft.com/office/powerpoint/2010/main" val="3274146324"/>
       </p:ext>
     </p:extLst>
   </p:cSld>
@@ -1745,7 +1748,7 @@
           <a:p>
             <a:fld id="{211EDE8F-5748-564A-B104-45C8D6344219}" type="slidenum">
               <a:rPr kumimoji="1" lang="zh-CN" altLang="en-US" smtClean="0"/>
-              <a:t>35</a:t>
+              <a:t>32</a:t>
             </a:fld>
             <a:endParaRPr kumimoji="1" lang="zh-CN" altLang="en-US"/>
           </a:p>
@@ -1754,7 +1757,7 @@
     </p:spTree>
     <p:extLst>
       <p:ext uri="{BB962C8B-B14F-4D97-AF65-F5344CB8AC3E}">
-        <p14:creationId xmlns:p14="http://schemas.microsoft.com/office/powerpoint/2010/main" val="2216415090"/>
+        <p14:creationId xmlns:p14="http://schemas.microsoft.com/office/powerpoint/2010/main" val="4293662231"/>
       </p:ext>
     </p:extLst>
   </p:cSld>
@@ -1838,7 +1841,7 @@
     </p:spTree>
     <p:extLst>
       <p:ext uri="{BB962C8B-B14F-4D97-AF65-F5344CB8AC3E}">
-        <p14:creationId xmlns:p14="http://schemas.microsoft.com/office/powerpoint/2010/main" val="3643477795"/>
+        <p14:creationId xmlns:p14="http://schemas.microsoft.com/office/powerpoint/2010/main" val="2479257032"/>
       </p:ext>
     </p:extLst>
   </p:cSld>
@@ -1914,6 +1917,258 @@
             <a:fld id="{211EDE8F-5748-564A-B104-45C8D6344219}" type="slidenum">
               <a:rPr kumimoji="1" lang="zh-CN" altLang="en-US" smtClean="0"/>
               <a:t>37</a:t>
+            </a:fld>
+            <a:endParaRPr kumimoji="1" lang="zh-CN" altLang="en-US"/>
+          </a:p>
+        </p:txBody>
+      </p:sp>
+    </p:spTree>
+    <p:extLst>
+      <p:ext uri="{BB962C8B-B14F-4D97-AF65-F5344CB8AC3E}">
+        <p14:creationId xmlns:p14="http://schemas.microsoft.com/office/powerpoint/2010/main" val="2693182003"/>
+      </p:ext>
+    </p:extLst>
+  </p:cSld>
+  <p:clrMapOvr>
+    <a:masterClrMapping/>
+  </p:clrMapOvr>
+</p:notes>
+</file>
+
+<file path=ppt/notesSlides/notesSlide25.xml><?xml version="1.0" encoding="utf-8"?>
+<p:notes xmlns:a="http://schemas.openxmlformats.org/drawingml/2006/main" xmlns:r="http://schemas.openxmlformats.org/officeDocument/2006/relationships" xmlns:p="http://schemas.openxmlformats.org/presentationml/2006/main">
+  <p:cSld>
+    <p:spTree>
+      <p:nvGrpSpPr>
+        <p:cNvPr id="1" name=""/>
+        <p:cNvGrpSpPr/>
+        <p:nvPr/>
+      </p:nvGrpSpPr>
+      <p:grpSpPr>
+        <a:xfrm>
+          <a:off x="0" y="0"/>
+          <a:ext cx="0" cy="0"/>
+          <a:chOff x="0" y="0"/>
+          <a:chExt cx="0" cy="0"/>
+        </a:xfrm>
+      </p:grpSpPr>
+      <p:sp>
+        <p:nvSpPr>
+          <p:cNvPr id="2" name="幻灯片图像占位符 1"/>
+          <p:cNvSpPr>
+            <a:spLocks noGrp="1" noRot="1" noChangeAspect="1"/>
+          </p:cNvSpPr>
+          <p:nvPr>
+            <p:ph type="sldImg"/>
+          </p:nvPr>
+        </p:nvSpPr>
+        <p:spPr/>
+      </p:sp>
+      <p:sp>
+        <p:nvSpPr>
+          <p:cNvPr id="3" name="备注占位符 2"/>
+          <p:cNvSpPr>
+            <a:spLocks noGrp="1"/>
+          </p:cNvSpPr>
+          <p:nvPr>
+            <p:ph type="body" idx="1"/>
+          </p:nvPr>
+        </p:nvSpPr>
+        <p:spPr/>
+        <p:txBody>
+          <a:bodyPr/>
+          <a:lstStyle/>
+          <a:p>
+            <a:endParaRPr lang="zh-CN" altLang="en-US"/>
+          </a:p>
+        </p:txBody>
+      </p:sp>
+      <p:sp>
+        <p:nvSpPr>
+          <p:cNvPr id="4" name="灯片编号占位符 3"/>
+          <p:cNvSpPr>
+            <a:spLocks noGrp="1"/>
+          </p:cNvSpPr>
+          <p:nvPr>
+            <p:ph type="sldNum" sz="quarter" idx="10"/>
+          </p:nvPr>
+        </p:nvSpPr>
+        <p:spPr/>
+        <p:txBody>
+          <a:bodyPr/>
+          <a:lstStyle/>
+          <a:p>
+            <a:fld id="{211EDE8F-5748-564A-B104-45C8D6344219}" type="slidenum">
+              <a:rPr kumimoji="1" lang="zh-CN" altLang="en-US" smtClean="0"/>
+              <a:t>38</a:t>
+            </a:fld>
+            <a:endParaRPr kumimoji="1" lang="zh-CN" altLang="en-US"/>
+          </a:p>
+        </p:txBody>
+      </p:sp>
+    </p:spTree>
+    <p:extLst>
+      <p:ext uri="{BB962C8B-B14F-4D97-AF65-F5344CB8AC3E}">
+        <p14:creationId xmlns:p14="http://schemas.microsoft.com/office/powerpoint/2010/main" val="2216415090"/>
+      </p:ext>
+    </p:extLst>
+  </p:cSld>
+  <p:clrMapOvr>
+    <a:masterClrMapping/>
+  </p:clrMapOvr>
+</p:notes>
+</file>
+
+<file path=ppt/notesSlides/notesSlide26.xml><?xml version="1.0" encoding="utf-8"?>
+<p:notes xmlns:a="http://schemas.openxmlformats.org/drawingml/2006/main" xmlns:r="http://schemas.openxmlformats.org/officeDocument/2006/relationships" xmlns:p="http://schemas.openxmlformats.org/presentationml/2006/main">
+  <p:cSld>
+    <p:spTree>
+      <p:nvGrpSpPr>
+        <p:cNvPr id="1" name=""/>
+        <p:cNvGrpSpPr/>
+        <p:nvPr/>
+      </p:nvGrpSpPr>
+      <p:grpSpPr>
+        <a:xfrm>
+          <a:off x="0" y="0"/>
+          <a:ext cx="0" cy="0"/>
+          <a:chOff x="0" y="0"/>
+          <a:chExt cx="0" cy="0"/>
+        </a:xfrm>
+      </p:grpSpPr>
+      <p:sp>
+        <p:nvSpPr>
+          <p:cNvPr id="2" name="幻灯片图像占位符 1"/>
+          <p:cNvSpPr>
+            <a:spLocks noGrp="1" noRot="1" noChangeAspect="1"/>
+          </p:cNvSpPr>
+          <p:nvPr>
+            <p:ph type="sldImg"/>
+          </p:nvPr>
+        </p:nvSpPr>
+        <p:spPr/>
+      </p:sp>
+      <p:sp>
+        <p:nvSpPr>
+          <p:cNvPr id="3" name="备注占位符 2"/>
+          <p:cNvSpPr>
+            <a:spLocks noGrp="1"/>
+          </p:cNvSpPr>
+          <p:nvPr>
+            <p:ph type="body" idx="1"/>
+          </p:nvPr>
+        </p:nvSpPr>
+        <p:spPr/>
+        <p:txBody>
+          <a:bodyPr/>
+          <a:lstStyle/>
+          <a:p>
+            <a:endParaRPr lang="zh-CN" altLang="en-US"/>
+          </a:p>
+        </p:txBody>
+      </p:sp>
+      <p:sp>
+        <p:nvSpPr>
+          <p:cNvPr id="4" name="灯片编号占位符 3"/>
+          <p:cNvSpPr>
+            <a:spLocks noGrp="1"/>
+          </p:cNvSpPr>
+          <p:nvPr>
+            <p:ph type="sldNum" sz="quarter" idx="10"/>
+          </p:nvPr>
+        </p:nvSpPr>
+        <p:spPr/>
+        <p:txBody>
+          <a:bodyPr/>
+          <a:lstStyle/>
+          <a:p>
+            <a:fld id="{211EDE8F-5748-564A-B104-45C8D6344219}" type="slidenum">
+              <a:rPr kumimoji="1" lang="zh-CN" altLang="en-US" smtClean="0"/>
+              <a:t>39</a:t>
+            </a:fld>
+            <a:endParaRPr kumimoji="1" lang="zh-CN" altLang="en-US"/>
+          </a:p>
+        </p:txBody>
+      </p:sp>
+    </p:spTree>
+    <p:extLst>
+      <p:ext uri="{BB962C8B-B14F-4D97-AF65-F5344CB8AC3E}">
+        <p14:creationId xmlns:p14="http://schemas.microsoft.com/office/powerpoint/2010/main" val="3643477795"/>
+      </p:ext>
+    </p:extLst>
+  </p:cSld>
+  <p:clrMapOvr>
+    <a:masterClrMapping/>
+  </p:clrMapOvr>
+</p:notes>
+</file>
+
+<file path=ppt/notesSlides/notesSlide27.xml><?xml version="1.0" encoding="utf-8"?>
+<p:notes xmlns:a="http://schemas.openxmlformats.org/drawingml/2006/main" xmlns:r="http://schemas.openxmlformats.org/officeDocument/2006/relationships" xmlns:p="http://schemas.openxmlformats.org/presentationml/2006/main">
+  <p:cSld>
+    <p:spTree>
+      <p:nvGrpSpPr>
+        <p:cNvPr id="1" name=""/>
+        <p:cNvGrpSpPr/>
+        <p:nvPr/>
+      </p:nvGrpSpPr>
+      <p:grpSpPr>
+        <a:xfrm>
+          <a:off x="0" y="0"/>
+          <a:ext cx="0" cy="0"/>
+          <a:chOff x="0" y="0"/>
+          <a:chExt cx="0" cy="0"/>
+        </a:xfrm>
+      </p:grpSpPr>
+      <p:sp>
+        <p:nvSpPr>
+          <p:cNvPr id="2" name="幻灯片图像占位符 1"/>
+          <p:cNvSpPr>
+            <a:spLocks noGrp="1" noRot="1" noChangeAspect="1"/>
+          </p:cNvSpPr>
+          <p:nvPr>
+            <p:ph type="sldImg"/>
+          </p:nvPr>
+        </p:nvSpPr>
+        <p:spPr/>
+      </p:sp>
+      <p:sp>
+        <p:nvSpPr>
+          <p:cNvPr id="3" name="备注占位符 2"/>
+          <p:cNvSpPr>
+            <a:spLocks noGrp="1"/>
+          </p:cNvSpPr>
+          <p:nvPr>
+            <p:ph type="body" idx="1"/>
+          </p:nvPr>
+        </p:nvSpPr>
+        <p:spPr/>
+        <p:txBody>
+          <a:bodyPr/>
+          <a:lstStyle/>
+          <a:p>
+            <a:endParaRPr lang="zh-CN" altLang="en-US"/>
+          </a:p>
+        </p:txBody>
+      </p:sp>
+      <p:sp>
+        <p:nvSpPr>
+          <p:cNvPr id="4" name="灯片编号占位符 3"/>
+          <p:cNvSpPr>
+            <a:spLocks noGrp="1"/>
+          </p:cNvSpPr>
+          <p:nvPr>
+            <p:ph type="sldNum" sz="quarter" idx="10"/>
+          </p:nvPr>
+        </p:nvSpPr>
+        <p:spPr/>
+        <p:txBody>
+          <a:bodyPr/>
+          <a:lstStyle/>
+          <a:p>
+            <a:fld id="{211EDE8F-5748-564A-B104-45C8D6344219}" type="slidenum">
+              <a:rPr kumimoji="1" lang="zh-CN" altLang="en-US" smtClean="0"/>
+              <a:t>40</a:t>
             </a:fld>
             <a:endParaRPr kumimoji="1" lang="zh-CN" altLang="en-US"/>
           </a:p>
@@ -2249,7 +2504,7 @@
           <a:p>
             <a:fld id="{211EDE8F-5748-564A-B104-45C8D6344219}" type="slidenum">
               <a:rPr kumimoji="1" lang="zh-CN" altLang="en-US" smtClean="0"/>
-              <a:t>13</a:t>
+              <a:t>10</a:t>
             </a:fld>
             <a:endParaRPr kumimoji="1" lang="zh-CN" altLang="en-US"/>
           </a:p>
@@ -2258,7 +2513,7 @@
     </p:spTree>
     <p:extLst>
       <p:ext uri="{BB962C8B-B14F-4D97-AF65-F5344CB8AC3E}">
-        <p14:creationId xmlns:p14="http://schemas.microsoft.com/office/powerpoint/2010/main" val="2683751809"/>
+        <p14:creationId xmlns:p14="http://schemas.microsoft.com/office/powerpoint/2010/main" val="251997929"/>
       </p:ext>
     </p:extLst>
   </p:cSld>
@@ -2333,7 +2588,7 @@
           <a:p>
             <a:fld id="{211EDE8F-5748-564A-B104-45C8D6344219}" type="slidenum">
               <a:rPr kumimoji="1" lang="zh-CN" altLang="en-US" smtClean="0"/>
-              <a:t>17</a:t>
+              <a:t>12</a:t>
             </a:fld>
             <a:endParaRPr kumimoji="1" lang="zh-CN" altLang="en-US"/>
           </a:p>
@@ -2342,7 +2597,7 @@
     </p:spTree>
     <p:extLst>
       <p:ext uri="{BB962C8B-B14F-4D97-AF65-F5344CB8AC3E}">
-        <p14:creationId xmlns:p14="http://schemas.microsoft.com/office/powerpoint/2010/main" val="1479857769"/>
+        <p14:creationId xmlns:p14="http://schemas.microsoft.com/office/powerpoint/2010/main" val="1031739787"/>
       </p:ext>
     </p:extLst>
   </p:cSld>
@@ -2417,7 +2672,7 @@
           <a:p>
             <a:fld id="{211EDE8F-5748-564A-B104-45C8D6344219}" type="slidenum">
               <a:rPr kumimoji="1" lang="zh-CN" altLang="en-US" smtClean="0"/>
-              <a:t>18</a:t>
+              <a:t>14</a:t>
             </a:fld>
             <a:endParaRPr kumimoji="1" lang="zh-CN" altLang="en-US"/>
           </a:p>
@@ -2426,7 +2681,7 @@
     </p:spTree>
     <p:extLst>
       <p:ext uri="{BB962C8B-B14F-4D97-AF65-F5344CB8AC3E}">
-        <p14:creationId xmlns:p14="http://schemas.microsoft.com/office/powerpoint/2010/main" val="512506283"/>
+        <p14:creationId xmlns:p14="http://schemas.microsoft.com/office/powerpoint/2010/main" val="1483528283"/>
       </p:ext>
     </p:extLst>
   </p:cSld>
@@ -2501,7 +2756,7 @@
           <a:p>
             <a:fld id="{211EDE8F-5748-564A-B104-45C8D6344219}" type="slidenum">
               <a:rPr kumimoji="1" lang="zh-CN" altLang="en-US" smtClean="0"/>
-              <a:t>19</a:t>
+              <a:t>16</a:t>
             </a:fld>
             <a:endParaRPr kumimoji="1" lang="zh-CN" altLang="en-US"/>
           </a:p>
@@ -2510,7 +2765,7 @@
     </p:spTree>
     <p:extLst>
       <p:ext uri="{BB962C8B-B14F-4D97-AF65-F5344CB8AC3E}">
-        <p14:creationId xmlns:p14="http://schemas.microsoft.com/office/powerpoint/2010/main" val="2556382271"/>
+        <p14:creationId xmlns:p14="http://schemas.microsoft.com/office/powerpoint/2010/main" val="2683751809"/>
       </p:ext>
     </p:extLst>
   </p:cSld>
@@ -21297,6 +21552,117 @@
       </p:grpSpPr>
       <p:sp>
         <p:nvSpPr>
+          <p:cNvPr id="2" name="文本占位符 1"/>
+          <p:cNvSpPr>
+            <a:spLocks noGrp="1"/>
+          </p:cNvSpPr>
+          <p:nvPr>
+            <p:ph type="body" sz="quarter" idx="10"/>
+          </p:nvPr>
+        </p:nvSpPr>
+        <p:spPr/>
+        <p:txBody>
+          <a:bodyPr/>
+          <a:lstStyle/>
+          <a:p>
+            <a:r>
+              <a:rPr kumimoji="1" lang="zh-CN" altLang="en-US" dirty="0"/>
+              <a:t>感谢聆听</a:t>
+            </a:r>
+          </a:p>
+        </p:txBody>
+      </p:sp>
+      <p:sp>
+        <p:nvSpPr>
+          <p:cNvPr id="3" name="文本占位符 2"/>
+          <p:cNvSpPr>
+            <a:spLocks noGrp="1"/>
+          </p:cNvSpPr>
+          <p:nvPr>
+            <p:ph type="body" sz="quarter" idx="11"/>
+          </p:nvPr>
+        </p:nvSpPr>
+        <p:spPr/>
+        <p:txBody>
+          <a:bodyPr/>
+          <a:lstStyle/>
+          <a:p>
+            <a:r>
+              <a:rPr kumimoji="1" lang="en-US" altLang="zh-CN" dirty="0"/>
+              <a:t>THANK</a:t>
+            </a:r>
+            <a:r>
+              <a:rPr kumimoji="1" lang="zh-CN" altLang="en-US" dirty="0"/>
+              <a:t> </a:t>
+            </a:r>
+            <a:r>
+              <a:rPr kumimoji="1" lang="en-US" altLang="zh-CN" dirty="0"/>
+              <a:t>YOU</a:t>
+            </a:r>
+            <a:r>
+              <a:rPr kumimoji="1" lang="zh-CN" altLang="en-US" dirty="0"/>
+              <a:t> </a:t>
+            </a:r>
+            <a:r>
+              <a:rPr kumimoji="1" lang="en-US" altLang="zh-CN" dirty="0"/>
+              <a:t>FOR</a:t>
+            </a:r>
+            <a:r>
+              <a:rPr kumimoji="1" lang="zh-CN" altLang="en-US" dirty="0"/>
+              <a:t> </a:t>
+            </a:r>
+            <a:r>
+              <a:rPr kumimoji="1" lang="en-US" altLang="zh-CN" dirty="0"/>
+              <a:t>WATCHING</a:t>
+            </a:r>
+            <a:endParaRPr kumimoji="1" lang="zh-CN" altLang="en-US" dirty="0"/>
+          </a:p>
+        </p:txBody>
+      </p:sp>
+    </p:spTree>
+    <p:extLst>
+      <p:ext uri="{BB962C8B-B14F-4D97-AF65-F5344CB8AC3E}">
+        <p14:creationId xmlns:p14="http://schemas.microsoft.com/office/powerpoint/2010/main" val="2274991535"/>
+      </p:ext>
+    </p:extLst>
+  </p:cSld>
+  <p:clrMapOvr>
+    <a:masterClrMapping/>
+  </p:clrMapOvr>
+  <mc:AlternateContent xmlns:mc="http://schemas.openxmlformats.org/markup-compatibility/2006" xmlns:p14="http://schemas.microsoft.com/office/powerpoint/2010/main">
+    <mc:Choice Requires="p14">
+      <p:transition spd="slow" p14:dur="2500">
+        <p:checker/>
+      </p:transition>
+    </mc:Choice>
+    <mc:Fallback xmlns="">
+      <p:transition spd="slow">
+        <p:checker/>
+      </p:transition>
+    </mc:Fallback>
+  </mc:AlternateContent>
+</p:sld>
+</file>
+
+<file path=ppt/slides/slide11.xml><?xml version="1.0" encoding="utf-8"?>
+<p:sld xmlns:a="http://schemas.openxmlformats.org/drawingml/2006/main" xmlns:r="http://schemas.openxmlformats.org/officeDocument/2006/relationships" xmlns:p="http://schemas.openxmlformats.org/presentationml/2006/main">
+  <p:cSld>
+    <p:spTree>
+      <p:nvGrpSpPr>
+        <p:cNvPr id="1" name=""/>
+        <p:cNvGrpSpPr/>
+        <p:nvPr/>
+      </p:nvGrpSpPr>
+      <p:grpSpPr>
+        <a:xfrm>
+          <a:off x="0" y="0"/>
+          <a:ext cx="0" cy="0"/>
+          <a:chOff x="0" y="0"/>
+          <a:chExt cx="0" cy="0"/>
+        </a:xfrm>
+      </p:grpSpPr>
+      <p:sp>
+        <p:nvSpPr>
           <p:cNvPr id="2" name="文本占位符 1">
             <a:extLst>
               <a:ext uri="{FF2B5EF4-FFF2-40B4-BE49-F238E27FC236}">
@@ -21577,7 +21943,118 @@
 </p:sld>
 </file>
 
-<file path=ppt/slides/slide11.xml><?xml version="1.0" encoding="utf-8"?>
+<file path=ppt/slides/slide12.xml><?xml version="1.0" encoding="utf-8"?>
+<p:sld xmlns:a="http://schemas.openxmlformats.org/drawingml/2006/main" xmlns:r="http://schemas.openxmlformats.org/officeDocument/2006/relationships" xmlns:p="http://schemas.openxmlformats.org/presentationml/2006/main">
+  <p:cSld>
+    <p:spTree>
+      <p:nvGrpSpPr>
+        <p:cNvPr id="1" name=""/>
+        <p:cNvGrpSpPr/>
+        <p:nvPr/>
+      </p:nvGrpSpPr>
+      <p:grpSpPr>
+        <a:xfrm>
+          <a:off x="0" y="0"/>
+          <a:ext cx="0" cy="0"/>
+          <a:chOff x="0" y="0"/>
+          <a:chExt cx="0" cy="0"/>
+        </a:xfrm>
+      </p:grpSpPr>
+      <p:sp>
+        <p:nvSpPr>
+          <p:cNvPr id="2" name="文本占位符 1"/>
+          <p:cNvSpPr>
+            <a:spLocks noGrp="1"/>
+          </p:cNvSpPr>
+          <p:nvPr>
+            <p:ph type="body" sz="quarter" idx="10"/>
+          </p:nvPr>
+        </p:nvSpPr>
+        <p:spPr/>
+        <p:txBody>
+          <a:bodyPr/>
+          <a:lstStyle/>
+          <a:p>
+            <a:r>
+              <a:rPr kumimoji="1" lang="zh-CN" altLang="en-US" dirty="0"/>
+              <a:t>感谢聆听</a:t>
+            </a:r>
+          </a:p>
+        </p:txBody>
+      </p:sp>
+      <p:sp>
+        <p:nvSpPr>
+          <p:cNvPr id="3" name="文本占位符 2"/>
+          <p:cNvSpPr>
+            <a:spLocks noGrp="1"/>
+          </p:cNvSpPr>
+          <p:nvPr>
+            <p:ph type="body" sz="quarter" idx="11"/>
+          </p:nvPr>
+        </p:nvSpPr>
+        <p:spPr/>
+        <p:txBody>
+          <a:bodyPr/>
+          <a:lstStyle/>
+          <a:p>
+            <a:r>
+              <a:rPr kumimoji="1" lang="en-US" altLang="zh-CN" dirty="0"/>
+              <a:t>THANK</a:t>
+            </a:r>
+            <a:r>
+              <a:rPr kumimoji="1" lang="zh-CN" altLang="en-US" dirty="0"/>
+              <a:t> </a:t>
+            </a:r>
+            <a:r>
+              <a:rPr kumimoji="1" lang="en-US" altLang="zh-CN" dirty="0"/>
+              <a:t>YOU</a:t>
+            </a:r>
+            <a:r>
+              <a:rPr kumimoji="1" lang="zh-CN" altLang="en-US" dirty="0"/>
+              <a:t> </a:t>
+            </a:r>
+            <a:r>
+              <a:rPr kumimoji="1" lang="en-US" altLang="zh-CN" dirty="0"/>
+              <a:t>FOR</a:t>
+            </a:r>
+            <a:r>
+              <a:rPr kumimoji="1" lang="zh-CN" altLang="en-US" dirty="0"/>
+              <a:t> </a:t>
+            </a:r>
+            <a:r>
+              <a:rPr kumimoji="1" lang="en-US" altLang="zh-CN" dirty="0"/>
+              <a:t>WATCHING</a:t>
+            </a:r>
+            <a:endParaRPr kumimoji="1" lang="zh-CN" altLang="en-US" dirty="0"/>
+          </a:p>
+        </p:txBody>
+      </p:sp>
+    </p:spTree>
+    <p:extLst>
+      <p:ext uri="{BB962C8B-B14F-4D97-AF65-F5344CB8AC3E}">
+        <p14:creationId xmlns:p14="http://schemas.microsoft.com/office/powerpoint/2010/main" val="2603773474"/>
+      </p:ext>
+    </p:extLst>
+  </p:cSld>
+  <p:clrMapOvr>
+    <a:masterClrMapping/>
+  </p:clrMapOvr>
+  <mc:AlternateContent xmlns:mc="http://schemas.openxmlformats.org/markup-compatibility/2006" xmlns:p14="http://schemas.microsoft.com/office/powerpoint/2010/main">
+    <mc:Choice Requires="p14">
+      <p:transition spd="slow" p14:dur="2500">
+        <p:checker/>
+      </p:transition>
+    </mc:Choice>
+    <mc:Fallback xmlns="">
+      <p:transition spd="slow">
+        <p:checker/>
+      </p:transition>
+    </mc:Fallback>
+  </mc:AlternateContent>
+</p:sld>
+</file>
+
+<file path=ppt/slides/slide13.xml><?xml version="1.0" encoding="utf-8"?>
 <p:sld xmlns:a="http://schemas.openxmlformats.org/drawingml/2006/main" xmlns:r="http://schemas.openxmlformats.org/officeDocument/2006/relationships" xmlns:p="http://schemas.openxmlformats.org/presentationml/2006/main">
   <p:cSld>
     <p:spTree>
@@ -21942,7 +22419,118 @@
 </p:sld>
 </file>
 
-<file path=ppt/slides/slide12.xml><?xml version="1.0" encoding="utf-8"?>
+<file path=ppt/slides/slide14.xml><?xml version="1.0" encoding="utf-8"?>
+<p:sld xmlns:a="http://schemas.openxmlformats.org/drawingml/2006/main" xmlns:r="http://schemas.openxmlformats.org/officeDocument/2006/relationships" xmlns:p="http://schemas.openxmlformats.org/presentationml/2006/main">
+  <p:cSld>
+    <p:spTree>
+      <p:nvGrpSpPr>
+        <p:cNvPr id="1" name=""/>
+        <p:cNvGrpSpPr/>
+        <p:nvPr/>
+      </p:nvGrpSpPr>
+      <p:grpSpPr>
+        <a:xfrm>
+          <a:off x="0" y="0"/>
+          <a:ext cx="0" cy="0"/>
+          <a:chOff x="0" y="0"/>
+          <a:chExt cx="0" cy="0"/>
+        </a:xfrm>
+      </p:grpSpPr>
+      <p:sp>
+        <p:nvSpPr>
+          <p:cNvPr id="2" name="文本占位符 1"/>
+          <p:cNvSpPr>
+            <a:spLocks noGrp="1"/>
+          </p:cNvSpPr>
+          <p:nvPr>
+            <p:ph type="body" sz="quarter" idx="10"/>
+          </p:nvPr>
+        </p:nvSpPr>
+        <p:spPr/>
+        <p:txBody>
+          <a:bodyPr/>
+          <a:lstStyle/>
+          <a:p>
+            <a:r>
+              <a:rPr kumimoji="1" lang="zh-CN" altLang="en-US" dirty="0"/>
+              <a:t>感谢聆听</a:t>
+            </a:r>
+          </a:p>
+        </p:txBody>
+      </p:sp>
+      <p:sp>
+        <p:nvSpPr>
+          <p:cNvPr id="3" name="文本占位符 2"/>
+          <p:cNvSpPr>
+            <a:spLocks noGrp="1"/>
+          </p:cNvSpPr>
+          <p:nvPr>
+            <p:ph type="body" sz="quarter" idx="11"/>
+          </p:nvPr>
+        </p:nvSpPr>
+        <p:spPr/>
+        <p:txBody>
+          <a:bodyPr/>
+          <a:lstStyle/>
+          <a:p>
+            <a:r>
+              <a:rPr kumimoji="1" lang="en-US" altLang="zh-CN" dirty="0"/>
+              <a:t>THANK</a:t>
+            </a:r>
+            <a:r>
+              <a:rPr kumimoji="1" lang="zh-CN" altLang="en-US" dirty="0"/>
+              <a:t> </a:t>
+            </a:r>
+            <a:r>
+              <a:rPr kumimoji="1" lang="en-US" altLang="zh-CN" dirty="0"/>
+              <a:t>YOU</a:t>
+            </a:r>
+            <a:r>
+              <a:rPr kumimoji="1" lang="zh-CN" altLang="en-US" dirty="0"/>
+              <a:t> </a:t>
+            </a:r>
+            <a:r>
+              <a:rPr kumimoji="1" lang="en-US" altLang="zh-CN" dirty="0"/>
+              <a:t>FOR</a:t>
+            </a:r>
+            <a:r>
+              <a:rPr kumimoji="1" lang="zh-CN" altLang="en-US" dirty="0"/>
+              <a:t> </a:t>
+            </a:r>
+            <a:r>
+              <a:rPr kumimoji="1" lang="en-US" altLang="zh-CN" dirty="0"/>
+              <a:t>WATCHING</a:t>
+            </a:r>
+            <a:endParaRPr kumimoji="1" lang="zh-CN" altLang="en-US" dirty="0"/>
+          </a:p>
+        </p:txBody>
+      </p:sp>
+    </p:spTree>
+    <p:extLst>
+      <p:ext uri="{BB962C8B-B14F-4D97-AF65-F5344CB8AC3E}">
+        <p14:creationId xmlns:p14="http://schemas.microsoft.com/office/powerpoint/2010/main" val="430286587"/>
+      </p:ext>
+    </p:extLst>
+  </p:cSld>
+  <p:clrMapOvr>
+    <a:masterClrMapping/>
+  </p:clrMapOvr>
+  <mc:AlternateContent xmlns:mc="http://schemas.openxmlformats.org/markup-compatibility/2006" xmlns:p14="http://schemas.microsoft.com/office/powerpoint/2010/main">
+    <mc:Choice Requires="p14">
+      <p:transition spd="slow" p14:dur="2500">
+        <p:checker/>
+      </p:transition>
+    </mc:Choice>
+    <mc:Fallback xmlns="">
+      <p:transition spd="slow">
+        <p:checker/>
+      </p:transition>
+    </mc:Fallback>
+  </mc:AlternateContent>
+</p:sld>
+</file>
+
+<file path=ppt/slides/slide15.xml><?xml version="1.0" encoding="utf-8"?>
 <p:sld xmlns:a="http://schemas.openxmlformats.org/drawingml/2006/main" xmlns:r="http://schemas.openxmlformats.org/officeDocument/2006/relationships" xmlns:p="http://schemas.openxmlformats.org/presentationml/2006/main">
   <p:cSld>
     <p:spTree>
@@ -22247,7 +22835,7 @@
 </p:sld>
 </file>
 
-<file path=ppt/slides/slide13.xml><?xml version="1.0" encoding="utf-8"?>
+<file path=ppt/slides/slide16.xml><?xml version="1.0" encoding="utf-8"?>
 <p:sld xmlns:a="http://schemas.openxmlformats.org/drawingml/2006/main" xmlns:r="http://schemas.openxmlformats.org/officeDocument/2006/relationships" xmlns:p="http://schemas.openxmlformats.org/presentationml/2006/main">
   <p:cSld>
     <p:spTree>
@@ -22358,368 +22946,6 @@
 </p:sld>
 </file>
 
-<file path=ppt/slides/slide14.xml><?xml version="1.0" encoding="utf-8"?>
-<p:sld xmlns:a="http://schemas.openxmlformats.org/drawingml/2006/main" xmlns:r="http://schemas.openxmlformats.org/officeDocument/2006/relationships" xmlns:p="http://schemas.openxmlformats.org/presentationml/2006/main">
-  <p:cSld>
-    <p:spTree>
-      <p:nvGrpSpPr>
-        <p:cNvPr id="1" name=""/>
-        <p:cNvGrpSpPr/>
-        <p:nvPr/>
-      </p:nvGrpSpPr>
-      <p:grpSpPr>
-        <a:xfrm>
-          <a:off x="0" y="0"/>
-          <a:ext cx="0" cy="0"/>
-          <a:chOff x="0" y="0"/>
-          <a:chExt cx="0" cy="0"/>
-        </a:xfrm>
-      </p:grpSpPr>
-      <p:sp>
-        <p:nvSpPr>
-          <p:cNvPr id="2" name="文本占位符 1">
-            <a:extLst>
-              <a:ext uri="{FF2B5EF4-FFF2-40B4-BE49-F238E27FC236}">
-                <a16:creationId xmlns:a16="http://schemas.microsoft.com/office/drawing/2014/main" id="{D1A1F7E8-23FB-41A2-8BA0-565EF21F256E}"/>
-              </a:ext>
-            </a:extLst>
-          </p:cNvPr>
-          <p:cNvSpPr>
-            <a:spLocks noGrp="1"/>
-          </p:cNvSpPr>
-          <p:nvPr>
-            <p:ph type="body" sz="quarter" idx="12"/>
-          </p:nvPr>
-        </p:nvSpPr>
-        <p:spPr/>
-        <p:txBody>
-          <a:bodyPr/>
-          <a:lstStyle/>
-          <a:p>
-            <a:r>
-              <a:rPr lang="zh-CN" altLang="en-US" dirty="0"/>
-              <a:t>双向链表</a:t>
-            </a:r>
-          </a:p>
-        </p:txBody>
-      </p:sp>
-    </p:spTree>
-    <p:extLst>
-      <p:ext uri="{BB962C8B-B14F-4D97-AF65-F5344CB8AC3E}">
-        <p14:creationId xmlns:p14="http://schemas.microsoft.com/office/powerpoint/2010/main" val="2788822104"/>
-      </p:ext>
-    </p:extLst>
-  </p:cSld>
-  <p:clrMapOvr>
-    <a:masterClrMapping/>
-  </p:clrMapOvr>
-</p:sld>
-</file>
-
-<file path=ppt/slides/slide15.xml><?xml version="1.0" encoding="utf-8"?>
-<p:sld xmlns:a="http://schemas.openxmlformats.org/drawingml/2006/main" xmlns:r="http://schemas.openxmlformats.org/officeDocument/2006/relationships" xmlns:p="http://schemas.openxmlformats.org/presentationml/2006/main">
-  <p:cSld>
-    <p:spTree>
-      <p:nvGrpSpPr>
-        <p:cNvPr id="1" name=""/>
-        <p:cNvGrpSpPr/>
-        <p:nvPr/>
-      </p:nvGrpSpPr>
-      <p:grpSpPr>
-        <a:xfrm>
-          <a:off x="0" y="0"/>
-          <a:ext cx="0" cy="0"/>
-          <a:chOff x="0" y="0"/>
-          <a:chExt cx="0" cy="0"/>
-        </a:xfrm>
-      </p:grpSpPr>
-      <p:sp>
-        <p:nvSpPr>
-          <p:cNvPr id="2" name="文本占位符 1">
-            <a:extLst>
-              <a:ext uri="{FF2B5EF4-FFF2-40B4-BE49-F238E27FC236}">
-                <a16:creationId xmlns:a16="http://schemas.microsoft.com/office/drawing/2014/main" id="{D1A1F7E8-23FB-41A2-8BA0-565EF21F256E}"/>
-              </a:ext>
-            </a:extLst>
-          </p:cNvPr>
-          <p:cNvSpPr>
-            <a:spLocks noGrp="1"/>
-          </p:cNvSpPr>
-          <p:nvPr>
-            <p:ph type="body" sz="quarter" idx="12"/>
-          </p:nvPr>
-        </p:nvSpPr>
-        <p:spPr/>
-        <p:txBody>
-          <a:bodyPr/>
-          <a:lstStyle/>
-          <a:p>
-            <a:r>
-              <a:rPr lang="zh-CN" altLang="en-US" dirty="0"/>
-              <a:t>静态链表</a:t>
-            </a:r>
-          </a:p>
-        </p:txBody>
-      </p:sp>
-    </p:spTree>
-    <p:extLst>
-      <p:ext uri="{BB962C8B-B14F-4D97-AF65-F5344CB8AC3E}">
-        <p14:creationId xmlns:p14="http://schemas.microsoft.com/office/powerpoint/2010/main" val="603364328"/>
-      </p:ext>
-    </p:extLst>
-  </p:cSld>
-  <p:clrMapOvr>
-    <a:masterClrMapping/>
-  </p:clrMapOvr>
-</p:sld>
-</file>
-
-<file path=ppt/slides/slide16.xml><?xml version="1.0" encoding="utf-8"?>
-<p:sld xmlns:a="http://schemas.openxmlformats.org/drawingml/2006/main" xmlns:r="http://schemas.openxmlformats.org/officeDocument/2006/relationships" xmlns:p="http://schemas.openxmlformats.org/presentationml/2006/main">
-  <p:cSld>
-    <p:spTree>
-      <p:nvGrpSpPr>
-        <p:cNvPr id="1" name=""/>
-        <p:cNvGrpSpPr/>
-        <p:nvPr/>
-      </p:nvGrpSpPr>
-      <p:grpSpPr>
-        <a:xfrm>
-          <a:off x="0" y="0"/>
-          <a:ext cx="0" cy="0"/>
-          <a:chOff x="0" y="0"/>
-          <a:chExt cx="0" cy="0"/>
-        </a:xfrm>
-      </p:grpSpPr>
-      <p:sp>
-        <p:nvSpPr>
-          <p:cNvPr id="2" name="文本占位符 1">
-            <a:extLst>
-              <a:ext uri="{FF2B5EF4-FFF2-40B4-BE49-F238E27FC236}">
-                <a16:creationId xmlns:a16="http://schemas.microsoft.com/office/drawing/2014/main" id="{D1A1F7E8-23FB-41A2-8BA0-565EF21F256E}"/>
-              </a:ext>
-            </a:extLst>
-          </p:cNvPr>
-          <p:cNvSpPr>
-            <a:spLocks noGrp="1"/>
-          </p:cNvSpPr>
-          <p:nvPr>
-            <p:ph type="body" sz="quarter" idx="12"/>
-          </p:nvPr>
-        </p:nvSpPr>
-        <p:spPr/>
-        <p:txBody>
-          <a:bodyPr/>
-          <a:lstStyle/>
-          <a:p>
-            <a:r>
-              <a:rPr lang="zh-CN" altLang="en-US" dirty="0"/>
-              <a:t>练习</a:t>
-            </a:r>
-          </a:p>
-        </p:txBody>
-      </p:sp>
-      <p:sp>
-        <p:nvSpPr>
-          <p:cNvPr id="3" name="文本框 2">
-            <a:extLst>
-              <a:ext uri="{FF2B5EF4-FFF2-40B4-BE49-F238E27FC236}">
-                <a16:creationId xmlns:a16="http://schemas.microsoft.com/office/drawing/2014/main" id="{9598AF75-AD12-4FC2-B791-A0CD9411D75E}"/>
-              </a:ext>
-            </a:extLst>
-          </p:cNvPr>
-          <p:cNvSpPr txBox="1"/>
-          <p:nvPr/>
-        </p:nvSpPr>
-        <p:spPr>
-          <a:xfrm>
-            <a:off x="457393" y="845029"/>
-            <a:ext cx="11119920" cy="369332"/>
-          </a:xfrm>
-          <a:prstGeom prst="rect">
-            <a:avLst/>
-          </a:prstGeom>
-          <a:noFill/>
-        </p:spPr>
-        <p:txBody>
-          <a:bodyPr wrap="square" rtlCol="0">
-            <a:spAutoFit/>
-          </a:bodyPr>
-          <a:lstStyle/>
-          <a:p>
-            <a:r>
-              <a:rPr lang="zh-CN" altLang="en-US" dirty="0"/>
-              <a:t>注：试在解决方案中完成代码（假若你会</a:t>
-            </a:r>
-            <a:r>
-              <a:rPr lang="en-US" altLang="zh-CN" dirty="0"/>
-              <a:t>C#</a:t>
-            </a:r>
-            <a:r>
-              <a:rPr lang="zh-CN" altLang="en-US" dirty="0"/>
-              <a:t>语言，否则使用其他语言也可）</a:t>
-            </a:r>
-          </a:p>
-        </p:txBody>
-      </p:sp>
-      <p:sp>
-        <p:nvSpPr>
-          <p:cNvPr id="4" name="文本框 3">
-            <a:extLst>
-              <a:ext uri="{FF2B5EF4-FFF2-40B4-BE49-F238E27FC236}">
-                <a16:creationId xmlns:a16="http://schemas.microsoft.com/office/drawing/2014/main" id="{B27280C4-F3EC-403A-84A5-28566D985F1C}"/>
-              </a:ext>
-            </a:extLst>
-          </p:cNvPr>
-          <p:cNvSpPr txBox="1"/>
-          <p:nvPr/>
-        </p:nvSpPr>
-        <p:spPr>
-          <a:xfrm>
-            <a:off x="457393" y="3310110"/>
-            <a:ext cx="11119920" cy="369332"/>
-          </a:xfrm>
-          <a:prstGeom prst="rect">
-            <a:avLst/>
-          </a:prstGeom>
-          <a:noFill/>
-        </p:spPr>
-        <p:txBody>
-          <a:bodyPr wrap="square" rtlCol="0">
-            <a:spAutoFit/>
-          </a:bodyPr>
-          <a:lstStyle/>
-          <a:p>
-            <a:r>
-              <a:rPr lang="zh-CN" altLang="en-US" dirty="0"/>
-              <a:t>题</a:t>
-            </a:r>
-            <a:r>
-              <a:rPr lang="en-US" altLang="zh-CN" dirty="0"/>
-              <a:t>2</a:t>
-            </a:r>
-            <a:r>
-              <a:rPr lang="zh-CN" altLang="en-US" dirty="0"/>
-              <a:t>：完成</a:t>
-            </a:r>
-            <a:r>
-              <a:rPr lang="en-US" altLang="zh-CN" dirty="0"/>
-              <a:t>LinkedList</a:t>
-            </a:r>
-            <a:r>
-              <a:rPr lang="zh-CN" altLang="en-US" dirty="0"/>
-              <a:t>的所有题目并通过测试代码。</a:t>
-            </a:r>
-          </a:p>
-        </p:txBody>
-      </p:sp>
-      <p:sp>
-        <p:nvSpPr>
-          <p:cNvPr id="5" name="文本框 4">
-            <a:extLst>
-              <a:ext uri="{FF2B5EF4-FFF2-40B4-BE49-F238E27FC236}">
-                <a16:creationId xmlns:a16="http://schemas.microsoft.com/office/drawing/2014/main" id="{89B9E983-AC8B-40A9-BBAC-9EEF356A6785}"/>
-              </a:ext>
-            </a:extLst>
-          </p:cNvPr>
-          <p:cNvSpPr txBox="1"/>
-          <p:nvPr/>
-        </p:nvSpPr>
-        <p:spPr>
-          <a:xfrm>
-            <a:off x="457393" y="1657733"/>
-            <a:ext cx="11119920" cy="369332"/>
-          </a:xfrm>
-          <a:prstGeom prst="rect">
-            <a:avLst/>
-          </a:prstGeom>
-          <a:noFill/>
-        </p:spPr>
-        <p:txBody>
-          <a:bodyPr wrap="square" rtlCol="0">
-            <a:spAutoFit/>
-          </a:bodyPr>
-          <a:lstStyle/>
-          <a:p>
-            <a:r>
-              <a:rPr lang="zh-CN" altLang="en-US" dirty="0"/>
-              <a:t>题</a:t>
-            </a:r>
-            <a:r>
-              <a:rPr lang="en-US" altLang="zh-CN" dirty="0"/>
-              <a:t>1</a:t>
-            </a:r>
-            <a:r>
-              <a:rPr lang="zh-CN" altLang="en-US" dirty="0"/>
-              <a:t>：完成</a:t>
-            </a:r>
-            <a:r>
-              <a:rPr lang="en-US" altLang="zh-CN" dirty="0" err="1"/>
-              <a:t>ArrayList</a:t>
-            </a:r>
-            <a:r>
-              <a:rPr lang="zh-CN" altLang="en-US" dirty="0"/>
-              <a:t>的所有题目并通过测试代码。</a:t>
-            </a:r>
-          </a:p>
-        </p:txBody>
-      </p:sp>
-      <p:sp>
-        <p:nvSpPr>
-          <p:cNvPr id="6" name="文本框 5">
-            <a:extLst>
-              <a:ext uri="{FF2B5EF4-FFF2-40B4-BE49-F238E27FC236}">
-                <a16:creationId xmlns:a16="http://schemas.microsoft.com/office/drawing/2014/main" id="{D0645E24-040B-4F76-A636-1D6F76B7FC16}"/>
-              </a:ext>
-            </a:extLst>
-          </p:cNvPr>
-          <p:cNvSpPr txBox="1"/>
-          <p:nvPr/>
-        </p:nvSpPr>
-        <p:spPr>
-          <a:xfrm>
-            <a:off x="457393" y="4962488"/>
-            <a:ext cx="11119920" cy="369332"/>
-          </a:xfrm>
-          <a:prstGeom prst="rect">
-            <a:avLst/>
-          </a:prstGeom>
-          <a:noFill/>
-        </p:spPr>
-        <p:txBody>
-          <a:bodyPr wrap="square" rtlCol="0">
-            <a:spAutoFit/>
-          </a:bodyPr>
-          <a:lstStyle/>
-          <a:p>
-            <a:r>
-              <a:rPr lang="zh-CN" altLang="en-US" dirty="0"/>
-              <a:t>题</a:t>
-            </a:r>
-            <a:r>
-              <a:rPr lang="en-US" altLang="zh-CN" dirty="0"/>
-              <a:t>3</a:t>
-            </a:r>
-            <a:r>
-              <a:rPr lang="zh-CN" altLang="en-US" dirty="0"/>
-              <a:t>：设计一个系统要求如下，设计一个仓库管理系统，要求</a:t>
-            </a:r>
-          </a:p>
-        </p:txBody>
-      </p:sp>
-    </p:spTree>
-    <p:extLst>
-      <p:ext uri="{BB962C8B-B14F-4D97-AF65-F5344CB8AC3E}">
-        <p14:creationId xmlns:p14="http://schemas.microsoft.com/office/powerpoint/2010/main" val="4216549050"/>
-      </p:ext>
-    </p:extLst>
-  </p:cSld>
-  <p:clrMapOvr>
-    <a:masterClrMapping/>
-  </p:clrMapOvr>
-</p:sld>
-</file>
-
 <file path=ppt/slides/slide17.xml><?xml version="1.0" encoding="utf-8"?>
 <p:sld xmlns:a="http://schemas.openxmlformats.org/drawingml/2006/main" xmlns:r="http://schemas.openxmlformats.org/officeDocument/2006/relationships" xmlns:p="http://schemas.openxmlformats.org/presentationml/2006/main">
   <p:cSld>
@@ -22739,12 +22965,18 @@
       </p:grpSpPr>
       <p:sp>
         <p:nvSpPr>
-          <p:cNvPr id="2" name="文本占位符 1"/>
+          <p:cNvPr id="2" name="文本占位符 1">
+            <a:extLst>
+              <a:ext uri="{FF2B5EF4-FFF2-40B4-BE49-F238E27FC236}">
+                <a16:creationId xmlns:a16="http://schemas.microsoft.com/office/drawing/2014/main" id="{D1A1F7E8-23FB-41A2-8BA0-565EF21F256E}"/>
+              </a:ext>
+            </a:extLst>
+          </p:cNvPr>
           <p:cNvSpPr>
             <a:spLocks noGrp="1"/>
           </p:cNvSpPr>
           <p:nvPr>
-            <p:ph type="body" sz="quarter" idx="10"/>
+            <p:ph type="body" sz="quarter" idx="12"/>
           </p:nvPr>
         </p:nvSpPr>
         <p:spPr/>
@@ -22753,81 +22985,22 @@
           <a:lstStyle/>
           <a:p>
             <a:r>
-              <a:rPr kumimoji="1" lang="zh-CN" altLang="en-US" dirty="0"/>
-              <a:t>感谢聆听</a:t>
-            </a:r>
-          </a:p>
-        </p:txBody>
-      </p:sp>
-      <p:sp>
-        <p:nvSpPr>
-          <p:cNvPr id="3" name="文本占位符 2"/>
-          <p:cNvSpPr>
-            <a:spLocks noGrp="1"/>
-          </p:cNvSpPr>
-          <p:nvPr>
-            <p:ph type="body" sz="quarter" idx="11"/>
-          </p:nvPr>
-        </p:nvSpPr>
-        <p:spPr/>
-        <p:txBody>
-          <a:bodyPr/>
-          <a:lstStyle/>
-          <a:p>
-            <a:r>
-              <a:rPr kumimoji="1" lang="en-US" altLang="zh-CN" dirty="0"/>
-              <a:t>THANK</a:t>
-            </a:r>
-            <a:r>
-              <a:rPr kumimoji="1" lang="zh-CN" altLang="en-US" dirty="0"/>
-              <a:t> </a:t>
-            </a:r>
-            <a:r>
-              <a:rPr kumimoji="1" lang="en-US" altLang="zh-CN" dirty="0"/>
-              <a:t>YOU</a:t>
-            </a:r>
-            <a:r>
-              <a:rPr kumimoji="1" lang="zh-CN" altLang="en-US" dirty="0"/>
-              <a:t> </a:t>
-            </a:r>
-            <a:r>
-              <a:rPr kumimoji="1" lang="en-US" altLang="zh-CN" dirty="0"/>
-              <a:t>FOR</a:t>
-            </a:r>
-            <a:r>
-              <a:rPr kumimoji="1" lang="zh-CN" altLang="en-US" dirty="0"/>
-              <a:t> </a:t>
-            </a:r>
-            <a:r>
-              <a:rPr kumimoji="1" lang="en-US" altLang="zh-CN" dirty="0"/>
-              <a:t>WATCHING</a:t>
-            </a:r>
-            <a:endParaRPr kumimoji="1" lang="zh-CN" altLang="en-US" dirty="0"/>
+              <a:rPr lang="zh-CN" altLang="en-US" dirty="0"/>
+              <a:t>双向链表</a:t>
+            </a:r>
           </a:p>
         </p:txBody>
       </p:sp>
     </p:spTree>
     <p:extLst>
       <p:ext uri="{BB962C8B-B14F-4D97-AF65-F5344CB8AC3E}">
-        <p14:creationId xmlns:p14="http://schemas.microsoft.com/office/powerpoint/2010/main" val="708460191"/>
+        <p14:creationId xmlns:p14="http://schemas.microsoft.com/office/powerpoint/2010/main" val="2788822104"/>
       </p:ext>
     </p:extLst>
   </p:cSld>
   <p:clrMapOvr>
     <a:masterClrMapping/>
   </p:clrMapOvr>
-  <mc:AlternateContent xmlns:mc="http://schemas.openxmlformats.org/markup-compatibility/2006" xmlns:p14="http://schemas.microsoft.com/office/powerpoint/2010/main">
-    <mc:Choice Requires="p14">
-      <p:transition spd="slow" p14:dur="2500">
-        <p:checker/>
-      </p:transition>
-    </mc:Choice>
-    <mc:Fallback xmlns="">
-      <p:transition spd="slow">
-        <p:checker/>
-      </p:transition>
-    </mc:Fallback>
-  </mc:AlternateContent>
 </p:sld>
 </file>
 
@@ -22850,7 +23023,13 @@
       </p:grpSpPr>
       <p:sp>
         <p:nvSpPr>
-          <p:cNvPr id="2" name="文本占位符 1"/>
+          <p:cNvPr id="2" name="文本占位符 1">
+            <a:extLst>
+              <a:ext uri="{FF2B5EF4-FFF2-40B4-BE49-F238E27FC236}">
+                <a16:creationId xmlns:a16="http://schemas.microsoft.com/office/drawing/2014/main" id="{D1A1F7E8-23FB-41A2-8BA0-565EF21F256E}"/>
+              </a:ext>
+            </a:extLst>
+          </p:cNvPr>
           <p:cNvSpPr>
             <a:spLocks noGrp="1"/>
           </p:cNvSpPr>
@@ -22864,31 +23043,8 @@
           <a:lstStyle/>
           <a:p>
             <a:r>
-              <a:rPr kumimoji="1" lang="en-US" altLang="zh-CN" dirty="0"/>
-              <a:t>02</a:t>
-            </a:r>
-            <a:endParaRPr kumimoji="1" lang="zh-CN" altLang="en-US" dirty="0"/>
-          </a:p>
-        </p:txBody>
-      </p:sp>
-      <p:sp>
-        <p:nvSpPr>
-          <p:cNvPr id="3" name="文本占位符 2"/>
-          <p:cNvSpPr>
-            <a:spLocks noGrp="1"/>
-          </p:cNvSpPr>
-          <p:nvPr>
-            <p:ph type="body" sz="quarter" idx="13"/>
-          </p:nvPr>
-        </p:nvSpPr>
-        <p:spPr/>
-        <p:txBody>
-          <a:bodyPr/>
-          <a:lstStyle/>
-          <a:p>
-            <a:r>
-              <a:rPr kumimoji="1" lang="zh-CN" altLang="en-US" dirty="0"/>
-              <a:t>串</a:t>
+              <a:rPr lang="zh-CN" altLang="en-US" dirty="0"/>
+              <a:t>静态链表</a:t>
             </a:r>
           </a:p>
         </p:txBody>
@@ -22896,25 +23052,13 @@
     </p:spTree>
     <p:extLst>
       <p:ext uri="{BB962C8B-B14F-4D97-AF65-F5344CB8AC3E}">
-        <p14:creationId xmlns:p14="http://schemas.microsoft.com/office/powerpoint/2010/main" val="1987235624"/>
+        <p14:creationId xmlns:p14="http://schemas.microsoft.com/office/powerpoint/2010/main" val="603364328"/>
       </p:ext>
     </p:extLst>
   </p:cSld>
   <p:clrMapOvr>
     <a:masterClrMapping/>
   </p:clrMapOvr>
-  <mc:AlternateContent xmlns:mc="http://schemas.openxmlformats.org/markup-compatibility/2006" xmlns:p14="http://schemas.microsoft.com/office/powerpoint/2010/main">
-    <mc:Choice Requires="p14">
-      <p:transition spd="slow" p14:dur="1600">
-        <p:blinds dir="vert"/>
-      </p:transition>
-    </mc:Choice>
-    <mc:Fallback xmlns="">
-      <p:transition spd="slow">
-        <p:blinds dir="vert"/>
-      </p:transition>
-    </mc:Fallback>
-  </mc:AlternateContent>
 </p:sld>
 </file>
 
@@ -22937,12 +23081,18 @@
       </p:grpSpPr>
       <p:sp>
         <p:nvSpPr>
-          <p:cNvPr id="2" name="文本占位符 1"/>
+          <p:cNvPr id="2" name="文本占位符 1">
+            <a:extLst>
+              <a:ext uri="{FF2B5EF4-FFF2-40B4-BE49-F238E27FC236}">
+                <a16:creationId xmlns:a16="http://schemas.microsoft.com/office/drawing/2014/main" id="{D1A1F7E8-23FB-41A2-8BA0-565EF21F256E}"/>
+              </a:ext>
+            </a:extLst>
+          </p:cNvPr>
           <p:cNvSpPr>
             <a:spLocks noGrp="1"/>
           </p:cNvSpPr>
           <p:nvPr>
-            <p:ph type="body" sz="quarter" idx="10"/>
+            <p:ph type="body" sz="quarter" idx="12"/>
           </p:nvPr>
         </p:nvSpPr>
         <p:spPr/>
@@ -22951,81 +23101,210 @@
           <a:lstStyle/>
           <a:p>
             <a:r>
-              <a:rPr kumimoji="1" lang="zh-CN" altLang="en-US" dirty="0"/>
-              <a:t>感谢聆听</a:t>
-            </a:r>
-          </a:p>
-        </p:txBody>
-      </p:sp>
-      <p:sp>
-        <p:nvSpPr>
-          <p:cNvPr id="3" name="文本占位符 2"/>
-          <p:cNvSpPr>
-            <a:spLocks noGrp="1"/>
-          </p:cNvSpPr>
-          <p:nvPr>
-            <p:ph type="body" sz="quarter" idx="11"/>
-          </p:nvPr>
-        </p:nvSpPr>
-        <p:spPr/>
-        <p:txBody>
-          <a:bodyPr/>
+              <a:rPr lang="zh-CN" altLang="en-US" dirty="0"/>
+              <a:t>练习</a:t>
+            </a:r>
+          </a:p>
+        </p:txBody>
+      </p:sp>
+      <p:sp>
+        <p:nvSpPr>
+          <p:cNvPr id="3" name="文本框 2">
+            <a:extLst>
+              <a:ext uri="{FF2B5EF4-FFF2-40B4-BE49-F238E27FC236}">
+                <a16:creationId xmlns:a16="http://schemas.microsoft.com/office/drawing/2014/main" id="{9598AF75-AD12-4FC2-B791-A0CD9411D75E}"/>
+              </a:ext>
+            </a:extLst>
+          </p:cNvPr>
+          <p:cNvSpPr txBox="1"/>
+          <p:nvPr/>
+        </p:nvSpPr>
+        <p:spPr>
+          <a:xfrm>
+            <a:off x="457393" y="845029"/>
+            <a:ext cx="11119920" cy="369332"/>
+          </a:xfrm>
+          <a:prstGeom prst="rect">
+            <a:avLst/>
+          </a:prstGeom>
+          <a:noFill/>
+        </p:spPr>
+        <p:txBody>
+          <a:bodyPr wrap="square" rtlCol="0">
+            <a:spAutoFit/>
+          </a:bodyPr>
           <a:lstStyle/>
           <a:p>
             <a:r>
-              <a:rPr kumimoji="1" lang="en-US" altLang="zh-CN" dirty="0"/>
-              <a:t>THANK</a:t>
-            </a:r>
-            <a:r>
-              <a:rPr kumimoji="1" lang="zh-CN" altLang="en-US" dirty="0"/>
-              <a:t> </a:t>
-            </a:r>
-            <a:r>
-              <a:rPr kumimoji="1" lang="en-US" altLang="zh-CN" dirty="0"/>
-              <a:t>YOU</a:t>
-            </a:r>
-            <a:r>
-              <a:rPr kumimoji="1" lang="zh-CN" altLang="en-US" dirty="0"/>
-              <a:t> </a:t>
-            </a:r>
-            <a:r>
-              <a:rPr kumimoji="1" lang="en-US" altLang="zh-CN" dirty="0"/>
-              <a:t>FOR</a:t>
-            </a:r>
-            <a:r>
-              <a:rPr kumimoji="1" lang="zh-CN" altLang="en-US" dirty="0"/>
-              <a:t> </a:t>
-            </a:r>
-            <a:r>
-              <a:rPr kumimoji="1" lang="en-US" altLang="zh-CN" dirty="0"/>
-              <a:t>WATCHING</a:t>
-            </a:r>
-            <a:endParaRPr kumimoji="1" lang="zh-CN" altLang="en-US" dirty="0"/>
+              <a:rPr lang="zh-CN" altLang="en-US" dirty="0"/>
+              <a:t>注：试在解决方案中完成代码（假若你会</a:t>
+            </a:r>
+            <a:r>
+              <a:rPr lang="en-US" altLang="zh-CN" dirty="0"/>
+              <a:t>C#</a:t>
+            </a:r>
+            <a:r>
+              <a:rPr lang="zh-CN" altLang="en-US" dirty="0"/>
+              <a:t>语言，否则使用其他语言也可）</a:t>
+            </a:r>
+          </a:p>
+        </p:txBody>
+      </p:sp>
+      <p:sp>
+        <p:nvSpPr>
+          <p:cNvPr id="4" name="文本框 3">
+            <a:extLst>
+              <a:ext uri="{FF2B5EF4-FFF2-40B4-BE49-F238E27FC236}">
+                <a16:creationId xmlns:a16="http://schemas.microsoft.com/office/drawing/2014/main" id="{B27280C4-F3EC-403A-84A5-28566D985F1C}"/>
+              </a:ext>
+            </a:extLst>
+          </p:cNvPr>
+          <p:cNvSpPr txBox="1"/>
+          <p:nvPr/>
+        </p:nvSpPr>
+        <p:spPr>
+          <a:xfrm>
+            <a:off x="457393" y="3310110"/>
+            <a:ext cx="11119920" cy="369332"/>
+          </a:xfrm>
+          <a:prstGeom prst="rect">
+            <a:avLst/>
+          </a:prstGeom>
+          <a:noFill/>
+        </p:spPr>
+        <p:txBody>
+          <a:bodyPr wrap="square" rtlCol="0">
+            <a:spAutoFit/>
+          </a:bodyPr>
+          <a:lstStyle/>
+          <a:p>
+            <a:r>
+              <a:rPr lang="zh-CN" altLang="en-US" dirty="0"/>
+              <a:t>题</a:t>
+            </a:r>
+            <a:r>
+              <a:rPr lang="en-US" altLang="zh-CN" dirty="0"/>
+              <a:t>2</a:t>
+            </a:r>
+            <a:r>
+              <a:rPr lang="zh-CN" altLang="en-US" dirty="0"/>
+              <a:t>：完成</a:t>
+            </a:r>
+            <a:r>
+              <a:rPr lang="en-US" altLang="zh-CN" dirty="0"/>
+              <a:t>LinkedList</a:t>
+            </a:r>
+            <a:r>
+              <a:rPr lang="zh-CN" altLang="en-US" dirty="0"/>
+              <a:t>的所有题目并通过测试代码。</a:t>
+            </a:r>
+          </a:p>
+        </p:txBody>
+      </p:sp>
+      <p:sp>
+        <p:nvSpPr>
+          <p:cNvPr id="5" name="文本框 4">
+            <a:extLst>
+              <a:ext uri="{FF2B5EF4-FFF2-40B4-BE49-F238E27FC236}">
+                <a16:creationId xmlns:a16="http://schemas.microsoft.com/office/drawing/2014/main" id="{89B9E983-AC8B-40A9-BBAC-9EEF356A6785}"/>
+              </a:ext>
+            </a:extLst>
+          </p:cNvPr>
+          <p:cNvSpPr txBox="1"/>
+          <p:nvPr/>
+        </p:nvSpPr>
+        <p:spPr>
+          <a:xfrm>
+            <a:off x="457393" y="1657733"/>
+            <a:ext cx="11119920" cy="369332"/>
+          </a:xfrm>
+          <a:prstGeom prst="rect">
+            <a:avLst/>
+          </a:prstGeom>
+          <a:noFill/>
+        </p:spPr>
+        <p:txBody>
+          <a:bodyPr wrap="square" rtlCol="0">
+            <a:spAutoFit/>
+          </a:bodyPr>
+          <a:lstStyle/>
+          <a:p>
+            <a:r>
+              <a:rPr lang="zh-CN" altLang="en-US" dirty="0"/>
+              <a:t>题</a:t>
+            </a:r>
+            <a:r>
+              <a:rPr lang="en-US" altLang="zh-CN" dirty="0"/>
+              <a:t>1</a:t>
+            </a:r>
+            <a:r>
+              <a:rPr lang="zh-CN" altLang="en-US" dirty="0"/>
+              <a:t>：完成</a:t>
+            </a:r>
+            <a:r>
+              <a:rPr lang="en-US" altLang="zh-CN" dirty="0" err="1"/>
+              <a:t>ArrayList</a:t>
+            </a:r>
+            <a:r>
+              <a:rPr lang="zh-CN" altLang="en-US" dirty="0"/>
+              <a:t>的所有题目并通过测试代码。</a:t>
+            </a:r>
+          </a:p>
+        </p:txBody>
+      </p:sp>
+      <p:sp>
+        <p:nvSpPr>
+          <p:cNvPr id="6" name="文本框 5">
+            <a:extLst>
+              <a:ext uri="{FF2B5EF4-FFF2-40B4-BE49-F238E27FC236}">
+                <a16:creationId xmlns:a16="http://schemas.microsoft.com/office/drawing/2014/main" id="{D0645E24-040B-4F76-A636-1D6F76B7FC16}"/>
+              </a:ext>
+            </a:extLst>
+          </p:cNvPr>
+          <p:cNvSpPr txBox="1"/>
+          <p:nvPr/>
+        </p:nvSpPr>
+        <p:spPr>
+          <a:xfrm>
+            <a:off x="457393" y="4962488"/>
+            <a:ext cx="11119920" cy="369332"/>
+          </a:xfrm>
+          <a:prstGeom prst="rect">
+            <a:avLst/>
+          </a:prstGeom>
+          <a:noFill/>
+        </p:spPr>
+        <p:txBody>
+          <a:bodyPr wrap="square" rtlCol="0">
+            <a:spAutoFit/>
+          </a:bodyPr>
+          <a:lstStyle/>
+          <a:p>
+            <a:r>
+              <a:rPr lang="zh-CN" altLang="en-US" dirty="0"/>
+              <a:t>题</a:t>
+            </a:r>
+            <a:r>
+              <a:rPr lang="en-US" altLang="zh-CN" dirty="0"/>
+              <a:t>3</a:t>
+            </a:r>
+            <a:r>
+              <a:rPr lang="zh-CN" altLang="en-US" dirty="0"/>
+              <a:t>：设计一个系统要求如下，设计一个仓库管理系统，要求</a:t>
+            </a:r>
           </a:p>
         </p:txBody>
       </p:sp>
     </p:spTree>
     <p:extLst>
       <p:ext uri="{BB962C8B-B14F-4D97-AF65-F5344CB8AC3E}">
-        <p14:creationId xmlns:p14="http://schemas.microsoft.com/office/powerpoint/2010/main" val="3845656649"/>
+        <p14:creationId xmlns:p14="http://schemas.microsoft.com/office/powerpoint/2010/main" val="4216549050"/>
       </p:ext>
     </p:extLst>
   </p:cSld>
   <p:clrMapOvr>
     <a:masterClrMapping/>
   </p:clrMapOvr>
-  <mc:AlternateContent xmlns:mc="http://schemas.openxmlformats.org/markup-compatibility/2006" xmlns:p14="http://schemas.microsoft.com/office/powerpoint/2010/main">
-    <mc:Choice Requires="p14">
-      <p:transition spd="slow" p14:dur="2500">
-        <p:checker/>
-      </p:transition>
-    </mc:Choice>
-    <mc:Fallback xmlns="">
-      <p:transition spd="slow">
-        <p:checker/>
-      </p:transition>
-    </mc:Fallback>
-  </mc:AlternateContent>
 </p:sld>
 </file>
 
@@ -24511,6 +24790,315 @@
             <a:spLocks noGrp="1"/>
           </p:cNvSpPr>
           <p:nvPr>
+            <p:ph type="body" sz="quarter" idx="10"/>
+          </p:nvPr>
+        </p:nvSpPr>
+        <p:spPr/>
+        <p:txBody>
+          <a:bodyPr/>
+          <a:lstStyle/>
+          <a:p>
+            <a:r>
+              <a:rPr kumimoji="1" lang="zh-CN" altLang="en-US" dirty="0"/>
+              <a:t>感谢聆听</a:t>
+            </a:r>
+          </a:p>
+        </p:txBody>
+      </p:sp>
+      <p:sp>
+        <p:nvSpPr>
+          <p:cNvPr id="3" name="文本占位符 2"/>
+          <p:cNvSpPr>
+            <a:spLocks noGrp="1"/>
+          </p:cNvSpPr>
+          <p:nvPr>
+            <p:ph type="body" sz="quarter" idx="11"/>
+          </p:nvPr>
+        </p:nvSpPr>
+        <p:spPr/>
+        <p:txBody>
+          <a:bodyPr/>
+          <a:lstStyle/>
+          <a:p>
+            <a:r>
+              <a:rPr kumimoji="1" lang="en-US" altLang="zh-CN" dirty="0"/>
+              <a:t>THANK</a:t>
+            </a:r>
+            <a:r>
+              <a:rPr kumimoji="1" lang="zh-CN" altLang="en-US" dirty="0"/>
+              <a:t> </a:t>
+            </a:r>
+            <a:r>
+              <a:rPr kumimoji="1" lang="en-US" altLang="zh-CN" dirty="0"/>
+              <a:t>YOU</a:t>
+            </a:r>
+            <a:r>
+              <a:rPr kumimoji="1" lang="zh-CN" altLang="en-US" dirty="0"/>
+              <a:t> </a:t>
+            </a:r>
+            <a:r>
+              <a:rPr kumimoji="1" lang="en-US" altLang="zh-CN" dirty="0"/>
+              <a:t>FOR</a:t>
+            </a:r>
+            <a:r>
+              <a:rPr kumimoji="1" lang="zh-CN" altLang="en-US" dirty="0"/>
+              <a:t> </a:t>
+            </a:r>
+            <a:r>
+              <a:rPr kumimoji="1" lang="en-US" altLang="zh-CN" dirty="0"/>
+              <a:t>WATCHING</a:t>
+            </a:r>
+            <a:endParaRPr kumimoji="1" lang="zh-CN" altLang="en-US" dirty="0"/>
+          </a:p>
+        </p:txBody>
+      </p:sp>
+    </p:spTree>
+    <p:extLst>
+      <p:ext uri="{BB962C8B-B14F-4D97-AF65-F5344CB8AC3E}">
+        <p14:creationId xmlns:p14="http://schemas.microsoft.com/office/powerpoint/2010/main" val="708460191"/>
+      </p:ext>
+    </p:extLst>
+  </p:cSld>
+  <p:clrMapOvr>
+    <a:masterClrMapping/>
+  </p:clrMapOvr>
+  <mc:AlternateContent xmlns:mc="http://schemas.openxmlformats.org/markup-compatibility/2006" xmlns:p14="http://schemas.microsoft.com/office/powerpoint/2010/main">
+    <mc:Choice Requires="p14">
+      <p:transition spd="slow" p14:dur="2500">
+        <p:checker/>
+      </p:transition>
+    </mc:Choice>
+    <mc:Fallback xmlns="">
+      <p:transition spd="slow">
+        <p:checker/>
+      </p:transition>
+    </mc:Fallback>
+  </mc:AlternateContent>
+</p:sld>
+</file>
+
+<file path=ppt/slides/slide21.xml><?xml version="1.0" encoding="utf-8"?>
+<p:sld xmlns:a="http://schemas.openxmlformats.org/drawingml/2006/main" xmlns:r="http://schemas.openxmlformats.org/officeDocument/2006/relationships" xmlns:p="http://schemas.openxmlformats.org/presentationml/2006/main">
+  <p:cSld>
+    <p:spTree>
+      <p:nvGrpSpPr>
+        <p:cNvPr id="1" name=""/>
+        <p:cNvGrpSpPr/>
+        <p:nvPr/>
+      </p:nvGrpSpPr>
+      <p:grpSpPr>
+        <a:xfrm>
+          <a:off x="0" y="0"/>
+          <a:ext cx="0" cy="0"/>
+          <a:chOff x="0" y="0"/>
+          <a:chExt cx="0" cy="0"/>
+        </a:xfrm>
+      </p:grpSpPr>
+      <p:sp>
+        <p:nvSpPr>
+          <p:cNvPr id="2" name="文本占位符 1"/>
+          <p:cNvSpPr>
+            <a:spLocks noGrp="1"/>
+          </p:cNvSpPr>
+          <p:nvPr>
+            <p:ph type="body" sz="quarter" idx="12"/>
+          </p:nvPr>
+        </p:nvSpPr>
+        <p:spPr/>
+        <p:txBody>
+          <a:bodyPr/>
+          <a:lstStyle/>
+          <a:p>
+            <a:r>
+              <a:rPr kumimoji="1" lang="en-US" altLang="zh-CN" dirty="0"/>
+              <a:t>02</a:t>
+            </a:r>
+            <a:endParaRPr kumimoji="1" lang="zh-CN" altLang="en-US" dirty="0"/>
+          </a:p>
+        </p:txBody>
+      </p:sp>
+      <p:sp>
+        <p:nvSpPr>
+          <p:cNvPr id="3" name="文本占位符 2"/>
+          <p:cNvSpPr>
+            <a:spLocks noGrp="1"/>
+          </p:cNvSpPr>
+          <p:nvPr>
+            <p:ph type="body" sz="quarter" idx="13"/>
+          </p:nvPr>
+        </p:nvSpPr>
+        <p:spPr/>
+        <p:txBody>
+          <a:bodyPr/>
+          <a:lstStyle/>
+          <a:p>
+            <a:r>
+              <a:rPr kumimoji="1" lang="zh-CN" altLang="en-US" dirty="0"/>
+              <a:t>串</a:t>
+            </a:r>
+          </a:p>
+        </p:txBody>
+      </p:sp>
+    </p:spTree>
+    <p:extLst>
+      <p:ext uri="{BB962C8B-B14F-4D97-AF65-F5344CB8AC3E}">
+        <p14:creationId xmlns:p14="http://schemas.microsoft.com/office/powerpoint/2010/main" val="1987235624"/>
+      </p:ext>
+    </p:extLst>
+  </p:cSld>
+  <p:clrMapOvr>
+    <a:masterClrMapping/>
+  </p:clrMapOvr>
+  <mc:AlternateContent xmlns:mc="http://schemas.openxmlformats.org/markup-compatibility/2006" xmlns:p14="http://schemas.microsoft.com/office/powerpoint/2010/main">
+    <mc:Choice Requires="p14">
+      <p:transition spd="slow" p14:dur="1600">
+        <p:blinds dir="vert"/>
+      </p:transition>
+    </mc:Choice>
+    <mc:Fallback xmlns="">
+      <p:transition spd="slow">
+        <p:blinds dir="vert"/>
+      </p:transition>
+    </mc:Fallback>
+  </mc:AlternateContent>
+</p:sld>
+</file>
+
+<file path=ppt/slides/slide22.xml><?xml version="1.0" encoding="utf-8"?>
+<p:sld xmlns:a="http://schemas.openxmlformats.org/drawingml/2006/main" xmlns:r="http://schemas.openxmlformats.org/officeDocument/2006/relationships" xmlns:p="http://schemas.openxmlformats.org/presentationml/2006/main">
+  <p:cSld>
+    <p:spTree>
+      <p:nvGrpSpPr>
+        <p:cNvPr id="1" name=""/>
+        <p:cNvGrpSpPr/>
+        <p:nvPr/>
+      </p:nvGrpSpPr>
+      <p:grpSpPr>
+        <a:xfrm>
+          <a:off x="0" y="0"/>
+          <a:ext cx="0" cy="0"/>
+          <a:chOff x="0" y="0"/>
+          <a:chExt cx="0" cy="0"/>
+        </a:xfrm>
+      </p:grpSpPr>
+      <p:sp>
+        <p:nvSpPr>
+          <p:cNvPr id="2" name="文本占位符 1"/>
+          <p:cNvSpPr>
+            <a:spLocks noGrp="1"/>
+          </p:cNvSpPr>
+          <p:nvPr>
+            <p:ph type="body" sz="quarter" idx="10"/>
+          </p:nvPr>
+        </p:nvSpPr>
+        <p:spPr/>
+        <p:txBody>
+          <a:bodyPr/>
+          <a:lstStyle/>
+          <a:p>
+            <a:r>
+              <a:rPr kumimoji="1" lang="zh-CN" altLang="en-US" dirty="0"/>
+              <a:t>感谢聆听</a:t>
+            </a:r>
+          </a:p>
+        </p:txBody>
+      </p:sp>
+      <p:sp>
+        <p:nvSpPr>
+          <p:cNvPr id="3" name="文本占位符 2"/>
+          <p:cNvSpPr>
+            <a:spLocks noGrp="1"/>
+          </p:cNvSpPr>
+          <p:nvPr>
+            <p:ph type="body" sz="quarter" idx="11"/>
+          </p:nvPr>
+        </p:nvSpPr>
+        <p:spPr/>
+        <p:txBody>
+          <a:bodyPr/>
+          <a:lstStyle/>
+          <a:p>
+            <a:r>
+              <a:rPr kumimoji="1" lang="en-US" altLang="zh-CN" dirty="0"/>
+              <a:t>THANK</a:t>
+            </a:r>
+            <a:r>
+              <a:rPr kumimoji="1" lang="zh-CN" altLang="en-US" dirty="0"/>
+              <a:t> </a:t>
+            </a:r>
+            <a:r>
+              <a:rPr kumimoji="1" lang="en-US" altLang="zh-CN" dirty="0"/>
+              <a:t>YOU</a:t>
+            </a:r>
+            <a:r>
+              <a:rPr kumimoji="1" lang="zh-CN" altLang="en-US" dirty="0"/>
+              <a:t> </a:t>
+            </a:r>
+            <a:r>
+              <a:rPr kumimoji="1" lang="en-US" altLang="zh-CN" dirty="0"/>
+              <a:t>FOR</a:t>
+            </a:r>
+            <a:r>
+              <a:rPr kumimoji="1" lang="zh-CN" altLang="en-US" dirty="0"/>
+              <a:t> </a:t>
+            </a:r>
+            <a:r>
+              <a:rPr kumimoji="1" lang="en-US" altLang="zh-CN" dirty="0"/>
+              <a:t>WATCHING</a:t>
+            </a:r>
+            <a:endParaRPr kumimoji="1" lang="zh-CN" altLang="en-US" dirty="0"/>
+          </a:p>
+        </p:txBody>
+      </p:sp>
+    </p:spTree>
+    <p:extLst>
+      <p:ext uri="{BB962C8B-B14F-4D97-AF65-F5344CB8AC3E}">
+        <p14:creationId xmlns:p14="http://schemas.microsoft.com/office/powerpoint/2010/main" val="3845656649"/>
+      </p:ext>
+    </p:extLst>
+  </p:cSld>
+  <p:clrMapOvr>
+    <a:masterClrMapping/>
+  </p:clrMapOvr>
+  <mc:AlternateContent xmlns:mc="http://schemas.openxmlformats.org/markup-compatibility/2006" xmlns:p14="http://schemas.microsoft.com/office/powerpoint/2010/main">
+    <mc:Choice Requires="p14">
+      <p:transition spd="slow" p14:dur="2500">
+        <p:checker/>
+      </p:transition>
+    </mc:Choice>
+    <mc:Fallback xmlns="">
+      <p:transition spd="slow">
+        <p:checker/>
+      </p:transition>
+    </mc:Fallback>
+  </mc:AlternateContent>
+</p:sld>
+</file>
+
+<file path=ppt/slides/slide23.xml><?xml version="1.0" encoding="utf-8"?>
+<p:sld xmlns:a="http://schemas.openxmlformats.org/drawingml/2006/main" xmlns:r="http://schemas.openxmlformats.org/officeDocument/2006/relationships" xmlns:p="http://schemas.openxmlformats.org/presentationml/2006/main">
+  <p:cSld>
+    <p:spTree>
+      <p:nvGrpSpPr>
+        <p:cNvPr id="1" name=""/>
+        <p:cNvGrpSpPr/>
+        <p:nvPr/>
+      </p:nvGrpSpPr>
+      <p:grpSpPr>
+        <a:xfrm>
+          <a:off x="0" y="0"/>
+          <a:ext cx="0" cy="0"/>
+          <a:chOff x="0" y="0"/>
+          <a:chExt cx="0" cy="0"/>
+        </a:xfrm>
+      </p:grpSpPr>
+      <p:sp>
+        <p:nvSpPr>
+          <p:cNvPr id="2" name="文本占位符 1"/>
+          <p:cNvSpPr>
+            <a:spLocks noGrp="1"/>
+          </p:cNvSpPr>
+          <p:nvPr>
             <p:ph type="body" sz="quarter" idx="12"/>
           </p:nvPr>
         </p:nvSpPr>
@@ -24574,7 +25162,7 @@
 </p:sld>
 </file>
 
-<file path=ppt/slides/slide21.xml><?xml version="1.0" encoding="utf-8"?>
+<file path=ppt/slides/slide24.xml><?xml version="1.0" encoding="utf-8"?>
 <p:sld xmlns:a="http://schemas.openxmlformats.org/drawingml/2006/main" xmlns:r="http://schemas.openxmlformats.org/officeDocument/2006/relationships" xmlns:p="http://schemas.openxmlformats.org/presentationml/2006/main">
   <p:cSld>
     <p:spTree>
@@ -24685,7 +25273,7 @@
 </p:sld>
 </file>
 
-<file path=ppt/slides/slide22.xml><?xml version="1.0" encoding="utf-8"?>
+<file path=ppt/slides/slide25.xml><?xml version="1.0" encoding="utf-8"?>
 <p:sld xmlns:a="http://schemas.openxmlformats.org/drawingml/2006/main" xmlns:r="http://schemas.openxmlformats.org/officeDocument/2006/relationships" xmlns:p="http://schemas.openxmlformats.org/presentationml/2006/main">
   <p:cSld>
     <p:spTree>
@@ -24772,7 +25360,7 @@
 </p:sld>
 </file>
 
-<file path=ppt/slides/slide23.xml><?xml version="1.0" encoding="utf-8"?>
+<file path=ppt/slides/slide26.xml><?xml version="1.0" encoding="utf-8"?>
 <p:sld xmlns:a="http://schemas.openxmlformats.org/drawingml/2006/main" xmlns:r="http://schemas.openxmlformats.org/officeDocument/2006/relationships" xmlns:p="http://schemas.openxmlformats.org/presentationml/2006/main">
   <p:cSld>
     <p:spTree>
@@ -24883,7 +25471,7 @@
 </p:sld>
 </file>
 
-<file path=ppt/slides/slide24.xml><?xml version="1.0" encoding="utf-8"?>
+<file path=ppt/slides/slide27.xml><?xml version="1.0" encoding="utf-8"?>
 <p:sld xmlns:a="http://schemas.openxmlformats.org/drawingml/2006/main" xmlns:r="http://schemas.openxmlformats.org/officeDocument/2006/relationships" xmlns:p="http://schemas.openxmlformats.org/presentationml/2006/main">
   <p:cSld>
     <p:spTree>
@@ -24970,7 +25558,7 @@
 </p:sld>
 </file>
 
-<file path=ppt/slides/slide25.xml><?xml version="1.0" encoding="utf-8"?>
+<file path=ppt/slides/slide28.xml><?xml version="1.0" encoding="utf-8"?>
 <p:sld xmlns:a="http://schemas.openxmlformats.org/drawingml/2006/main" xmlns:r="http://schemas.openxmlformats.org/officeDocument/2006/relationships" xmlns:p="http://schemas.openxmlformats.org/presentationml/2006/main">
   <p:cSld>
     <p:spTree>
@@ -25081,7 +25669,7 @@
 </p:sld>
 </file>
 
-<file path=ppt/slides/slide26.xml><?xml version="1.0" encoding="utf-8"?>
+<file path=ppt/slides/slide29.xml><?xml version="1.0" encoding="utf-8"?>
 <p:sld xmlns:a="http://schemas.openxmlformats.org/drawingml/2006/main" xmlns:r="http://schemas.openxmlformats.org/officeDocument/2006/relationships" xmlns:p="http://schemas.openxmlformats.org/presentationml/2006/main">
   <p:cSld>
     <p:spTree>
@@ -25168,7 +25756,94 @@
 </p:sld>
 </file>
 
-<file path=ppt/slides/slide27.xml><?xml version="1.0" encoding="utf-8"?>
+<file path=ppt/slides/slide3.xml><?xml version="1.0" encoding="utf-8"?>
+<p:sld xmlns:a="http://schemas.openxmlformats.org/drawingml/2006/main" xmlns:r="http://schemas.openxmlformats.org/officeDocument/2006/relationships" xmlns:p="http://schemas.openxmlformats.org/presentationml/2006/main">
+  <p:cSld>
+    <p:spTree>
+      <p:nvGrpSpPr>
+        <p:cNvPr id="1" name=""/>
+        <p:cNvGrpSpPr/>
+        <p:nvPr/>
+      </p:nvGrpSpPr>
+      <p:grpSpPr>
+        <a:xfrm>
+          <a:off x="0" y="0"/>
+          <a:ext cx="0" cy="0"/>
+          <a:chOff x="0" y="0"/>
+          <a:chExt cx="0" cy="0"/>
+        </a:xfrm>
+      </p:grpSpPr>
+      <p:sp>
+        <p:nvSpPr>
+          <p:cNvPr id="2" name="文本占位符 1"/>
+          <p:cNvSpPr>
+            <a:spLocks noGrp="1"/>
+          </p:cNvSpPr>
+          <p:nvPr>
+            <p:ph type="body" sz="quarter" idx="12"/>
+          </p:nvPr>
+        </p:nvSpPr>
+        <p:spPr/>
+        <p:txBody>
+          <a:bodyPr/>
+          <a:lstStyle/>
+          <a:p>
+            <a:r>
+              <a:rPr kumimoji="1" lang="en-US" altLang="zh-CN" dirty="0"/>
+              <a:t>00</a:t>
+            </a:r>
+            <a:endParaRPr kumimoji="1" lang="zh-CN" altLang="en-US" dirty="0"/>
+          </a:p>
+        </p:txBody>
+      </p:sp>
+      <p:sp>
+        <p:nvSpPr>
+          <p:cNvPr id="3" name="文本占位符 2"/>
+          <p:cNvSpPr>
+            <a:spLocks noGrp="1"/>
+          </p:cNvSpPr>
+          <p:nvPr>
+            <p:ph type="body" sz="quarter" idx="13"/>
+          </p:nvPr>
+        </p:nvSpPr>
+        <p:spPr/>
+        <p:txBody>
+          <a:bodyPr/>
+          <a:lstStyle/>
+          <a:p>
+            <a:r>
+              <a:rPr kumimoji="1" lang="zh-CN" altLang="en-US" dirty="0"/>
+              <a:t>数据结构绪论</a:t>
+            </a:r>
+          </a:p>
+        </p:txBody>
+      </p:sp>
+    </p:spTree>
+    <p:extLst>
+      <p:ext uri="{BB962C8B-B14F-4D97-AF65-F5344CB8AC3E}">
+        <p14:creationId xmlns:p14="http://schemas.microsoft.com/office/powerpoint/2010/main" val="2269904699"/>
+      </p:ext>
+    </p:extLst>
+  </p:cSld>
+  <p:clrMapOvr>
+    <a:masterClrMapping/>
+  </p:clrMapOvr>
+  <mc:AlternateContent xmlns:mc="http://schemas.openxmlformats.org/markup-compatibility/2006" xmlns:p14="http://schemas.microsoft.com/office/powerpoint/2010/main">
+    <mc:Choice Requires="p14">
+      <p:transition spd="slow" p14:dur="1600">
+        <p:blinds dir="vert"/>
+      </p:transition>
+    </mc:Choice>
+    <mc:Fallback xmlns="">
+      <p:transition spd="slow">
+        <p:blinds dir="vert"/>
+      </p:transition>
+    </mc:Fallback>
+  </mc:AlternateContent>
+</p:sld>
+</file>
+
+<file path=ppt/slides/slide30.xml><?xml version="1.0" encoding="utf-8"?>
 <p:sld xmlns:a="http://schemas.openxmlformats.org/drawingml/2006/main" xmlns:r="http://schemas.openxmlformats.org/officeDocument/2006/relationships" xmlns:p="http://schemas.openxmlformats.org/presentationml/2006/main">
   <p:cSld>
     <p:spTree>
@@ -25279,7 +25954,7 @@
 </p:sld>
 </file>
 
-<file path=ppt/slides/slide28.xml><?xml version="1.0" encoding="utf-8"?>
+<file path=ppt/slides/slide31.xml><?xml version="1.0" encoding="utf-8"?>
 <p:sld xmlns:a="http://schemas.openxmlformats.org/drawingml/2006/main" xmlns:r="http://schemas.openxmlformats.org/officeDocument/2006/relationships" xmlns:p="http://schemas.openxmlformats.org/presentationml/2006/main">
   <p:cSld>
     <p:spTree>
@@ -25366,7 +26041,7 @@
 </p:sld>
 </file>
 
-<file path=ppt/slides/slide29.xml><?xml version="1.0" encoding="utf-8"?>
+<file path=ppt/slides/slide32.xml><?xml version="1.0" encoding="utf-8"?>
 <p:sld xmlns:a="http://schemas.openxmlformats.org/drawingml/2006/main" xmlns:r="http://schemas.openxmlformats.org/officeDocument/2006/relationships" xmlns:p="http://schemas.openxmlformats.org/presentationml/2006/main">
   <p:cSld>
     <p:bg>
@@ -25672,7 +26347,7 @@
 </p:sld>
 </file>
 
-<file path=ppt/slides/slide3.xml><?xml version="1.0" encoding="utf-8"?>
+<file path=ppt/slides/slide33.xml><?xml version="1.0" encoding="utf-8"?>
 <p:sld xmlns:a="http://schemas.openxmlformats.org/drawingml/2006/main" xmlns:r="http://schemas.openxmlformats.org/officeDocument/2006/relationships" xmlns:p="http://schemas.openxmlformats.org/presentationml/2006/main">
   <p:cSld>
     <p:spTree>
@@ -25691,7 +26366,13 @@
       </p:grpSpPr>
       <p:sp>
         <p:nvSpPr>
-          <p:cNvPr id="2" name="文本占位符 1"/>
+          <p:cNvPr id="2" name="文本占位符 1">
+            <a:extLst>
+              <a:ext uri="{FF2B5EF4-FFF2-40B4-BE49-F238E27FC236}">
+                <a16:creationId xmlns:a16="http://schemas.microsoft.com/office/drawing/2014/main" id="{BEFA8033-19A0-4C60-A442-0FEA503B8E7F}"/>
+              </a:ext>
+            </a:extLst>
+          </p:cNvPr>
           <p:cNvSpPr>
             <a:spLocks noGrp="1"/>
           </p:cNvSpPr>
@@ -25705,31 +26386,82 @@
           <a:lstStyle/>
           <a:p>
             <a:r>
-              <a:rPr kumimoji="1" lang="en-US" altLang="zh-CN" dirty="0"/>
-              <a:t>00</a:t>
-            </a:r>
-            <a:endParaRPr kumimoji="1" lang="zh-CN" altLang="en-US" dirty="0"/>
-          </a:p>
-        </p:txBody>
-      </p:sp>
-      <p:sp>
-        <p:nvSpPr>
-          <p:cNvPr id="3" name="文本占位符 2"/>
-          <p:cNvSpPr>
-            <a:spLocks noGrp="1"/>
-          </p:cNvSpPr>
-          <p:nvPr>
-            <p:ph type="body" sz="quarter" idx="13"/>
-          </p:nvPr>
-        </p:nvSpPr>
-        <p:spPr/>
-        <p:txBody>
-          <a:bodyPr/>
+              <a:rPr lang="zh-CN" altLang="en-US" dirty="0"/>
+              <a:t>建堆</a:t>
+            </a:r>
+          </a:p>
+        </p:txBody>
+      </p:sp>
+      <p:sp>
+        <p:nvSpPr>
+          <p:cNvPr id="3" name="文本框 2">
+            <a:extLst>
+              <a:ext uri="{FF2B5EF4-FFF2-40B4-BE49-F238E27FC236}">
+                <a16:creationId xmlns:a16="http://schemas.microsoft.com/office/drawing/2014/main" id="{77F9C371-34BF-4D54-99A0-226DA6A380DB}"/>
+              </a:ext>
+            </a:extLst>
+          </p:cNvPr>
+          <p:cNvSpPr txBox="1"/>
+          <p:nvPr/>
+        </p:nvSpPr>
+        <p:spPr>
+          <a:xfrm>
+            <a:off x="696286" y="1031738"/>
+            <a:ext cx="1279517" cy="369332"/>
+          </a:xfrm>
+          <a:prstGeom prst="rect">
+            <a:avLst/>
+          </a:prstGeom>
+          <a:noFill/>
+        </p:spPr>
+        <p:txBody>
+          <a:bodyPr wrap="none" rtlCol="0">
+            <a:spAutoFit/>
+          </a:bodyPr>
           <a:lstStyle/>
           <a:p>
             <a:r>
-              <a:rPr kumimoji="1" lang="zh-CN" altLang="en-US" dirty="0"/>
-              <a:t>数据结构绪论</a:t>
+              <a:rPr lang="en-US" altLang="zh-CN" dirty="0" err="1"/>
+              <a:t>Heapify</a:t>
+            </a:r>
+            <a:r>
+              <a:rPr lang="zh-CN" altLang="en-US" dirty="0"/>
+              <a:t>：</a:t>
+            </a:r>
+          </a:p>
+        </p:txBody>
+      </p:sp>
+      <p:sp>
+        <p:nvSpPr>
+          <p:cNvPr id="4" name="文本框 3">
+            <a:extLst>
+              <a:ext uri="{FF2B5EF4-FFF2-40B4-BE49-F238E27FC236}">
+                <a16:creationId xmlns:a16="http://schemas.microsoft.com/office/drawing/2014/main" id="{19CF1D0E-EB9C-4B3D-B8C5-979A29D3A774}"/>
+              </a:ext>
+            </a:extLst>
+          </p:cNvPr>
+          <p:cNvSpPr txBox="1"/>
+          <p:nvPr/>
+        </p:nvSpPr>
+        <p:spPr>
+          <a:xfrm>
+            <a:off x="7206143" y="1031738"/>
+            <a:ext cx="2492990" cy="369332"/>
+          </a:xfrm>
+          <a:prstGeom prst="rect">
+            <a:avLst/>
+          </a:prstGeom>
+          <a:noFill/>
+        </p:spPr>
+        <p:txBody>
+          <a:bodyPr wrap="none" rtlCol="0">
+            <a:spAutoFit/>
+          </a:bodyPr>
+          <a:lstStyle/>
+          <a:p>
+            <a:r>
+              <a:rPr lang="zh-CN" altLang="en-US" dirty="0"/>
+              <a:t>自底向上的遍历方式：</a:t>
             </a:r>
           </a:p>
         </p:txBody>
@@ -25737,29 +26469,17 @@
     </p:spTree>
     <p:extLst>
       <p:ext uri="{BB962C8B-B14F-4D97-AF65-F5344CB8AC3E}">
-        <p14:creationId xmlns:p14="http://schemas.microsoft.com/office/powerpoint/2010/main" val="2269904699"/>
+        <p14:creationId xmlns:p14="http://schemas.microsoft.com/office/powerpoint/2010/main" val="3153655620"/>
       </p:ext>
     </p:extLst>
   </p:cSld>
   <p:clrMapOvr>
     <a:masterClrMapping/>
   </p:clrMapOvr>
-  <mc:AlternateContent xmlns:mc="http://schemas.openxmlformats.org/markup-compatibility/2006" xmlns:p14="http://schemas.microsoft.com/office/powerpoint/2010/main">
-    <mc:Choice Requires="p14">
-      <p:transition spd="slow" p14:dur="1600">
-        <p:blinds dir="vert"/>
-      </p:transition>
-    </mc:Choice>
-    <mc:Fallback xmlns="">
-      <p:transition spd="slow">
-        <p:blinds dir="vert"/>
-      </p:transition>
-    </mc:Fallback>
-  </mc:AlternateContent>
 </p:sld>
 </file>
 
-<file path=ppt/slides/slide30.xml><?xml version="1.0" encoding="utf-8"?>
+<file path=ppt/slides/slide34.xml><?xml version="1.0" encoding="utf-8"?>
 <p:sld xmlns:a="http://schemas.openxmlformats.org/drawingml/2006/main" xmlns:r="http://schemas.openxmlformats.org/officeDocument/2006/relationships" xmlns:p="http://schemas.openxmlformats.org/presentationml/2006/main">
   <p:cSld>
     <p:spTree>
@@ -25781,7 +26501,7 @@
           <p:cNvPr id="2" name="文本占位符 1">
             <a:extLst>
               <a:ext uri="{FF2B5EF4-FFF2-40B4-BE49-F238E27FC236}">
-                <a16:creationId xmlns:a16="http://schemas.microsoft.com/office/drawing/2014/main" id="{BEFA8033-19A0-4C60-A442-0FEA503B8E7F}"/>
+                <a16:creationId xmlns:a16="http://schemas.microsoft.com/office/drawing/2014/main" id="{B7AF2530-6231-4D56-BC23-4F977F319A3A}"/>
               </a:ext>
             </a:extLst>
           </p:cNvPr>
@@ -25799,81 +26519,7 @@
           <a:p>
             <a:r>
               <a:rPr lang="zh-CN" altLang="en-US" dirty="0"/>
-              <a:t>建堆</a:t>
-            </a:r>
-          </a:p>
-        </p:txBody>
-      </p:sp>
-      <p:sp>
-        <p:nvSpPr>
-          <p:cNvPr id="3" name="文本框 2">
-            <a:extLst>
-              <a:ext uri="{FF2B5EF4-FFF2-40B4-BE49-F238E27FC236}">
-                <a16:creationId xmlns:a16="http://schemas.microsoft.com/office/drawing/2014/main" id="{77F9C371-34BF-4D54-99A0-226DA6A380DB}"/>
-              </a:ext>
-            </a:extLst>
-          </p:cNvPr>
-          <p:cNvSpPr txBox="1"/>
-          <p:nvPr/>
-        </p:nvSpPr>
-        <p:spPr>
-          <a:xfrm>
-            <a:off x="696286" y="1031738"/>
-            <a:ext cx="1279517" cy="369332"/>
-          </a:xfrm>
-          <a:prstGeom prst="rect">
-            <a:avLst/>
-          </a:prstGeom>
-          <a:noFill/>
-        </p:spPr>
-        <p:txBody>
-          <a:bodyPr wrap="none" rtlCol="0">
-            <a:spAutoFit/>
-          </a:bodyPr>
-          <a:lstStyle/>
-          <a:p>
-            <a:r>
-              <a:rPr lang="en-US" altLang="zh-CN" dirty="0" err="1"/>
-              <a:t>Heapify</a:t>
-            </a:r>
-            <a:r>
-              <a:rPr lang="zh-CN" altLang="en-US" dirty="0"/>
-              <a:t>：</a:t>
-            </a:r>
-          </a:p>
-        </p:txBody>
-      </p:sp>
-      <p:sp>
-        <p:nvSpPr>
-          <p:cNvPr id="4" name="文本框 3">
-            <a:extLst>
-              <a:ext uri="{FF2B5EF4-FFF2-40B4-BE49-F238E27FC236}">
-                <a16:creationId xmlns:a16="http://schemas.microsoft.com/office/drawing/2014/main" id="{19CF1D0E-EB9C-4B3D-B8C5-979A29D3A774}"/>
-              </a:ext>
-            </a:extLst>
-          </p:cNvPr>
-          <p:cNvSpPr txBox="1"/>
-          <p:nvPr/>
-        </p:nvSpPr>
-        <p:spPr>
-          <a:xfrm>
-            <a:off x="7206143" y="1031738"/>
-            <a:ext cx="2492990" cy="369332"/>
-          </a:xfrm>
-          <a:prstGeom prst="rect">
-            <a:avLst/>
-          </a:prstGeom>
-          <a:noFill/>
-        </p:spPr>
-        <p:txBody>
-          <a:bodyPr wrap="none" rtlCol="0">
-            <a:spAutoFit/>
-          </a:bodyPr>
-          <a:lstStyle/>
-          <a:p>
-            <a:r>
-              <a:rPr lang="zh-CN" altLang="en-US" dirty="0"/>
-              <a:t>自底向上的遍历方式：</a:t>
+              <a:t>堆排序</a:t>
             </a:r>
           </a:p>
         </p:txBody>
@@ -25881,7 +26527,7 @@
     </p:spTree>
     <p:extLst>
       <p:ext uri="{BB962C8B-B14F-4D97-AF65-F5344CB8AC3E}">
-        <p14:creationId xmlns:p14="http://schemas.microsoft.com/office/powerpoint/2010/main" val="3153655620"/>
+        <p14:creationId xmlns:p14="http://schemas.microsoft.com/office/powerpoint/2010/main" val="4162139435"/>
       </p:ext>
     </p:extLst>
   </p:cSld>
@@ -25891,7 +26537,7 @@
 </p:sld>
 </file>
 
-<file path=ppt/slides/slide31.xml><?xml version="1.0" encoding="utf-8"?>
+<file path=ppt/slides/slide35.xml><?xml version="1.0" encoding="utf-8"?>
 <p:sld xmlns:a="http://schemas.openxmlformats.org/drawingml/2006/main" xmlns:r="http://schemas.openxmlformats.org/officeDocument/2006/relationships" xmlns:p="http://schemas.openxmlformats.org/presentationml/2006/main">
   <p:cSld>
     <p:spTree>
@@ -25913,64 +26559,6 @@
           <p:cNvPr id="2" name="文本占位符 1">
             <a:extLst>
               <a:ext uri="{FF2B5EF4-FFF2-40B4-BE49-F238E27FC236}">
-                <a16:creationId xmlns:a16="http://schemas.microsoft.com/office/drawing/2014/main" id="{B7AF2530-6231-4D56-BC23-4F977F319A3A}"/>
-              </a:ext>
-            </a:extLst>
-          </p:cNvPr>
-          <p:cNvSpPr>
-            <a:spLocks noGrp="1"/>
-          </p:cNvSpPr>
-          <p:nvPr>
-            <p:ph type="body" sz="quarter" idx="12"/>
-          </p:nvPr>
-        </p:nvSpPr>
-        <p:spPr/>
-        <p:txBody>
-          <a:bodyPr/>
-          <a:lstStyle/>
-          <a:p>
-            <a:r>
-              <a:rPr lang="zh-CN" altLang="en-US" dirty="0"/>
-              <a:t>堆排序</a:t>
-            </a:r>
-          </a:p>
-        </p:txBody>
-      </p:sp>
-    </p:spTree>
-    <p:extLst>
-      <p:ext uri="{BB962C8B-B14F-4D97-AF65-F5344CB8AC3E}">
-        <p14:creationId xmlns:p14="http://schemas.microsoft.com/office/powerpoint/2010/main" val="4162139435"/>
-      </p:ext>
-    </p:extLst>
-  </p:cSld>
-  <p:clrMapOvr>
-    <a:masterClrMapping/>
-  </p:clrMapOvr>
-</p:sld>
-</file>
-
-<file path=ppt/slides/slide32.xml><?xml version="1.0" encoding="utf-8"?>
-<p:sld xmlns:a="http://schemas.openxmlformats.org/drawingml/2006/main" xmlns:r="http://schemas.openxmlformats.org/officeDocument/2006/relationships" xmlns:p="http://schemas.openxmlformats.org/presentationml/2006/main">
-  <p:cSld>
-    <p:spTree>
-      <p:nvGrpSpPr>
-        <p:cNvPr id="1" name=""/>
-        <p:cNvGrpSpPr/>
-        <p:nvPr/>
-      </p:nvGrpSpPr>
-      <p:grpSpPr>
-        <a:xfrm>
-          <a:off x="0" y="0"/>
-          <a:ext cx="0" cy="0"/>
-          <a:chOff x="0" y="0"/>
-          <a:chExt cx="0" cy="0"/>
-        </a:xfrm>
-      </p:grpSpPr>
-      <p:sp>
-        <p:nvSpPr>
-          <p:cNvPr id="2" name="文本占位符 1">
-            <a:extLst>
-              <a:ext uri="{FF2B5EF4-FFF2-40B4-BE49-F238E27FC236}">
                 <a16:creationId xmlns:a16="http://schemas.microsoft.com/office/drawing/2014/main" id="{D1A1F7E8-23FB-41A2-8BA0-565EF21F256E}"/>
               </a:ext>
             </a:extLst>
@@ -26008,7 +26596,7 @@
 </p:sld>
 </file>
 
-<file path=ppt/slides/slide33.xml><?xml version="1.0" encoding="utf-8"?>
+<file path=ppt/slides/slide36.xml><?xml version="1.0" encoding="utf-8"?>
 <p:sld xmlns:a="http://schemas.openxmlformats.org/drawingml/2006/main" xmlns:r="http://schemas.openxmlformats.org/officeDocument/2006/relationships" xmlns:p="http://schemas.openxmlformats.org/presentationml/2006/main">
   <p:cSld>
     <p:spTree>
@@ -26119,7 +26707,7 @@
 </p:sld>
 </file>
 
-<file path=ppt/slides/slide34.xml><?xml version="1.0" encoding="utf-8"?>
+<file path=ppt/slides/slide37.xml><?xml version="1.0" encoding="utf-8"?>
 <p:sld xmlns:a="http://schemas.openxmlformats.org/drawingml/2006/main" xmlns:r="http://schemas.openxmlformats.org/officeDocument/2006/relationships" xmlns:p="http://schemas.openxmlformats.org/presentationml/2006/main">
   <p:cSld>
     <p:spTree>
@@ -26206,7 +26794,7 @@
 </p:sld>
 </file>
 
-<file path=ppt/slides/slide35.xml><?xml version="1.0" encoding="utf-8"?>
+<file path=ppt/slides/slide38.xml><?xml version="1.0" encoding="utf-8"?>
 <p:sld xmlns:a="http://schemas.openxmlformats.org/drawingml/2006/main" xmlns:r="http://schemas.openxmlformats.org/officeDocument/2006/relationships" xmlns:p="http://schemas.openxmlformats.org/presentationml/2006/main">
   <p:cSld>
     <p:spTree>
@@ -26317,7 +26905,7 @@
 </p:sld>
 </file>
 
-<file path=ppt/slides/slide36.xml><?xml version="1.0" encoding="utf-8"?>
+<file path=ppt/slides/slide39.xml><?xml version="1.0" encoding="utf-8"?>
 <p:sld xmlns:a="http://schemas.openxmlformats.org/drawingml/2006/main" xmlns:r="http://schemas.openxmlformats.org/officeDocument/2006/relationships" xmlns:p="http://schemas.openxmlformats.org/presentationml/2006/main">
   <p:cSld>
     <p:spTree>
@@ -26404,7 +26992,475 @@
 </p:sld>
 </file>
 
-<file path=ppt/slides/slide37.xml><?xml version="1.0" encoding="utf-8"?>
+<file path=ppt/slides/slide4.xml><?xml version="1.0" encoding="utf-8"?>
+<p:sld xmlns:a="http://schemas.openxmlformats.org/drawingml/2006/main" xmlns:r="http://schemas.openxmlformats.org/officeDocument/2006/relationships" xmlns:p="http://schemas.openxmlformats.org/presentationml/2006/main">
+  <p:cSld>
+    <p:spTree>
+      <p:nvGrpSpPr>
+        <p:cNvPr id="1" name=""/>
+        <p:cNvGrpSpPr/>
+        <p:nvPr/>
+      </p:nvGrpSpPr>
+      <p:grpSpPr>
+        <a:xfrm>
+          <a:off x="0" y="0"/>
+          <a:ext cx="0" cy="0"/>
+          <a:chOff x="0" y="0"/>
+          <a:chExt cx="0" cy="0"/>
+        </a:xfrm>
+      </p:grpSpPr>
+      <p:sp>
+        <p:nvSpPr>
+          <p:cNvPr id="2" name="文本占位符 1">
+            <a:extLst>
+              <a:ext uri="{FF2B5EF4-FFF2-40B4-BE49-F238E27FC236}">
+                <a16:creationId xmlns:a16="http://schemas.microsoft.com/office/drawing/2014/main" id="{D1A1F7E8-23FB-41A2-8BA0-565EF21F256E}"/>
+              </a:ext>
+            </a:extLst>
+          </p:cNvPr>
+          <p:cNvSpPr>
+            <a:spLocks noGrp="1"/>
+          </p:cNvSpPr>
+          <p:nvPr>
+            <p:ph type="body" sz="quarter" idx="12"/>
+          </p:nvPr>
+        </p:nvSpPr>
+        <p:spPr/>
+        <p:txBody>
+          <a:bodyPr/>
+          <a:lstStyle/>
+          <a:p>
+            <a:r>
+              <a:rPr lang="zh-CN" altLang="en-US" dirty="0"/>
+              <a:t>数据结构的概念</a:t>
+            </a:r>
+          </a:p>
+        </p:txBody>
+      </p:sp>
+      <p:sp>
+        <p:nvSpPr>
+          <p:cNvPr id="3" name="文本框 2">
+            <a:extLst>
+              <a:ext uri="{FF2B5EF4-FFF2-40B4-BE49-F238E27FC236}">
+                <a16:creationId xmlns:a16="http://schemas.microsoft.com/office/drawing/2014/main" id="{1BEF2200-2456-48C9-A69E-8D75FA559338}"/>
+              </a:ext>
+            </a:extLst>
+          </p:cNvPr>
+          <p:cNvSpPr txBox="1"/>
+          <p:nvPr/>
+        </p:nvSpPr>
+        <p:spPr>
+          <a:xfrm>
+            <a:off x="809937" y="1166070"/>
+            <a:ext cx="10984984" cy="923330"/>
+          </a:xfrm>
+          <a:prstGeom prst="rect">
+            <a:avLst/>
+          </a:prstGeom>
+          <a:noFill/>
+        </p:spPr>
+        <p:txBody>
+          <a:bodyPr wrap="square" rtlCol="0">
+            <a:spAutoFit/>
+          </a:bodyPr>
+          <a:lstStyle/>
+          <a:p>
+            <a:r>
+              <a:rPr lang="zh-CN" altLang="en-US" b="0" dirty="0">
+                <a:solidFill>
+                  <a:srgbClr val="555555"/>
+                </a:solidFill>
+                <a:effectLst/>
+                <a:latin typeface="PingFang SC"/>
+              </a:rPr>
+              <a:t>定义：数据结构就是研究数据的</a:t>
+            </a:r>
+            <a:r>
+              <a:rPr lang="zh-CN" altLang="en-US" b="1" dirty="0">
+                <a:solidFill>
+                  <a:srgbClr val="555555"/>
+                </a:solidFill>
+                <a:effectLst/>
+                <a:latin typeface="PingFang SC"/>
+              </a:rPr>
+              <a:t>逻辑结构</a:t>
+            </a:r>
+            <a:r>
+              <a:rPr lang="zh-CN" altLang="en-US" b="0" dirty="0">
+                <a:solidFill>
+                  <a:srgbClr val="555555"/>
+                </a:solidFill>
+                <a:effectLst/>
+                <a:latin typeface="PingFang SC"/>
+              </a:rPr>
+              <a:t>和</a:t>
+            </a:r>
+            <a:r>
+              <a:rPr lang="zh-CN" altLang="en-US" b="1" dirty="0">
+                <a:solidFill>
+                  <a:srgbClr val="555555"/>
+                </a:solidFill>
+                <a:effectLst/>
+                <a:latin typeface="PingFang SC"/>
+              </a:rPr>
+              <a:t>物理结构</a:t>
+            </a:r>
+            <a:r>
+              <a:rPr lang="zh-CN" altLang="en-US" b="0" dirty="0">
+                <a:solidFill>
+                  <a:srgbClr val="555555"/>
+                </a:solidFill>
+                <a:effectLst/>
+                <a:latin typeface="PingFang SC"/>
+              </a:rPr>
+              <a:t>以及它们之间</a:t>
+            </a:r>
+            <a:r>
+              <a:rPr lang="zh-CN" altLang="en-US" b="1" dirty="0">
+                <a:solidFill>
+                  <a:srgbClr val="555555"/>
+                </a:solidFill>
+                <a:effectLst/>
+                <a:latin typeface="PingFang SC"/>
+              </a:rPr>
+              <a:t>相互关系</a:t>
+            </a:r>
+            <a:r>
+              <a:rPr lang="zh-CN" altLang="en-US" b="0" dirty="0">
+                <a:solidFill>
+                  <a:srgbClr val="555555"/>
+                </a:solidFill>
+                <a:effectLst/>
+                <a:latin typeface="PingFang SC"/>
+              </a:rPr>
+              <a:t>，并对这种结构定义相应的运算，</a:t>
+            </a:r>
+            <a:endParaRPr lang="en-US" altLang="zh-CN" b="0" dirty="0">
+              <a:solidFill>
+                <a:srgbClr val="555555"/>
+              </a:solidFill>
+              <a:effectLst/>
+              <a:latin typeface="PingFang SC"/>
+            </a:endParaRPr>
+          </a:p>
+          <a:p>
+            <a:r>
+              <a:rPr lang="zh-CN" altLang="en-US" b="0" dirty="0">
+                <a:solidFill>
+                  <a:srgbClr val="555555"/>
+                </a:solidFill>
+                <a:effectLst/>
+                <a:latin typeface="PingFang SC"/>
+              </a:rPr>
+              <a:t>             而且确保经过这些运算后所得到的新结构仍然是原来的结构类型。直白地说，就是研究数据的存储方</a:t>
+            </a:r>
+            <a:endParaRPr lang="en-US" altLang="zh-CN" b="0" dirty="0">
+              <a:solidFill>
+                <a:srgbClr val="555555"/>
+              </a:solidFill>
+              <a:effectLst/>
+              <a:latin typeface="PingFang SC"/>
+            </a:endParaRPr>
+          </a:p>
+          <a:p>
+            <a:r>
+              <a:rPr lang="zh-CN" altLang="en-US" dirty="0">
+                <a:solidFill>
+                  <a:srgbClr val="555555"/>
+                </a:solidFill>
+                <a:latin typeface="PingFang SC"/>
+              </a:rPr>
+              <a:t>             式。</a:t>
+            </a:r>
+            <a:endParaRPr lang="zh-CN" altLang="en-US" dirty="0"/>
+          </a:p>
+        </p:txBody>
+      </p:sp>
+      <p:sp>
+        <p:nvSpPr>
+          <p:cNvPr id="5" name="文本框 4">
+            <a:extLst>
+              <a:ext uri="{FF2B5EF4-FFF2-40B4-BE49-F238E27FC236}">
+                <a16:creationId xmlns:a16="http://schemas.microsoft.com/office/drawing/2014/main" id="{3D5ACB31-3DDC-41E5-AE67-12C7FE96E668}"/>
+              </a:ext>
+            </a:extLst>
+          </p:cNvPr>
+          <p:cNvSpPr txBox="1"/>
+          <p:nvPr/>
+        </p:nvSpPr>
+        <p:spPr>
+          <a:xfrm>
+            <a:off x="809937" y="2567164"/>
+            <a:ext cx="10984985" cy="646331"/>
+          </a:xfrm>
+          <a:prstGeom prst="rect">
+            <a:avLst/>
+          </a:prstGeom>
+          <a:noFill/>
+        </p:spPr>
+        <p:txBody>
+          <a:bodyPr wrap="square">
+            <a:spAutoFit/>
+          </a:bodyPr>
+          <a:lstStyle/>
+          <a:p>
+            <a:r>
+              <a:rPr lang="en-US" altLang="zh-CN" b="0" i="0" dirty="0">
+                <a:solidFill>
+                  <a:srgbClr val="666666"/>
+                </a:solidFill>
+                <a:effectLst/>
+                <a:latin typeface="Arial" panose="020B0604020202020204" pitchFamily="34" charset="0"/>
+              </a:rPr>
+              <a:t>Niklaus Wirth</a:t>
+            </a:r>
+            <a:r>
+              <a:rPr lang="zh-CN" altLang="en-US" dirty="0">
+                <a:solidFill>
+                  <a:srgbClr val="666666"/>
+                </a:solidFill>
+                <a:latin typeface="Arial" panose="020B0604020202020204" pitchFamily="34" charset="0"/>
+              </a:rPr>
+              <a:t>有一句著名的话：</a:t>
+            </a:r>
+            <a:r>
+              <a:rPr lang="en-US" altLang="zh-CN" b="1" i="0" dirty="0">
+                <a:solidFill>
+                  <a:srgbClr val="333333"/>
+                </a:solidFill>
+                <a:effectLst/>
+                <a:latin typeface="arial" panose="020B0604020202020204" pitchFamily="34" charset="0"/>
+              </a:rPr>
+              <a:t>Algorithm + Data</a:t>
+            </a:r>
+            <a:r>
+              <a:rPr lang="en-US" altLang="zh-CN" b="1" dirty="0">
+                <a:solidFill>
+                  <a:srgbClr val="333333"/>
+                </a:solidFill>
+                <a:latin typeface="arial" panose="020B0604020202020204" pitchFamily="34" charset="0"/>
+              </a:rPr>
+              <a:t> </a:t>
+            </a:r>
+            <a:r>
+              <a:rPr lang="en-US" altLang="zh-CN" b="1" i="0" dirty="0">
+                <a:solidFill>
+                  <a:srgbClr val="333333"/>
+                </a:solidFill>
+                <a:effectLst/>
+                <a:latin typeface="arial" panose="020B0604020202020204" pitchFamily="34" charset="0"/>
+              </a:rPr>
+              <a:t>Structures=Programs</a:t>
+            </a:r>
+            <a:r>
+              <a:rPr lang="zh-CN" altLang="en-US" b="0" i="0" dirty="0">
+                <a:solidFill>
+                  <a:srgbClr val="666666"/>
+                </a:solidFill>
+                <a:effectLst/>
+                <a:latin typeface="Arial" panose="020B0604020202020204" pitchFamily="34" charset="0"/>
+              </a:rPr>
+              <a:t>，从此句话我们就可以知道数据结构的重要性。</a:t>
+            </a:r>
+            <a:endParaRPr lang="zh-CN" altLang="en-US" dirty="0"/>
+          </a:p>
+        </p:txBody>
+      </p:sp>
+      <p:sp>
+        <p:nvSpPr>
+          <p:cNvPr id="6" name="文本框 5">
+            <a:extLst>
+              <a:ext uri="{FF2B5EF4-FFF2-40B4-BE49-F238E27FC236}">
+                <a16:creationId xmlns:a16="http://schemas.microsoft.com/office/drawing/2014/main" id="{F87BFB2D-245C-4EDE-B518-A9DDF50DE065}"/>
+              </a:ext>
+            </a:extLst>
+          </p:cNvPr>
+          <p:cNvSpPr txBox="1"/>
+          <p:nvPr/>
+        </p:nvSpPr>
+        <p:spPr>
+          <a:xfrm>
+            <a:off x="809936" y="3833275"/>
+            <a:ext cx="10984985" cy="1754326"/>
+          </a:xfrm>
+          <a:prstGeom prst="rect">
+            <a:avLst/>
+          </a:prstGeom>
+          <a:noFill/>
+        </p:spPr>
+        <p:txBody>
+          <a:bodyPr wrap="square">
+            <a:spAutoFit/>
+          </a:bodyPr>
+          <a:lstStyle/>
+          <a:p>
+            <a:r>
+              <a:rPr lang="zh-CN" altLang="en-US" dirty="0">
+                <a:solidFill>
+                  <a:srgbClr val="666666"/>
+                </a:solidFill>
+                <a:latin typeface="+mn-ea"/>
+              </a:rPr>
+              <a:t>数据结构的意义：若只是存储</a:t>
+            </a:r>
+            <a:r>
+              <a:rPr lang="en-US" altLang="zh-CN" dirty="0">
+                <a:solidFill>
+                  <a:srgbClr val="666666"/>
+                </a:solidFill>
+                <a:latin typeface="+mn-ea"/>
+              </a:rPr>
+              <a:t>{1</a:t>
+            </a:r>
+            <a:r>
+              <a:rPr lang="zh-CN" altLang="en-US" dirty="0">
+                <a:solidFill>
+                  <a:srgbClr val="666666"/>
+                </a:solidFill>
+                <a:latin typeface="+mn-ea"/>
+              </a:rPr>
+              <a:t>，</a:t>
+            </a:r>
+            <a:r>
+              <a:rPr lang="en-US" altLang="zh-CN" dirty="0">
+                <a:solidFill>
+                  <a:srgbClr val="666666"/>
+                </a:solidFill>
+                <a:latin typeface="+mn-ea"/>
+              </a:rPr>
+              <a:t>2.5</a:t>
+            </a:r>
+            <a:r>
+              <a:rPr lang="zh-CN" altLang="en-US" dirty="0">
+                <a:solidFill>
+                  <a:srgbClr val="666666"/>
+                </a:solidFill>
+                <a:latin typeface="+mn-ea"/>
+              </a:rPr>
+              <a:t>，</a:t>
+            </a:r>
+            <a:r>
+              <a:rPr lang="en-US" altLang="zh-CN" dirty="0">
+                <a:solidFill>
+                  <a:srgbClr val="666666"/>
+                </a:solidFill>
+                <a:latin typeface="+mn-ea"/>
+              </a:rPr>
+              <a:t>”Hello World”}</a:t>
+            </a:r>
+            <a:r>
+              <a:rPr lang="zh-CN" altLang="en-US" dirty="0">
+                <a:solidFill>
+                  <a:srgbClr val="666666"/>
+                </a:solidFill>
+                <a:latin typeface="+mn-ea"/>
+              </a:rPr>
+              <a:t>之类的数据，我们显然可以使用</a:t>
+            </a:r>
+            <a:r>
+              <a:rPr lang="en-US" altLang="zh-CN" dirty="0">
+                <a:solidFill>
+                  <a:srgbClr val="666666"/>
+                </a:solidFill>
+                <a:latin typeface="+mn-ea"/>
+              </a:rPr>
+              <a:t>int</a:t>
+            </a:r>
+            <a:r>
+              <a:rPr lang="zh-CN" altLang="en-US" dirty="0">
+                <a:solidFill>
+                  <a:srgbClr val="666666"/>
+                </a:solidFill>
+                <a:latin typeface="+mn-ea"/>
+              </a:rPr>
+              <a:t>，</a:t>
+            </a:r>
+            <a:r>
+              <a:rPr lang="en-US" altLang="zh-CN" dirty="0">
+                <a:solidFill>
+                  <a:srgbClr val="666666"/>
+                </a:solidFill>
+                <a:latin typeface="+mn-ea"/>
+              </a:rPr>
+              <a:t>string</a:t>
+            </a:r>
+            <a:r>
+              <a:rPr lang="zh-CN" altLang="en-US" dirty="0">
+                <a:solidFill>
+                  <a:srgbClr val="666666"/>
+                </a:solidFill>
+                <a:latin typeface="+mn-ea"/>
+              </a:rPr>
+              <a:t>等进行存储，假设有那么一组数据，我需要存储老师和学生的姓名，同时学生和老师有一定的对应关系，</a:t>
+            </a:r>
+            <a:r>
+              <a:rPr lang="zh-CN" altLang="en-US" b="0" i="0" dirty="0">
+                <a:solidFill>
+                  <a:srgbClr val="444444"/>
+                </a:solidFill>
+                <a:effectLst/>
+                <a:latin typeface="Helvetica Neue"/>
+              </a:rPr>
+              <a:t>用数组存储所有的姓名，</a:t>
+            </a:r>
+            <a:r>
+              <a:rPr lang="zh-CN" altLang="en-US" b="0" i="0" dirty="0">
+                <a:solidFill>
+                  <a:srgbClr val="444444"/>
+                </a:solidFill>
+                <a:effectLst/>
+                <a:latin typeface="+mn-ea"/>
+              </a:rPr>
+              <a:t>数据存储是没有问题，但是无法体现数据之间的逻辑关系，后期根本无法使用，显然不明智。</a:t>
+            </a:r>
+            <a:endParaRPr lang="en-US" altLang="zh-CN" b="0" i="0" dirty="0">
+              <a:solidFill>
+                <a:srgbClr val="444444"/>
+              </a:solidFill>
+              <a:effectLst/>
+              <a:latin typeface="+mn-ea"/>
+            </a:endParaRPr>
+          </a:p>
+          <a:p>
+            <a:r>
+              <a:rPr lang="zh-CN" altLang="en-US" dirty="0">
+                <a:solidFill>
+                  <a:srgbClr val="444444"/>
+                </a:solidFill>
+                <a:latin typeface="+mn-ea"/>
+              </a:rPr>
+              <a:t>又或者是存储地图上的各个点，</a:t>
+            </a:r>
+            <a:r>
+              <a:rPr lang="zh-CN" altLang="en-US" b="0" i="0" dirty="0">
+                <a:solidFill>
+                  <a:srgbClr val="444444"/>
+                </a:solidFill>
+                <a:effectLst/>
+                <a:latin typeface="Helvetica Neue"/>
+              </a:rPr>
+              <a:t>很明显，这些数据绝不是使用变量或数组进行存储的，那样对于数据的使用简直是个悲剧。因此数据结构就是专门处理这个问题而存在的</a:t>
+            </a:r>
+            <a:endParaRPr lang="zh-CN" altLang="en-US" dirty="0">
+              <a:latin typeface="+mn-ea"/>
+            </a:endParaRPr>
+          </a:p>
+        </p:txBody>
+      </p:sp>
+    </p:spTree>
+    <p:extLst>
+      <p:ext uri="{BB962C8B-B14F-4D97-AF65-F5344CB8AC3E}">
+        <p14:creationId xmlns:p14="http://schemas.microsoft.com/office/powerpoint/2010/main" val="3775380674"/>
+      </p:ext>
+    </p:extLst>
+  </p:cSld>
+  <p:clrMapOvr>
+    <a:masterClrMapping/>
+  </p:clrMapOvr>
+</p:sld>
+</file>
+
+<file path=ppt/slides/slide40.xml><?xml version="1.0" encoding="utf-8"?>
 <p:sld xmlns:a="http://schemas.openxmlformats.org/drawingml/2006/main" xmlns:r="http://schemas.openxmlformats.org/officeDocument/2006/relationships" xmlns:p="http://schemas.openxmlformats.org/presentationml/2006/main">
   <p:cSld>
     <p:spTree>
@@ -26512,474 +27568,6 @@
       </p:transition>
     </mc:Fallback>
   </mc:AlternateContent>
-</p:sld>
-</file>
-
-<file path=ppt/slides/slide4.xml><?xml version="1.0" encoding="utf-8"?>
-<p:sld xmlns:a="http://schemas.openxmlformats.org/drawingml/2006/main" xmlns:r="http://schemas.openxmlformats.org/officeDocument/2006/relationships" xmlns:p="http://schemas.openxmlformats.org/presentationml/2006/main">
-  <p:cSld>
-    <p:spTree>
-      <p:nvGrpSpPr>
-        <p:cNvPr id="1" name=""/>
-        <p:cNvGrpSpPr/>
-        <p:nvPr/>
-      </p:nvGrpSpPr>
-      <p:grpSpPr>
-        <a:xfrm>
-          <a:off x="0" y="0"/>
-          <a:ext cx="0" cy="0"/>
-          <a:chOff x="0" y="0"/>
-          <a:chExt cx="0" cy="0"/>
-        </a:xfrm>
-      </p:grpSpPr>
-      <p:sp>
-        <p:nvSpPr>
-          <p:cNvPr id="2" name="文本占位符 1">
-            <a:extLst>
-              <a:ext uri="{FF2B5EF4-FFF2-40B4-BE49-F238E27FC236}">
-                <a16:creationId xmlns:a16="http://schemas.microsoft.com/office/drawing/2014/main" id="{D1A1F7E8-23FB-41A2-8BA0-565EF21F256E}"/>
-              </a:ext>
-            </a:extLst>
-          </p:cNvPr>
-          <p:cNvSpPr>
-            <a:spLocks noGrp="1"/>
-          </p:cNvSpPr>
-          <p:nvPr>
-            <p:ph type="body" sz="quarter" idx="12"/>
-          </p:nvPr>
-        </p:nvSpPr>
-        <p:spPr/>
-        <p:txBody>
-          <a:bodyPr/>
-          <a:lstStyle/>
-          <a:p>
-            <a:r>
-              <a:rPr lang="zh-CN" altLang="en-US" dirty="0"/>
-              <a:t>数据结构的概念</a:t>
-            </a:r>
-          </a:p>
-        </p:txBody>
-      </p:sp>
-      <p:sp>
-        <p:nvSpPr>
-          <p:cNvPr id="3" name="文本框 2">
-            <a:extLst>
-              <a:ext uri="{FF2B5EF4-FFF2-40B4-BE49-F238E27FC236}">
-                <a16:creationId xmlns:a16="http://schemas.microsoft.com/office/drawing/2014/main" id="{1BEF2200-2456-48C9-A69E-8D75FA559338}"/>
-              </a:ext>
-            </a:extLst>
-          </p:cNvPr>
-          <p:cNvSpPr txBox="1"/>
-          <p:nvPr/>
-        </p:nvSpPr>
-        <p:spPr>
-          <a:xfrm>
-            <a:off x="809937" y="1166070"/>
-            <a:ext cx="10984984" cy="923330"/>
-          </a:xfrm>
-          <a:prstGeom prst="rect">
-            <a:avLst/>
-          </a:prstGeom>
-          <a:noFill/>
-        </p:spPr>
-        <p:txBody>
-          <a:bodyPr wrap="square" rtlCol="0">
-            <a:spAutoFit/>
-          </a:bodyPr>
-          <a:lstStyle/>
-          <a:p>
-            <a:r>
-              <a:rPr lang="zh-CN" altLang="en-US" b="0" dirty="0">
-                <a:solidFill>
-                  <a:srgbClr val="555555"/>
-                </a:solidFill>
-                <a:effectLst/>
-                <a:latin typeface="PingFang SC"/>
-              </a:rPr>
-              <a:t>定义：数据结构就是研究数据的</a:t>
-            </a:r>
-            <a:r>
-              <a:rPr lang="zh-CN" altLang="en-US" b="1" dirty="0">
-                <a:solidFill>
-                  <a:srgbClr val="555555"/>
-                </a:solidFill>
-                <a:effectLst/>
-                <a:latin typeface="PingFang SC"/>
-              </a:rPr>
-              <a:t>逻辑结构</a:t>
-            </a:r>
-            <a:r>
-              <a:rPr lang="zh-CN" altLang="en-US" b="0" dirty="0">
-                <a:solidFill>
-                  <a:srgbClr val="555555"/>
-                </a:solidFill>
-                <a:effectLst/>
-                <a:latin typeface="PingFang SC"/>
-              </a:rPr>
-              <a:t>和</a:t>
-            </a:r>
-            <a:r>
-              <a:rPr lang="zh-CN" altLang="en-US" b="1" dirty="0">
-                <a:solidFill>
-                  <a:srgbClr val="555555"/>
-                </a:solidFill>
-                <a:effectLst/>
-                <a:latin typeface="PingFang SC"/>
-              </a:rPr>
-              <a:t>物理结构</a:t>
-            </a:r>
-            <a:r>
-              <a:rPr lang="zh-CN" altLang="en-US" b="0" dirty="0">
-                <a:solidFill>
-                  <a:srgbClr val="555555"/>
-                </a:solidFill>
-                <a:effectLst/>
-                <a:latin typeface="PingFang SC"/>
-              </a:rPr>
-              <a:t>以及它们之间</a:t>
-            </a:r>
-            <a:r>
-              <a:rPr lang="zh-CN" altLang="en-US" b="1" dirty="0">
-                <a:solidFill>
-                  <a:srgbClr val="555555"/>
-                </a:solidFill>
-                <a:effectLst/>
-                <a:latin typeface="PingFang SC"/>
-              </a:rPr>
-              <a:t>相互关系</a:t>
-            </a:r>
-            <a:r>
-              <a:rPr lang="zh-CN" altLang="en-US" b="0" dirty="0">
-                <a:solidFill>
-                  <a:srgbClr val="555555"/>
-                </a:solidFill>
-                <a:effectLst/>
-                <a:latin typeface="PingFang SC"/>
-              </a:rPr>
-              <a:t>，并对这种结构定义相应的运算，</a:t>
-            </a:r>
-            <a:endParaRPr lang="en-US" altLang="zh-CN" b="0" dirty="0">
-              <a:solidFill>
-                <a:srgbClr val="555555"/>
-              </a:solidFill>
-              <a:effectLst/>
-              <a:latin typeface="PingFang SC"/>
-            </a:endParaRPr>
-          </a:p>
-          <a:p>
-            <a:r>
-              <a:rPr lang="zh-CN" altLang="en-US" b="0" dirty="0">
-                <a:solidFill>
-                  <a:srgbClr val="555555"/>
-                </a:solidFill>
-                <a:effectLst/>
-                <a:latin typeface="PingFang SC"/>
-              </a:rPr>
-              <a:t>             而且确保经过这些运算后所得到的新结构仍然是原来的结构类型。直白地说，就是研究数据的存储方</a:t>
-            </a:r>
-            <a:endParaRPr lang="en-US" altLang="zh-CN" b="0" dirty="0">
-              <a:solidFill>
-                <a:srgbClr val="555555"/>
-              </a:solidFill>
-              <a:effectLst/>
-              <a:latin typeface="PingFang SC"/>
-            </a:endParaRPr>
-          </a:p>
-          <a:p>
-            <a:r>
-              <a:rPr lang="zh-CN" altLang="en-US" dirty="0">
-                <a:solidFill>
-                  <a:srgbClr val="555555"/>
-                </a:solidFill>
-                <a:latin typeface="PingFang SC"/>
-              </a:rPr>
-              <a:t>             式。</a:t>
-            </a:r>
-            <a:endParaRPr lang="zh-CN" altLang="en-US" dirty="0"/>
-          </a:p>
-        </p:txBody>
-      </p:sp>
-      <p:sp>
-        <p:nvSpPr>
-          <p:cNvPr id="5" name="文本框 4">
-            <a:extLst>
-              <a:ext uri="{FF2B5EF4-FFF2-40B4-BE49-F238E27FC236}">
-                <a16:creationId xmlns:a16="http://schemas.microsoft.com/office/drawing/2014/main" id="{3D5ACB31-3DDC-41E5-AE67-12C7FE96E668}"/>
-              </a:ext>
-            </a:extLst>
-          </p:cNvPr>
-          <p:cNvSpPr txBox="1"/>
-          <p:nvPr/>
-        </p:nvSpPr>
-        <p:spPr>
-          <a:xfrm>
-            <a:off x="809937" y="2567164"/>
-            <a:ext cx="10984985" cy="646331"/>
-          </a:xfrm>
-          <a:prstGeom prst="rect">
-            <a:avLst/>
-          </a:prstGeom>
-          <a:noFill/>
-        </p:spPr>
-        <p:txBody>
-          <a:bodyPr wrap="square">
-            <a:spAutoFit/>
-          </a:bodyPr>
-          <a:lstStyle/>
-          <a:p>
-            <a:r>
-              <a:rPr lang="en-US" altLang="zh-CN" b="0" i="0" dirty="0">
-                <a:solidFill>
-                  <a:srgbClr val="666666"/>
-                </a:solidFill>
-                <a:effectLst/>
-                <a:latin typeface="Arial" panose="020B0604020202020204" pitchFamily="34" charset="0"/>
-              </a:rPr>
-              <a:t>Niklaus Wirth</a:t>
-            </a:r>
-            <a:r>
-              <a:rPr lang="zh-CN" altLang="en-US" dirty="0">
-                <a:solidFill>
-                  <a:srgbClr val="666666"/>
-                </a:solidFill>
-                <a:latin typeface="Arial" panose="020B0604020202020204" pitchFamily="34" charset="0"/>
-              </a:rPr>
-              <a:t>有一句著名的话：</a:t>
-            </a:r>
-            <a:r>
-              <a:rPr lang="en-US" altLang="zh-CN" b="1" i="0" dirty="0">
-                <a:solidFill>
-                  <a:srgbClr val="333333"/>
-                </a:solidFill>
-                <a:effectLst/>
-                <a:latin typeface="arial" panose="020B0604020202020204" pitchFamily="34" charset="0"/>
-              </a:rPr>
-              <a:t>Algorithm + Data</a:t>
-            </a:r>
-            <a:r>
-              <a:rPr lang="en-US" altLang="zh-CN" b="1" dirty="0">
-                <a:solidFill>
-                  <a:srgbClr val="333333"/>
-                </a:solidFill>
-                <a:latin typeface="arial" panose="020B0604020202020204" pitchFamily="34" charset="0"/>
-              </a:rPr>
-              <a:t> </a:t>
-            </a:r>
-            <a:r>
-              <a:rPr lang="en-US" altLang="zh-CN" b="1" i="0" dirty="0">
-                <a:solidFill>
-                  <a:srgbClr val="333333"/>
-                </a:solidFill>
-                <a:effectLst/>
-                <a:latin typeface="arial" panose="020B0604020202020204" pitchFamily="34" charset="0"/>
-              </a:rPr>
-              <a:t>Structures=Programs</a:t>
-            </a:r>
-            <a:r>
-              <a:rPr lang="zh-CN" altLang="en-US" b="0" i="0" dirty="0">
-                <a:solidFill>
-                  <a:srgbClr val="666666"/>
-                </a:solidFill>
-                <a:effectLst/>
-                <a:latin typeface="Arial" panose="020B0604020202020204" pitchFamily="34" charset="0"/>
-              </a:rPr>
-              <a:t>，从此句话我们就可以知道数据结构的重要性。</a:t>
-            </a:r>
-            <a:endParaRPr lang="zh-CN" altLang="en-US" dirty="0"/>
-          </a:p>
-        </p:txBody>
-      </p:sp>
-      <p:sp>
-        <p:nvSpPr>
-          <p:cNvPr id="6" name="文本框 5">
-            <a:extLst>
-              <a:ext uri="{FF2B5EF4-FFF2-40B4-BE49-F238E27FC236}">
-                <a16:creationId xmlns:a16="http://schemas.microsoft.com/office/drawing/2014/main" id="{F87BFB2D-245C-4EDE-B518-A9DDF50DE065}"/>
-              </a:ext>
-            </a:extLst>
-          </p:cNvPr>
-          <p:cNvSpPr txBox="1"/>
-          <p:nvPr/>
-        </p:nvSpPr>
-        <p:spPr>
-          <a:xfrm>
-            <a:off x="809936" y="3833275"/>
-            <a:ext cx="10984985" cy="1754326"/>
-          </a:xfrm>
-          <a:prstGeom prst="rect">
-            <a:avLst/>
-          </a:prstGeom>
-          <a:noFill/>
-        </p:spPr>
-        <p:txBody>
-          <a:bodyPr wrap="square">
-            <a:spAutoFit/>
-          </a:bodyPr>
-          <a:lstStyle/>
-          <a:p>
-            <a:r>
-              <a:rPr lang="zh-CN" altLang="en-US" dirty="0">
-                <a:solidFill>
-                  <a:srgbClr val="666666"/>
-                </a:solidFill>
-                <a:latin typeface="+mn-ea"/>
-              </a:rPr>
-              <a:t>数据结构的意义：若只是存储</a:t>
-            </a:r>
-            <a:r>
-              <a:rPr lang="en-US" altLang="zh-CN" dirty="0">
-                <a:solidFill>
-                  <a:srgbClr val="666666"/>
-                </a:solidFill>
-                <a:latin typeface="+mn-ea"/>
-              </a:rPr>
-              <a:t>{1</a:t>
-            </a:r>
-            <a:r>
-              <a:rPr lang="zh-CN" altLang="en-US" dirty="0">
-                <a:solidFill>
-                  <a:srgbClr val="666666"/>
-                </a:solidFill>
-                <a:latin typeface="+mn-ea"/>
-              </a:rPr>
-              <a:t>，</a:t>
-            </a:r>
-            <a:r>
-              <a:rPr lang="en-US" altLang="zh-CN" dirty="0">
-                <a:solidFill>
-                  <a:srgbClr val="666666"/>
-                </a:solidFill>
-                <a:latin typeface="+mn-ea"/>
-              </a:rPr>
-              <a:t>2.5</a:t>
-            </a:r>
-            <a:r>
-              <a:rPr lang="zh-CN" altLang="en-US" dirty="0">
-                <a:solidFill>
-                  <a:srgbClr val="666666"/>
-                </a:solidFill>
-                <a:latin typeface="+mn-ea"/>
-              </a:rPr>
-              <a:t>，</a:t>
-            </a:r>
-            <a:r>
-              <a:rPr lang="en-US" altLang="zh-CN" dirty="0">
-                <a:solidFill>
-                  <a:srgbClr val="666666"/>
-                </a:solidFill>
-                <a:latin typeface="+mn-ea"/>
-              </a:rPr>
-              <a:t>”Hello World”}</a:t>
-            </a:r>
-            <a:r>
-              <a:rPr lang="zh-CN" altLang="en-US" dirty="0">
-                <a:solidFill>
-                  <a:srgbClr val="666666"/>
-                </a:solidFill>
-                <a:latin typeface="+mn-ea"/>
-              </a:rPr>
-              <a:t>之类的数据，我们显然可以使用</a:t>
-            </a:r>
-            <a:r>
-              <a:rPr lang="en-US" altLang="zh-CN" dirty="0">
-                <a:solidFill>
-                  <a:srgbClr val="666666"/>
-                </a:solidFill>
-                <a:latin typeface="+mn-ea"/>
-              </a:rPr>
-              <a:t>int</a:t>
-            </a:r>
-            <a:r>
-              <a:rPr lang="zh-CN" altLang="en-US" dirty="0">
-                <a:solidFill>
-                  <a:srgbClr val="666666"/>
-                </a:solidFill>
-                <a:latin typeface="+mn-ea"/>
-              </a:rPr>
-              <a:t>，</a:t>
-            </a:r>
-            <a:r>
-              <a:rPr lang="en-US" altLang="zh-CN" dirty="0">
-                <a:solidFill>
-                  <a:srgbClr val="666666"/>
-                </a:solidFill>
-                <a:latin typeface="+mn-ea"/>
-              </a:rPr>
-              <a:t>string</a:t>
-            </a:r>
-            <a:r>
-              <a:rPr lang="zh-CN" altLang="en-US" dirty="0">
-                <a:solidFill>
-                  <a:srgbClr val="666666"/>
-                </a:solidFill>
-                <a:latin typeface="+mn-ea"/>
-              </a:rPr>
-              <a:t>等进行存储，假设有那么一组数据，我需要存储老师和学生的姓名，同时学生和老师有一定的对应关系，</a:t>
-            </a:r>
-            <a:r>
-              <a:rPr lang="zh-CN" altLang="en-US" b="0" i="0" dirty="0">
-                <a:solidFill>
-                  <a:srgbClr val="444444"/>
-                </a:solidFill>
-                <a:effectLst/>
-                <a:latin typeface="Helvetica Neue"/>
-              </a:rPr>
-              <a:t>用数组存储所有的姓名，</a:t>
-            </a:r>
-            <a:r>
-              <a:rPr lang="zh-CN" altLang="en-US" b="0" i="0" dirty="0">
-                <a:solidFill>
-                  <a:srgbClr val="444444"/>
-                </a:solidFill>
-                <a:effectLst/>
-                <a:latin typeface="+mn-ea"/>
-              </a:rPr>
-              <a:t>数据存储是没有问题，但是无法体现数据之间的逻辑关系，后期根本无法使用，显然不明智。</a:t>
-            </a:r>
-            <a:endParaRPr lang="en-US" altLang="zh-CN" b="0" i="0" dirty="0">
-              <a:solidFill>
-                <a:srgbClr val="444444"/>
-              </a:solidFill>
-              <a:effectLst/>
-              <a:latin typeface="+mn-ea"/>
-            </a:endParaRPr>
-          </a:p>
-          <a:p>
-            <a:r>
-              <a:rPr lang="zh-CN" altLang="en-US" dirty="0">
-                <a:solidFill>
-                  <a:srgbClr val="444444"/>
-                </a:solidFill>
-                <a:latin typeface="+mn-ea"/>
-              </a:rPr>
-              <a:t>又或者是存储地图上的各个点，</a:t>
-            </a:r>
-            <a:r>
-              <a:rPr lang="zh-CN" altLang="en-US" b="0" i="0" dirty="0">
-                <a:solidFill>
-                  <a:srgbClr val="444444"/>
-                </a:solidFill>
-                <a:effectLst/>
-                <a:latin typeface="Helvetica Neue"/>
-              </a:rPr>
-              <a:t>很明显，这些数据绝不是使用变量或数组进行存储的，那样对于数据的使用简直是个悲剧。因此数据结构就是专门处理这个问题而存在的</a:t>
-            </a:r>
-            <a:endParaRPr lang="zh-CN" altLang="en-US" dirty="0">
-              <a:latin typeface="+mn-ea"/>
-            </a:endParaRPr>
-          </a:p>
-        </p:txBody>
-      </p:sp>
-    </p:spTree>
-    <p:extLst>
-      <p:ext uri="{BB962C8B-B14F-4D97-AF65-F5344CB8AC3E}">
-        <p14:creationId xmlns:p14="http://schemas.microsoft.com/office/powerpoint/2010/main" val="3775380674"/>
-      </p:ext>
-    </p:extLst>
-  </p:cSld>
-  <p:clrMapOvr>
-    <a:masterClrMapping/>
-  </p:clrMapOvr>
 </p:sld>
 </file>
 
